--- a/_book/plot/unnamed-chunk-70-1.pptx
+++ b/_book/plot/unnamed-chunk-70-1.pptx
@@ -3151,20 +3151,202 @@
         </p:sp>
         <p:sp>
           <p:nvSpPr>
-            <p:cNvPr id="4" name="rc4"/>
-            <p:cNvSpPr/>
-            <p:nvPr/>
-          </p:nvSpPr>
-          <p:spPr>
-            <a:xfrm>
-              <a:off x="1691481" y="1521028"/>
-              <a:ext cx="7315199" cy="4520793"/>
-            </a:xfrm>
-            <a:prstGeom prst="rect">
-              <a:avLst/>
-            </a:prstGeom>
+            <p:cNvPr id="4" name="pg4"/>
+            <p:cNvSpPr/>
+            <p:nvPr/>
+          </p:nvSpPr>
+          <p:spPr>
+            <a:xfrm>
+              <a:off x="4628377" y="1973107"/>
+              <a:ext cx="16973" cy="1808317"/>
+            </a:xfrm>
+            <a:custGeom>
+              <a:avLst/>
+              <a:pathLst>
+                <a:path w="16973" h="1808317">
+                  <a:moveTo>
+                    <a:pt x="0" y="1808317"/>
+                  </a:moveTo>
+                  <a:lnTo>
+                    <a:pt x="585" y="1745964"/>
+                  </a:lnTo>
+                  <a:lnTo>
+                    <a:pt x="1170" y="1683611"/>
+                  </a:lnTo>
+                  <a:lnTo>
+                    <a:pt x="1755" y="1621258"/>
+                  </a:lnTo>
+                  <a:lnTo>
+                    <a:pt x="2341" y="1558905"/>
+                  </a:lnTo>
+                  <a:lnTo>
+                    <a:pt x="2926" y="1496552"/>
+                  </a:lnTo>
+                  <a:lnTo>
+                    <a:pt x="3511" y="1434199"/>
+                  </a:lnTo>
+                  <a:lnTo>
+                    <a:pt x="4097" y="1371846"/>
+                  </a:lnTo>
+                  <a:lnTo>
+                    <a:pt x="4682" y="1309493"/>
+                  </a:lnTo>
+                  <a:lnTo>
+                    <a:pt x="5267" y="1247140"/>
+                  </a:lnTo>
+                  <a:lnTo>
+                    <a:pt x="5853" y="1184787"/>
+                  </a:lnTo>
+                  <a:lnTo>
+                    <a:pt x="6438" y="1122434"/>
+                  </a:lnTo>
+                  <a:lnTo>
+                    <a:pt x="7023" y="1060081"/>
+                  </a:lnTo>
+                  <a:lnTo>
+                    <a:pt x="7608" y="997728"/>
+                  </a:lnTo>
+                  <a:lnTo>
+                    <a:pt x="8194" y="935375"/>
+                  </a:lnTo>
+                  <a:lnTo>
+                    <a:pt x="8779" y="873022"/>
+                  </a:lnTo>
+                  <a:lnTo>
+                    <a:pt x="9364" y="810669"/>
+                  </a:lnTo>
+                  <a:lnTo>
+                    <a:pt x="9950" y="748315"/>
+                  </a:lnTo>
+                  <a:lnTo>
+                    <a:pt x="10535" y="685962"/>
+                  </a:lnTo>
+                  <a:lnTo>
+                    <a:pt x="11120" y="623609"/>
+                  </a:lnTo>
+                  <a:lnTo>
+                    <a:pt x="11706" y="561256"/>
+                  </a:lnTo>
+                  <a:lnTo>
+                    <a:pt x="12291" y="498903"/>
+                  </a:lnTo>
+                  <a:lnTo>
+                    <a:pt x="12876" y="436550"/>
+                  </a:lnTo>
+                  <a:lnTo>
+                    <a:pt x="13461" y="374197"/>
+                  </a:lnTo>
+                  <a:lnTo>
+                    <a:pt x="14047" y="311844"/>
+                  </a:lnTo>
+                  <a:lnTo>
+                    <a:pt x="14632" y="249491"/>
+                  </a:lnTo>
+                  <a:lnTo>
+                    <a:pt x="15217" y="187138"/>
+                  </a:lnTo>
+                  <a:lnTo>
+                    <a:pt x="15803" y="124785"/>
+                  </a:lnTo>
+                  <a:lnTo>
+                    <a:pt x="16388" y="62432"/>
+                  </a:lnTo>
+                  <a:lnTo>
+                    <a:pt x="16973" y="79"/>
+                  </a:lnTo>
+                  <a:lnTo>
+                    <a:pt x="0" y="0"/>
+                  </a:lnTo>
+                  <a:lnTo>
+                    <a:pt x="0" y="62355"/>
+                  </a:lnTo>
+                  <a:lnTo>
+                    <a:pt x="0" y="124711"/>
+                  </a:lnTo>
+                  <a:lnTo>
+                    <a:pt x="0" y="187067"/>
+                  </a:lnTo>
+                  <a:lnTo>
+                    <a:pt x="0" y="249423"/>
+                  </a:lnTo>
+                  <a:lnTo>
+                    <a:pt x="0" y="311778"/>
+                  </a:lnTo>
+                  <a:lnTo>
+                    <a:pt x="0" y="374134"/>
+                  </a:lnTo>
+                  <a:lnTo>
+                    <a:pt x="0" y="436490"/>
+                  </a:lnTo>
+                  <a:lnTo>
+                    <a:pt x="0" y="498846"/>
+                  </a:lnTo>
+                  <a:lnTo>
+                    <a:pt x="0" y="561201"/>
+                  </a:lnTo>
+                  <a:lnTo>
+                    <a:pt x="0" y="623557"/>
+                  </a:lnTo>
+                  <a:lnTo>
+                    <a:pt x="0" y="685913"/>
+                  </a:lnTo>
+                  <a:lnTo>
+                    <a:pt x="0" y="748269"/>
+                  </a:lnTo>
+                  <a:lnTo>
+                    <a:pt x="0" y="810625"/>
+                  </a:lnTo>
+                  <a:lnTo>
+                    <a:pt x="0" y="872980"/>
+                  </a:lnTo>
+                  <a:lnTo>
+                    <a:pt x="0" y="935336"/>
+                  </a:lnTo>
+                  <a:lnTo>
+                    <a:pt x="0" y="997692"/>
+                  </a:lnTo>
+                  <a:lnTo>
+                    <a:pt x="0" y="1060048"/>
+                  </a:lnTo>
+                  <a:lnTo>
+                    <a:pt x="0" y="1122403"/>
+                  </a:lnTo>
+                  <a:lnTo>
+                    <a:pt x="0" y="1184759"/>
+                  </a:lnTo>
+                  <a:lnTo>
+                    <a:pt x="0" y="1247115"/>
+                  </a:lnTo>
+                  <a:lnTo>
+                    <a:pt x="0" y="1309471"/>
+                  </a:lnTo>
+                  <a:lnTo>
+                    <a:pt x="0" y="1371827"/>
+                  </a:lnTo>
+                  <a:lnTo>
+                    <a:pt x="0" y="1434182"/>
+                  </a:lnTo>
+                  <a:lnTo>
+                    <a:pt x="0" y="1496538"/>
+                  </a:lnTo>
+                  <a:lnTo>
+                    <a:pt x="0" y="1558894"/>
+                  </a:lnTo>
+                  <a:lnTo>
+                    <a:pt x="0" y="1621250"/>
+                  </a:lnTo>
+                  <a:lnTo>
+                    <a:pt x="0" y="1683605"/>
+                  </a:lnTo>
+                  <a:lnTo>
+                    <a:pt x="0" y="1745961"/>
+                  </a:lnTo>
+                  <a:close/>
+                </a:path>
+              </a:pathLst>
+            </a:custGeom>
             <a:solidFill>
-              <a:srgbClr val="FFFFFF">
+              <a:srgbClr val="E76BF3">
                 <a:alpha val="100000"/>
               </a:srgbClr>
             </a:solidFill>
@@ -3186,60 +3368,271 @@
         </p:sp>
         <p:sp>
           <p:nvSpPr>
-            <p:cNvPr id="5" name="rc5"/>
-            <p:cNvSpPr/>
-            <p:nvPr/>
-          </p:nvSpPr>
-          <p:spPr>
-            <a:xfrm>
-              <a:off x="2023549" y="1590617"/>
-              <a:ext cx="6913543" cy="4048310"/>
-            </a:xfrm>
-            <a:prstGeom prst="rect">
-              <a:avLst/>
-            </a:prstGeom>
+            <p:cNvPr id="5" name="pg5"/>
+            <p:cNvSpPr/>
+            <p:nvPr/>
+          </p:nvSpPr>
+          <p:spPr>
+            <a:xfrm>
+              <a:off x="4628377" y="1973187"/>
+              <a:ext cx="1241585" cy="1808237"/>
+            </a:xfrm>
+            <a:custGeom>
+              <a:avLst/>
+              <a:pathLst>
+                <a:path w="1241585" h="1808237">
+                  <a:moveTo>
+                    <a:pt x="0" y="1808237"/>
+                  </a:moveTo>
+                  <a:lnTo>
+                    <a:pt x="42813" y="1762902"/>
+                  </a:lnTo>
+                  <a:lnTo>
+                    <a:pt x="85626" y="1717567"/>
+                  </a:lnTo>
+                  <a:lnTo>
+                    <a:pt x="128439" y="1672232"/>
+                  </a:lnTo>
+                  <a:lnTo>
+                    <a:pt x="171253" y="1626897"/>
+                  </a:lnTo>
+                  <a:lnTo>
+                    <a:pt x="214066" y="1581562"/>
+                  </a:lnTo>
+                  <a:lnTo>
+                    <a:pt x="256879" y="1536227"/>
+                  </a:lnTo>
+                  <a:lnTo>
+                    <a:pt x="299693" y="1490892"/>
+                  </a:lnTo>
+                  <a:lnTo>
+                    <a:pt x="342506" y="1445557"/>
+                  </a:lnTo>
+                  <a:lnTo>
+                    <a:pt x="385319" y="1400222"/>
+                  </a:lnTo>
+                  <a:lnTo>
+                    <a:pt x="428132" y="1354887"/>
+                  </a:lnTo>
+                  <a:lnTo>
+                    <a:pt x="470946" y="1309552"/>
+                  </a:lnTo>
+                  <a:lnTo>
+                    <a:pt x="513759" y="1264217"/>
+                  </a:lnTo>
+                  <a:lnTo>
+                    <a:pt x="556572" y="1218882"/>
+                  </a:lnTo>
+                  <a:lnTo>
+                    <a:pt x="599386" y="1173547"/>
+                  </a:lnTo>
+                  <a:lnTo>
+                    <a:pt x="642199" y="1128212"/>
+                  </a:lnTo>
+                  <a:lnTo>
+                    <a:pt x="685012" y="1082877"/>
+                  </a:lnTo>
+                  <a:lnTo>
+                    <a:pt x="727826" y="1037542"/>
+                  </a:lnTo>
+                  <a:lnTo>
+                    <a:pt x="770639" y="992207"/>
+                  </a:lnTo>
+                  <a:lnTo>
+                    <a:pt x="813452" y="946872"/>
+                  </a:lnTo>
+                  <a:lnTo>
+                    <a:pt x="856265" y="901537"/>
+                  </a:lnTo>
+                  <a:lnTo>
+                    <a:pt x="899079" y="856202"/>
+                  </a:lnTo>
+                  <a:lnTo>
+                    <a:pt x="941892" y="810867"/>
+                  </a:lnTo>
+                  <a:lnTo>
+                    <a:pt x="984705" y="765532"/>
+                  </a:lnTo>
+                  <a:lnTo>
+                    <a:pt x="1027519" y="720197"/>
+                  </a:lnTo>
+                  <a:lnTo>
+                    <a:pt x="1070332" y="674862"/>
+                  </a:lnTo>
+                  <a:lnTo>
+                    <a:pt x="1113145" y="629527"/>
+                  </a:lnTo>
+                  <a:lnTo>
+                    <a:pt x="1155959" y="584192"/>
+                  </a:lnTo>
+                  <a:lnTo>
+                    <a:pt x="1198772" y="538857"/>
+                  </a:lnTo>
+                  <a:lnTo>
+                    <a:pt x="1241585" y="493522"/>
+                  </a:lnTo>
+                  <a:lnTo>
+                    <a:pt x="1196212" y="452108"/>
+                  </a:lnTo>
+                  <a:lnTo>
+                    <a:pt x="1149459" y="412259"/>
+                  </a:lnTo>
+                  <a:lnTo>
+                    <a:pt x="1101378" y="374021"/>
+                  </a:lnTo>
+                  <a:lnTo>
+                    <a:pt x="1052027" y="337438"/>
+                  </a:lnTo>
+                  <a:lnTo>
+                    <a:pt x="1001462" y="302553"/>
+                  </a:lnTo>
+                  <a:lnTo>
+                    <a:pt x="949741" y="269406"/>
+                  </a:lnTo>
+                  <a:lnTo>
+                    <a:pt x="896924" y="238034"/>
+                  </a:lnTo>
+                  <a:lnTo>
+                    <a:pt x="843072" y="208474"/>
+                  </a:lnTo>
+                  <a:lnTo>
+                    <a:pt x="788247" y="180761"/>
+                  </a:lnTo>
+                  <a:lnTo>
+                    <a:pt x="732512" y="154926"/>
+                  </a:lnTo>
+                  <a:lnTo>
+                    <a:pt x="675931" y="130999"/>
+                  </a:lnTo>
+                  <a:lnTo>
+                    <a:pt x="618571" y="109008"/>
+                  </a:lnTo>
+                  <a:lnTo>
+                    <a:pt x="560497" y="88977"/>
+                  </a:lnTo>
+                  <a:lnTo>
+                    <a:pt x="501776" y="70931"/>
+                  </a:lnTo>
+                  <a:lnTo>
+                    <a:pt x="442476" y="54890"/>
+                  </a:lnTo>
+                  <a:lnTo>
+                    <a:pt x="382665" y="40872"/>
+                  </a:lnTo>
+                  <a:lnTo>
+                    <a:pt x="322413" y="28894"/>
+                  </a:lnTo>
+                  <a:lnTo>
+                    <a:pt x="261788" y="18970"/>
+                  </a:lnTo>
+                  <a:lnTo>
+                    <a:pt x="200861" y="11110"/>
+                  </a:lnTo>
+                  <a:lnTo>
+                    <a:pt x="139703" y="5324"/>
+                  </a:lnTo>
+                  <a:lnTo>
+                    <a:pt x="78383" y="1619"/>
+                  </a:lnTo>
+                  <a:lnTo>
+                    <a:pt x="16973" y="0"/>
+                  </a:lnTo>
+                  <a:lnTo>
+                    <a:pt x="16388" y="62353"/>
+                  </a:lnTo>
+                  <a:lnTo>
+                    <a:pt x="15803" y="124706"/>
+                  </a:lnTo>
+                  <a:lnTo>
+                    <a:pt x="15217" y="187059"/>
+                  </a:lnTo>
+                  <a:lnTo>
+                    <a:pt x="14632" y="249412"/>
+                  </a:lnTo>
+                  <a:lnTo>
+                    <a:pt x="14047" y="311765"/>
+                  </a:lnTo>
+                  <a:lnTo>
+                    <a:pt x="13461" y="374118"/>
+                  </a:lnTo>
+                  <a:lnTo>
+                    <a:pt x="12876" y="436471"/>
+                  </a:lnTo>
+                  <a:lnTo>
+                    <a:pt x="12291" y="498824"/>
+                  </a:lnTo>
+                  <a:lnTo>
+                    <a:pt x="11706" y="561177"/>
+                  </a:lnTo>
+                  <a:lnTo>
+                    <a:pt x="11120" y="623530"/>
+                  </a:lnTo>
+                  <a:lnTo>
+                    <a:pt x="10535" y="685883"/>
+                  </a:lnTo>
+                  <a:lnTo>
+                    <a:pt x="9950" y="748236"/>
+                  </a:lnTo>
+                  <a:lnTo>
+                    <a:pt x="9364" y="810589"/>
+                  </a:lnTo>
+                  <a:lnTo>
+                    <a:pt x="8779" y="872942"/>
+                  </a:lnTo>
+                  <a:lnTo>
+                    <a:pt x="8194" y="935295"/>
+                  </a:lnTo>
+                  <a:lnTo>
+                    <a:pt x="7608" y="997648"/>
+                  </a:lnTo>
+                  <a:lnTo>
+                    <a:pt x="7023" y="1060001"/>
+                  </a:lnTo>
+                  <a:lnTo>
+                    <a:pt x="6438" y="1122354"/>
+                  </a:lnTo>
+                  <a:lnTo>
+                    <a:pt x="5853" y="1184707"/>
+                  </a:lnTo>
+                  <a:lnTo>
+                    <a:pt x="5267" y="1247060"/>
+                  </a:lnTo>
+                  <a:lnTo>
+                    <a:pt x="4682" y="1309413"/>
+                  </a:lnTo>
+                  <a:lnTo>
+                    <a:pt x="4097" y="1371766"/>
+                  </a:lnTo>
+                  <a:lnTo>
+                    <a:pt x="3511" y="1434119"/>
+                  </a:lnTo>
+                  <a:lnTo>
+                    <a:pt x="2926" y="1496472"/>
+                  </a:lnTo>
+                  <a:lnTo>
+                    <a:pt x="2341" y="1558825"/>
+                  </a:lnTo>
+                  <a:lnTo>
+                    <a:pt x="1755" y="1621178"/>
+                  </a:lnTo>
+                  <a:lnTo>
+                    <a:pt x="1170" y="1683531"/>
+                  </a:lnTo>
+                  <a:lnTo>
+                    <a:pt x="585" y="1745884"/>
+                  </a:lnTo>
+                  <a:close/>
+                </a:path>
+              </a:pathLst>
+            </a:custGeom>
             <a:solidFill>
-              <a:srgbClr val="FFFFFF">
+              <a:srgbClr val="00B0F6">
                 <a:alpha val="100000"/>
               </a:srgbClr>
             </a:solidFill>
-          </p:spPr>
-          <p:txBody>
-            <a:bodyPr/>
-            <a:lstStyle/>
-            <a:p/>
-          </p:txBody>
-        </p:sp>
-        <p:sp>
-          <p:nvSpPr>
-            <p:cNvPr id="6" name="pl6"/>
-            <p:cNvSpPr/>
-            <p:nvPr/>
-          </p:nvSpPr>
-          <p:spPr>
-            <a:xfrm>
-              <a:off x="3142767" y="1590617"/>
-              <a:ext cx="0" cy="4048310"/>
-            </a:xfrm>
-            <a:custGeom>
-              <a:avLst/>
-              <a:pathLst>
-                <a:path w="0" h="4048310">
-                  <a:moveTo>
-                    <a:pt x="0" y="4048310"/>
-                  </a:moveTo>
-                  <a:lnTo>
-                    <a:pt x="0" y="0"/>
-                  </a:lnTo>
-                  <a:lnTo>
-                    <a:pt x="0" y="0"/>
-                  </a:lnTo>
-                </a:path>
-              </a:pathLst>
-            </a:custGeom>
-            <a:ln w="3387" cap="flat">
+            <a:ln w="13550" cap="rnd">
               <a:solidFill>
-                <a:srgbClr val="DEDEDE">
+                <a:srgbClr val="FFFFFF">
                   <a:alpha val="100000"/>
                 </a:srgbClr>
               </a:solidFill>
@@ -3255,34 +3648,319 @@
         </p:sp>
         <p:sp>
           <p:nvSpPr>
-            <p:cNvPr id="7" name="pl7"/>
-            <p:cNvSpPr/>
-            <p:nvPr/>
-          </p:nvSpPr>
-          <p:spPr>
-            <a:xfrm>
-              <a:off x="5381202" y="1590617"/>
-              <a:ext cx="0" cy="4048310"/>
+            <p:cNvPr id="6" name="pg6"/>
+            <p:cNvSpPr/>
+            <p:nvPr/>
+          </p:nvSpPr>
+          <p:spPr>
+            <a:xfrm>
+              <a:off x="4628377" y="2466709"/>
+              <a:ext cx="1808316" cy="2138745"/>
             </a:xfrm>
             <a:custGeom>
               <a:avLst/>
               <a:pathLst>
-                <a:path w="0" h="4048310">
+                <a:path w="1808316" h="2138745">
                   <a:moveTo>
-                    <a:pt x="0" y="4048310"/>
+                    <a:pt x="0" y="1314715"/>
                   </a:moveTo>
                   <a:lnTo>
-                    <a:pt x="0" y="0"/>
-                  </a:lnTo>
-                  <a:lnTo>
-                    <a:pt x="0" y="0"/>
-                  </a:lnTo>
+                    <a:pt x="55505" y="1343130"/>
+                  </a:lnTo>
+                  <a:lnTo>
+                    <a:pt x="111010" y="1371545"/>
+                  </a:lnTo>
+                  <a:lnTo>
+                    <a:pt x="166515" y="1399960"/>
+                  </a:lnTo>
+                  <a:lnTo>
+                    <a:pt x="222021" y="1428374"/>
+                  </a:lnTo>
+                  <a:lnTo>
+                    <a:pt x="277526" y="1456789"/>
+                  </a:lnTo>
+                  <a:lnTo>
+                    <a:pt x="333031" y="1485204"/>
+                  </a:lnTo>
+                  <a:lnTo>
+                    <a:pt x="388537" y="1513619"/>
+                  </a:lnTo>
+                  <a:lnTo>
+                    <a:pt x="444042" y="1542034"/>
+                  </a:lnTo>
+                  <a:lnTo>
+                    <a:pt x="499547" y="1570448"/>
+                  </a:lnTo>
+                  <a:lnTo>
+                    <a:pt x="555053" y="1598863"/>
+                  </a:lnTo>
+                  <a:lnTo>
+                    <a:pt x="610558" y="1627278"/>
+                  </a:lnTo>
+                  <a:lnTo>
+                    <a:pt x="666063" y="1655693"/>
+                  </a:lnTo>
+                  <a:lnTo>
+                    <a:pt x="721569" y="1684108"/>
+                  </a:lnTo>
+                  <a:lnTo>
+                    <a:pt x="777074" y="1712522"/>
+                  </a:lnTo>
+                  <a:lnTo>
+                    <a:pt x="832579" y="1740937"/>
+                  </a:lnTo>
+                  <a:lnTo>
+                    <a:pt x="888085" y="1769352"/>
+                  </a:lnTo>
+                  <a:lnTo>
+                    <a:pt x="943590" y="1797767"/>
+                  </a:lnTo>
+                  <a:lnTo>
+                    <a:pt x="999095" y="1826182"/>
+                  </a:lnTo>
+                  <a:lnTo>
+                    <a:pt x="1054601" y="1854597"/>
+                  </a:lnTo>
+                  <a:lnTo>
+                    <a:pt x="1110106" y="1883011"/>
+                  </a:lnTo>
+                  <a:lnTo>
+                    <a:pt x="1165611" y="1911426"/>
+                  </a:lnTo>
+                  <a:lnTo>
+                    <a:pt x="1221117" y="1939841"/>
+                  </a:lnTo>
+                  <a:lnTo>
+                    <a:pt x="1276622" y="1968256"/>
+                  </a:lnTo>
+                  <a:lnTo>
+                    <a:pt x="1332127" y="1996671"/>
+                  </a:lnTo>
+                  <a:lnTo>
+                    <a:pt x="1387633" y="2025085"/>
+                  </a:lnTo>
+                  <a:lnTo>
+                    <a:pt x="1443138" y="2053500"/>
+                  </a:lnTo>
+                  <a:lnTo>
+                    <a:pt x="1498643" y="2081915"/>
+                  </a:lnTo>
+                  <a:lnTo>
+                    <a:pt x="1554149" y="2110330"/>
+                  </a:lnTo>
+                  <a:lnTo>
+                    <a:pt x="1609654" y="2138745"/>
+                  </a:lnTo>
+                  <a:lnTo>
+                    <a:pt x="1636637" y="2083760"/>
+                  </a:lnTo>
+                  <a:lnTo>
+                    <a:pt x="1661742" y="2027893"/>
+                  </a:lnTo>
+                  <a:lnTo>
+                    <a:pt x="1684942" y="1971208"/>
+                  </a:lnTo>
+                  <a:lnTo>
+                    <a:pt x="1706208" y="1913769"/>
+                  </a:lnTo>
+                  <a:lnTo>
+                    <a:pt x="1725516" y="1855644"/>
+                  </a:lnTo>
+                  <a:lnTo>
+                    <a:pt x="1742845" y="1796897"/>
+                  </a:lnTo>
+                  <a:lnTo>
+                    <a:pt x="1758175" y="1737598"/>
+                  </a:lnTo>
+                  <a:lnTo>
+                    <a:pt x="1771488" y="1677814"/>
+                  </a:lnTo>
+                  <a:lnTo>
+                    <a:pt x="1782768" y="1617613"/>
+                  </a:lnTo>
+                  <a:lnTo>
+                    <a:pt x="1792004" y="1557064"/>
+                  </a:lnTo>
+                  <a:lnTo>
+                    <a:pt x="1799183" y="1496238"/>
+                  </a:lnTo>
+                  <a:lnTo>
+                    <a:pt x="1804298" y="1435203"/>
+                  </a:lnTo>
+                  <a:lnTo>
+                    <a:pt x="1807344" y="1374030"/>
+                  </a:lnTo>
+                  <a:lnTo>
+                    <a:pt x="1808316" y="1312789"/>
+                  </a:lnTo>
+                  <a:lnTo>
+                    <a:pt x="1807213" y="1251550"/>
+                  </a:lnTo>
+                  <a:lnTo>
+                    <a:pt x="1804038" y="1190384"/>
+                  </a:lnTo>
+                  <a:lnTo>
+                    <a:pt x="1798792" y="1129360"/>
+                  </a:lnTo>
+                  <a:lnTo>
+                    <a:pt x="1791483" y="1068549"/>
+                  </a:lnTo>
+                  <a:lnTo>
+                    <a:pt x="1782119" y="1008020"/>
+                  </a:lnTo>
+                  <a:lnTo>
+                    <a:pt x="1770710" y="947843"/>
+                  </a:lnTo>
+                  <a:lnTo>
+                    <a:pt x="1757270" y="888087"/>
+                  </a:lnTo>
+                  <a:lnTo>
+                    <a:pt x="1741814" y="828821"/>
+                  </a:lnTo>
+                  <a:lnTo>
+                    <a:pt x="1724360" y="770112"/>
+                  </a:lnTo>
+                  <a:lnTo>
+                    <a:pt x="1704927" y="712027"/>
+                  </a:lnTo>
+                  <a:lnTo>
+                    <a:pt x="1683539" y="654634"/>
+                  </a:lnTo>
+                  <a:lnTo>
+                    <a:pt x="1660219" y="597999"/>
+                  </a:lnTo>
+                  <a:lnTo>
+                    <a:pt x="1634995" y="542185"/>
+                  </a:lnTo>
+                  <a:lnTo>
+                    <a:pt x="1607895" y="487258"/>
+                  </a:lnTo>
+                  <a:lnTo>
+                    <a:pt x="1578950" y="433280"/>
+                  </a:lnTo>
+                  <a:lnTo>
+                    <a:pt x="1548194" y="380313"/>
+                  </a:lnTo>
+                  <a:lnTo>
+                    <a:pt x="1515662" y="328419"/>
+                  </a:lnTo>
+                  <a:lnTo>
+                    <a:pt x="1481391" y="277655"/>
+                  </a:lnTo>
+                  <a:lnTo>
+                    <a:pt x="1445420" y="228082"/>
+                  </a:lnTo>
+                  <a:lnTo>
+                    <a:pt x="1407791" y="179755"/>
+                  </a:lnTo>
+                  <a:lnTo>
+                    <a:pt x="1368548" y="132730"/>
+                  </a:lnTo>
+                  <a:lnTo>
+                    <a:pt x="1327734" y="87061"/>
+                  </a:lnTo>
+                  <a:lnTo>
+                    <a:pt x="1285397" y="42801"/>
+                  </a:lnTo>
+                  <a:lnTo>
+                    <a:pt x="1241585" y="0"/>
+                  </a:lnTo>
+                  <a:lnTo>
+                    <a:pt x="1198772" y="45335"/>
+                  </a:lnTo>
+                  <a:lnTo>
+                    <a:pt x="1155959" y="90670"/>
+                  </a:lnTo>
+                  <a:lnTo>
+                    <a:pt x="1113145" y="136005"/>
+                  </a:lnTo>
+                  <a:lnTo>
+                    <a:pt x="1070332" y="181340"/>
+                  </a:lnTo>
+                  <a:lnTo>
+                    <a:pt x="1027519" y="226675"/>
+                  </a:lnTo>
+                  <a:lnTo>
+                    <a:pt x="984705" y="272010"/>
+                  </a:lnTo>
+                  <a:lnTo>
+                    <a:pt x="941892" y="317345"/>
+                  </a:lnTo>
+                  <a:lnTo>
+                    <a:pt x="899079" y="362680"/>
+                  </a:lnTo>
+                  <a:lnTo>
+                    <a:pt x="856265" y="408015"/>
+                  </a:lnTo>
+                  <a:lnTo>
+                    <a:pt x="813452" y="453350"/>
+                  </a:lnTo>
+                  <a:lnTo>
+                    <a:pt x="770639" y="498685"/>
+                  </a:lnTo>
+                  <a:lnTo>
+                    <a:pt x="727826" y="544020"/>
+                  </a:lnTo>
+                  <a:lnTo>
+                    <a:pt x="685012" y="589355"/>
+                  </a:lnTo>
+                  <a:lnTo>
+                    <a:pt x="642199" y="634690"/>
+                  </a:lnTo>
+                  <a:lnTo>
+                    <a:pt x="599386" y="680025"/>
+                  </a:lnTo>
+                  <a:lnTo>
+                    <a:pt x="556572" y="725360"/>
+                  </a:lnTo>
+                  <a:lnTo>
+                    <a:pt x="513759" y="770695"/>
+                  </a:lnTo>
+                  <a:lnTo>
+                    <a:pt x="470946" y="816030"/>
+                  </a:lnTo>
+                  <a:lnTo>
+                    <a:pt x="428132" y="861365"/>
+                  </a:lnTo>
+                  <a:lnTo>
+                    <a:pt x="385319" y="906700"/>
+                  </a:lnTo>
+                  <a:lnTo>
+                    <a:pt x="342506" y="952035"/>
+                  </a:lnTo>
+                  <a:lnTo>
+                    <a:pt x="299693" y="997370"/>
+                  </a:lnTo>
+                  <a:lnTo>
+                    <a:pt x="256879" y="1042705"/>
+                  </a:lnTo>
+                  <a:lnTo>
+                    <a:pt x="214066" y="1088040"/>
+                  </a:lnTo>
+                  <a:lnTo>
+                    <a:pt x="171253" y="1133375"/>
+                  </a:lnTo>
+                  <a:lnTo>
+                    <a:pt x="128439" y="1178710"/>
+                  </a:lnTo>
+                  <a:lnTo>
+                    <a:pt x="85626" y="1224045"/>
+                  </a:lnTo>
+                  <a:lnTo>
+                    <a:pt x="42813" y="1269380"/>
+                  </a:lnTo>
+                  <a:close/>
                 </a:path>
               </a:pathLst>
             </a:custGeom>
-            <a:ln w="3387" cap="flat">
+            <a:solidFill>
+              <a:srgbClr val="00BF7D">
+                <a:alpha val="100000"/>
+              </a:srgbClr>
+            </a:solidFill>
+            <a:ln w="13550" cap="rnd">
               <a:solidFill>
-                <a:srgbClr val="DEDEDE">
+                <a:srgbClr val="FFFFFF">
                   <a:alpha val="100000"/>
                 </a:srgbClr>
               </a:solidFill>
@@ -3298,34 +3976,379 @@
         </p:sp>
         <p:sp>
           <p:nvSpPr>
-            <p:cNvPr id="8" name="pl8"/>
-            <p:cNvSpPr/>
-            <p:nvPr/>
-          </p:nvSpPr>
-          <p:spPr>
-            <a:xfrm>
-              <a:off x="7619638" y="1590617"/>
-              <a:ext cx="0" cy="4048310"/>
+            <p:cNvPr id="7" name="pg7"/>
+            <p:cNvSpPr/>
+            <p:nvPr/>
+          </p:nvSpPr>
+          <p:spPr>
+            <a:xfrm>
+              <a:off x="3246199" y="3781425"/>
+              <a:ext cx="2991832" cy="1808186"/>
             </a:xfrm>
             <a:custGeom>
               <a:avLst/>
               <a:pathLst>
-                <a:path w="0" h="4048310">
+                <a:path w="2991832" h="1808186">
                   <a:moveTo>
-                    <a:pt x="0" y="4048310"/>
+                    <a:pt x="1382178" y="0"/>
                   </a:moveTo>
                   <a:lnTo>
-                    <a:pt x="0" y="0"/>
-                  </a:lnTo>
-                  <a:lnTo>
-                    <a:pt x="0" y="0"/>
-                  </a:lnTo>
+                    <a:pt x="1334516" y="40207"/>
+                  </a:lnTo>
+                  <a:lnTo>
+                    <a:pt x="1286855" y="80414"/>
+                  </a:lnTo>
+                  <a:lnTo>
+                    <a:pt x="1239194" y="120622"/>
+                  </a:lnTo>
+                  <a:lnTo>
+                    <a:pt x="1191532" y="160829"/>
+                  </a:lnTo>
+                  <a:lnTo>
+                    <a:pt x="1143871" y="201037"/>
+                  </a:lnTo>
+                  <a:lnTo>
+                    <a:pt x="1096210" y="241244"/>
+                  </a:lnTo>
+                  <a:lnTo>
+                    <a:pt x="1048548" y="281452"/>
+                  </a:lnTo>
+                  <a:lnTo>
+                    <a:pt x="1000887" y="321659"/>
+                  </a:lnTo>
+                  <a:lnTo>
+                    <a:pt x="953226" y="361867"/>
+                  </a:lnTo>
+                  <a:lnTo>
+                    <a:pt x="905564" y="402074"/>
+                  </a:lnTo>
+                  <a:lnTo>
+                    <a:pt x="857903" y="442282"/>
+                  </a:lnTo>
+                  <a:lnTo>
+                    <a:pt x="810242" y="482489"/>
+                  </a:lnTo>
+                  <a:lnTo>
+                    <a:pt x="762581" y="522697"/>
+                  </a:lnTo>
+                  <a:lnTo>
+                    <a:pt x="714919" y="562904"/>
+                  </a:lnTo>
+                  <a:lnTo>
+                    <a:pt x="667258" y="603112"/>
+                  </a:lnTo>
+                  <a:lnTo>
+                    <a:pt x="619597" y="643319"/>
+                  </a:lnTo>
+                  <a:lnTo>
+                    <a:pt x="571935" y="683527"/>
+                  </a:lnTo>
+                  <a:lnTo>
+                    <a:pt x="524274" y="723734"/>
+                  </a:lnTo>
+                  <a:lnTo>
+                    <a:pt x="476613" y="763942"/>
+                  </a:lnTo>
+                  <a:lnTo>
+                    <a:pt x="428951" y="804149"/>
+                  </a:lnTo>
+                  <a:lnTo>
+                    <a:pt x="381290" y="844357"/>
+                  </a:lnTo>
+                  <a:lnTo>
+                    <a:pt x="333629" y="884564"/>
+                  </a:lnTo>
+                  <a:lnTo>
+                    <a:pt x="285967" y="924772"/>
+                  </a:lnTo>
+                  <a:lnTo>
+                    <a:pt x="238306" y="964979"/>
+                  </a:lnTo>
+                  <a:lnTo>
+                    <a:pt x="190645" y="1005187"/>
+                  </a:lnTo>
+                  <a:lnTo>
+                    <a:pt x="142983" y="1045394"/>
+                  </a:lnTo>
+                  <a:lnTo>
+                    <a:pt x="95322" y="1085602"/>
+                  </a:lnTo>
+                  <a:lnTo>
+                    <a:pt x="47661" y="1125809"/>
+                  </a:lnTo>
+                  <a:lnTo>
+                    <a:pt x="0" y="1166017"/>
+                  </a:lnTo>
+                  <a:lnTo>
+                    <a:pt x="40345" y="1212228"/>
+                  </a:lnTo>
+                  <a:lnTo>
+                    <a:pt x="82234" y="1257044"/>
+                  </a:lnTo>
+                  <a:lnTo>
+                    <a:pt x="125620" y="1300413"/>
+                  </a:lnTo>
+                  <a:lnTo>
+                    <a:pt x="170452" y="1342286"/>
+                  </a:lnTo>
+                  <a:lnTo>
+                    <a:pt x="216678" y="1382614"/>
+                  </a:lnTo>
+                  <a:lnTo>
+                    <a:pt x="264245" y="1421351"/>
+                  </a:lnTo>
+                  <a:lnTo>
+                    <a:pt x="313099" y="1458452"/>
+                  </a:lnTo>
+                  <a:lnTo>
+                    <a:pt x="363184" y="1493875"/>
+                  </a:lnTo>
+                  <a:lnTo>
+                    <a:pt x="414441" y="1527578"/>
+                  </a:lnTo>
+                  <a:lnTo>
+                    <a:pt x="466811" y="1559524"/>
+                  </a:lnTo>
+                  <a:lnTo>
+                    <a:pt x="520235" y="1589675"/>
+                  </a:lnTo>
+                  <a:lnTo>
+                    <a:pt x="574651" y="1617996"/>
+                  </a:lnTo>
+                  <a:lnTo>
+                    <a:pt x="629997" y="1644456"/>
+                  </a:lnTo>
+                  <a:lnTo>
+                    <a:pt x="686208" y="1669023"/>
+                  </a:lnTo>
+                  <a:lnTo>
+                    <a:pt x="743220" y="1691669"/>
+                  </a:lnTo>
+                  <a:lnTo>
+                    <a:pt x="800967" y="1712368"/>
+                  </a:lnTo>
+                  <a:lnTo>
+                    <a:pt x="859383" y="1731097"/>
+                  </a:lnTo>
+                  <a:lnTo>
+                    <a:pt x="918401" y="1747833"/>
+                  </a:lnTo>
+                  <a:lnTo>
+                    <a:pt x="977953" y="1762558"/>
+                  </a:lnTo>
+                  <a:lnTo>
+                    <a:pt x="1037969" y="1775255"/>
+                  </a:lnTo>
+                  <a:lnTo>
+                    <a:pt x="1098382" y="1785909"/>
+                  </a:lnTo>
+                  <a:lnTo>
+                    <a:pt x="1159122" y="1794507"/>
+                  </a:lnTo>
+                  <a:lnTo>
+                    <a:pt x="1220118" y="1801040"/>
+                  </a:lnTo>
+                  <a:lnTo>
+                    <a:pt x="1281300" y="1805501"/>
+                  </a:lnTo>
+                  <a:lnTo>
+                    <a:pt x="1342599" y="1807884"/>
+                  </a:lnTo>
+                  <a:lnTo>
+                    <a:pt x="1403943" y="1808186"/>
+                  </a:lnTo>
+                  <a:lnTo>
+                    <a:pt x="1465263" y="1806407"/>
+                  </a:lnTo>
+                  <a:lnTo>
+                    <a:pt x="1526486" y="1802550"/>
+                  </a:lnTo>
+                  <a:lnTo>
+                    <a:pt x="1587544" y="1796618"/>
+                  </a:lnTo>
+                  <a:lnTo>
+                    <a:pt x="1648365" y="1788618"/>
+                  </a:lnTo>
+                  <a:lnTo>
+                    <a:pt x="1708880" y="1778560"/>
+                  </a:lnTo>
+                  <a:lnTo>
+                    <a:pt x="1769019" y="1766455"/>
+                  </a:lnTo>
+                  <a:lnTo>
+                    <a:pt x="1828712" y="1752318"/>
+                  </a:lnTo>
+                  <a:lnTo>
+                    <a:pt x="1887892" y="1736163"/>
+                  </a:lnTo>
+                  <a:lnTo>
+                    <a:pt x="1946490" y="1718011"/>
+                  </a:lnTo>
+                  <a:lnTo>
+                    <a:pt x="2004438" y="1697882"/>
+                  </a:lnTo>
+                  <a:lnTo>
+                    <a:pt x="2061671" y="1675798"/>
+                  </a:lnTo>
+                  <a:lnTo>
+                    <a:pt x="2118121" y="1651786"/>
+                  </a:lnTo>
+                  <a:lnTo>
+                    <a:pt x="2173724" y="1625873"/>
+                  </a:lnTo>
+                  <a:lnTo>
+                    <a:pt x="2228417" y="1598089"/>
+                  </a:lnTo>
+                  <a:lnTo>
+                    <a:pt x="2282135" y="1568466"/>
+                  </a:lnTo>
+                  <a:lnTo>
+                    <a:pt x="2334818" y="1537038"/>
+                  </a:lnTo>
+                  <a:lnTo>
+                    <a:pt x="2386405" y="1503841"/>
+                  </a:lnTo>
+                  <a:lnTo>
+                    <a:pt x="2436836" y="1468914"/>
+                  </a:lnTo>
+                  <a:lnTo>
+                    <a:pt x="2486053" y="1432295"/>
+                  </a:lnTo>
+                  <a:lnTo>
+                    <a:pt x="2533999" y="1394029"/>
+                  </a:lnTo>
+                  <a:lnTo>
+                    <a:pt x="2580621" y="1354158"/>
+                  </a:lnTo>
+                  <a:lnTo>
+                    <a:pt x="2625863" y="1312729"/>
+                  </a:lnTo>
+                  <a:lnTo>
+                    <a:pt x="2669673" y="1269789"/>
+                  </a:lnTo>
+                  <a:lnTo>
+                    <a:pt x="2712003" y="1225388"/>
+                  </a:lnTo>
+                  <a:lnTo>
+                    <a:pt x="2752801" y="1179577"/>
+                  </a:lnTo>
+                  <a:lnTo>
+                    <a:pt x="2792023" y="1132408"/>
+                  </a:lnTo>
+                  <a:lnTo>
+                    <a:pt x="2829621" y="1083936"/>
+                  </a:lnTo>
+                  <a:lnTo>
+                    <a:pt x="2865554" y="1034217"/>
+                  </a:lnTo>
+                  <a:lnTo>
+                    <a:pt x="2899780" y="983307"/>
+                  </a:lnTo>
+                  <a:lnTo>
+                    <a:pt x="2932260" y="931266"/>
+                  </a:lnTo>
+                  <a:lnTo>
+                    <a:pt x="2962956" y="878153"/>
+                  </a:lnTo>
+                  <a:lnTo>
+                    <a:pt x="2991832" y="824029"/>
+                  </a:lnTo>
+                  <a:lnTo>
+                    <a:pt x="2936327" y="795614"/>
+                  </a:lnTo>
+                  <a:lnTo>
+                    <a:pt x="2880821" y="767199"/>
+                  </a:lnTo>
+                  <a:lnTo>
+                    <a:pt x="2825316" y="738785"/>
+                  </a:lnTo>
+                  <a:lnTo>
+                    <a:pt x="2769811" y="710370"/>
+                  </a:lnTo>
+                  <a:lnTo>
+                    <a:pt x="2714305" y="681955"/>
+                  </a:lnTo>
+                  <a:lnTo>
+                    <a:pt x="2658800" y="653540"/>
+                  </a:lnTo>
+                  <a:lnTo>
+                    <a:pt x="2603295" y="625125"/>
+                  </a:lnTo>
+                  <a:lnTo>
+                    <a:pt x="2547789" y="596711"/>
+                  </a:lnTo>
+                  <a:lnTo>
+                    <a:pt x="2492284" y="568296"/>
+                  </a:lnTo>
+                  <a:lnTo>
+                    <a:pt x="2436779" y="539881"/>
+                  </a:lnTo>
+                  <a:lnTo>
+                    <a:pt x="2381273" y="511466"/>
+                  </a:lnTo>
+                  <a:lnTo>
+                    <a:pt x="2325768" y="483051"/>
+                  </a:lnTo>
+                  <a:lnTo>
+                    <a:pt x="2270263" y="454636"/>
+                  </a:lnTo>
+                  <a:lnTo>
+                    <a:pt x="2214757" y="426222"/>
+                  </a:lnTo>
+                  <a:lnTo>
+                    <a:pt x="2159252" y="397807"/>
+                  </a:lnTo>
+                  <a:lnTo>
+                    <a:pt x="2103747" y="369392"/>
+                  </a:lnTo>
+                  <a:lnTo>
+                    <a:pt x="2048241" y="340977"/>
+                  </a:lnTo>
+                  <a:lnTo>
+                    <a:pt x="1992736" y="312562"/>
+                  </a:lnTo>
+                  <a:lnTo>
+                    <a:pt x="1937231" y="284148"/>
+                  </a:lnTo>
+                  <a:lnTo>
+                    <a:pt x="1881725" y="255733"/>
+                  </a:lnTo>
+                  <a:lnTo>
+                    <a:pt x="1826220" y="227318"/>
+                  </a:lnTo>
+                  <a:lnTo>
+                    <a:pt x="1770715" y="198903"/>
+                  </a:lnTo>
+                  <a:lnTo>
+                    <a:pt x="1715210" y="170488"/>
+                  </a:lnTo>
+                  <a:lnTo>
+                    <a:pt x="1659704" y="142074"/>
+                  </a:lnTo>
+                  <a:lnTo>
+                    <a:pt x="1604199" y="113659"/>
+                  </a:lnTo>
+                  <a:lnTo>
+                    <a:pt x="1548694" y="85244"/>
+                  </a:lnTo>
+                  <a:lnTo>
+                    <a:pt x="1493188" y="56829"/>
+                  </a:lnTo>
+                  <a:lnTo>
+                    <a:pt x="1437683" y="28414"/>
+                  </a:lnTo>
+                  <a:close/>
                 </a:path>
               </a:pathLst>
             </a:custGeom>
-            <a:ln w="3387" cap="flat">
+            <a:solidFill>
+              <a:srgbClr val="A3A500">
+                <a:alpha val="100000"/>
+              </a:srgbClr>
+            </a:solidFill>
+            <a:ln w="13550" cap="rnd">
               <a:solidFill>
-                <a:srgbClr val="DEDEDE">
+                <a:srgbClr val="FFFFFF">
                   <a:alpha val="100000"/>
                 </a:srgbClr>
               </a:solidFill>
@@ -3341,34 +4364,406 @@
         </p:sp>
         <p:sp>
           <p:nvSpPr>
-            <p:cNvPr id="9" name="pl9"/>
-            <p:cNvSpPr/>
-            <p:nvPr/>
-          </p:nvSpPr>
-          <p:spPr>
-            <a:xfrm>
-              <a:off x="2023549" y="5171815"/>
-              <a:ext cx="6913543" cy="0"/>
+            <p:cNvPr id="8" name="pg8"/>
+            <p:cNvSpPr/>
+            <p:nvPr/>
+          </p:nvSpPr>
+          <p:spPr>
+            <a:xfrm>
+              <a:off x="2820173" y="1973107"/>
+              <a:ext cx="1808203" cy="2974334"/>
             </a:xfrm>
             <a:custGeom>
               <a:avLst/>
               <a:pathLst>
-                <a:path w="6913543" h="0">
+                <a:path w="1808203" h="2974334">
                   <a:moveTo>
-                    <a:pt x="0" y="0"/>
+                    <a:pt x="1808203" y="1808317"/>
                   </a:moveTo>
                   <a:lnTo>
-                    <a:pt x="6913543" y="0"/>
-                  </a:lnTo>
-                  <a:lnTo>
-                    <a:pt x="6913543" y="0"/>
-                  </a:lnTo>
+                    <a:pt x="1808203" y="1745961"/>
+                  </a:lnTo>
+                  <a:lnTo>
+                    <a:pt x="1808203" y="1683605"/>
+                  </a:lnTo>
+                  <a:lnTo>
+                    <a:pt x="1808203" y="1621250"/>
+                  </a:lnTo>
+                  <a:lnTo>
+                    <a:pt x="1808203" y="1558894"/>
+                  </a:lnTo>
+                  <a:lnTo>
+                    <a:pt x="1808203" y="1496538"/>
+                  </a:lnTo>
+                  <a:lnTo>
+                    <a:pt x="1808203" y="1434182"/>
+                  </a:lnTo>
+                  <a:lnTo>
+                    <a:pt x="1808203" y="1371827"/>
+                  </a:lnTo>
+                  <a:lnTo>
+                    <a:pt x="1808203" y="1309471"/>
+                  </a:lnTo>
+                  <a:lnTo>
+                    <a:pt x="1808203" y="1247115"/>
+                  </a:lnTo>
+                  <a:lnTo>
+                    <a:pt x="1808203" y="1184759"/>
+                  </a:lnTo>
+                  <a:lnTo>
+                    <a:pt x="1808203" y="1122403"/>
+                  </a:lnTo>
+                  <a:lnTo>
+                    <a:pt x="1808203" y="1060048"/>
+                  </a:lnTo>
+                  <a:lnTo>
+                    <a:pt x="1808203" y="997692"/>
+                  </a:lnTo>
+                  <a:lnTo>
+                    <a:pt x="1808203" y="935336"/>
+                  </a:lnTo>
+                  <a:lnTo>
+                    <a:pt x="1808203" y="872980"/>
+                  </a:lnTo>
+                  <a:lnTo>
+                    <a:pt x="1808203" y="810625"/>
+                  </a:lnTo>
+                  <a:lnTo>
+                    <a:pt x="1808203" y="748269"/>
+                  </a:lnTo>
+                  <a:lnTo>
+                    <a:pt x="1808203" y="685913"/>
+                  </a:lnTo>
+                  <a:lnTo>
+                    <a:pt x="1808203" y="623557"/>
+                  </a:lnTo>
+                  <a:lnTo>
+                    <a:pt x="1808203" y="561201"/>
+                  </a:lnTo>
+                  <a:lnTo>
+                    <a:pt x="1808203" y="498846"/>
+                  </a:lnTo>
+                  <a:lnTo>
+                    <a:pt x="1808203" y="436490"/>
+                  </a:lnTo>
+                  <a:lnTo>
+                    <a:pt x="1808203" y="374134"/>
+                  </a:lnTo>
+                  <a:lnTo>
+                    <a:pt x="1808203" y="311778"/>
+                  </a:lnTo>
+                  <a:lnTo>
+                    <a:pt x="1808203" y="249423"/>
+                  </a:lnTo>
+                  <a:lnTo>
+                    <a:pt x="1808203" y="187067"/>
+                  </a:lnTo>
+                  <a:lnTo>
+                    <a:pt x="1808203" y="124711"/>
+                  </a:lnTo>
+                  <a:lnTo>
+                    <a:pt x="1808203" y="62355"/>
+                  </a:lnTo>
+                  <a:lnTo>
+                    <a:pt x="1808203" y="0"/>
+                  </a:lnTo>
+                  <a:lnTo>
+                    <a:pt x="1746906" y="1039"/>
+                  </a:lnTo>
+                  <a:lnTo>
+                    <a:pt x="1685679" y="4155"/>
+                  </a:lnTo>
+                  <a:lnTo>
+                    <a:pt x="1624593" y="9345"/>
+                  </a:lnTo>
+                  <a:lnTo>
+                    <a:pt x="1563718" y="16603"/>
+                  </a:lnTo>
+                  <a:lnTo>
+                    <a:pt x="1503123" y="25920"/>
+                  </a:lnTo>
+                  <a:lnTo>
+                    <a:pt x="1442880" y="37286"/>
+                  </a:lnTo>
+                  <a:lnTo>
+                    <a:pt x="1383056" y="50687"/>
+                  </a:lnTo>
+                  <a:lnTo>
+                    <a:pt x="1323721" y="66109"/>
+                  </a:lnTo>
+                  <a:lnTo>
+                    <a:pt x="1264943" y="83533"/>
+                  </a:lnTo>
+                  <a:lnTo>
+                    <a:pt x="1206790" y="102939"/>
+                  </a:lnTo>
+                  <a:lnTo>
+                    <a:pt x="1149327" y="124306"/>
+                  </a:lnTo>
+                  <a:lnTo>
+                    <a:pt x="1092622" y="147608"/>
+                  </a:lnTo>
+                  <a:lnTo>
+                    <a:pt x="1036739" y="172818"/>
+                  </a:lnTo>
+                  <a:lnTo>
+                    <a:pt x="981743" y="199909"/>
+                  </a:lnTo>
+                  <a:lnTo>
+                    <a:pt x="927697" y="228848"/>
+                  </a:lnTo>
+                  <a:lnTo>
+                    <a:pt x="874663" y="259603"/>
+                  </a:lnTo>
+                  <a:lnTo>
+                    <a:pt x="822702" y="292138"/>
+                  </a:lnTo>
+                  <a:lnTo>
+                    <a:pt x="771874" y="326415"/>
+                  </a:lnTo>
+                  <a:lnTo>
+                    <a:pt x="722237" y="362396"/>
+                  </a:lnTo>
+                  <a:lnTo>
+                    <a:pt x="673848" y="400038"/>
+                  </a:lnTo>
+                  <a:lnTo>
+                    <a:pt x="626762" y="439299"/>
+                  </a:lnTo>
+                  <a:lnTo>
+                    <a:pt x="581035" y="480134"/>
+                  </a:lnTo>
+                  <a:lnTo>
+                    <a:pt x="536718" y="522495"/>
+                  </a:lnTo>
+                  <a:lnTo>
+                    <a:pt x="493863" y="566334"/>
+                  </a:lnTo>
+                  <a:lnTo>
+                    <a:pt x="452518" y="611601"/>
+                  </a:lnTo>
+                  <a:lnTo>
+                    <a:pt x="412731" y="658243"/>
+                  </a:lnTo>
+                  <a:lnTo>
+                    <a:pt x="374549" y="706207"/>
+                  </a:lnTo>
+                  <a:lnTo>
+                    <a:pt x="338014" y="755438"/>
+                  </a:lnTo>
+                  <a:lnTo>
+                    <a:pt x="303169" y="805878"/>
+                  </a:lnTo>
+                  <a:lnTo>
+                    <a:pt x="270054" y="857471"/>
+                  </a:lnTo>
+                  <a:lnTo>
+                    <a:pt x="238706" y="910157"/>
+                  </a:lnTo>
+                  <a:lnTo>
+                    <a:pt x="209163" y="963875"/>
+                  </a:lnTo>
+                  <a:lnTo>
+                    <a:pt x="181457" y="1018564"/>
+                  </a:lnTo>
+                  <a:lnTo>
+                    <a:pt x="155621" y="1074161"/>
+                  </a:lnTo>
+                  <a:lnTo>
+                    <a:pt x="131685" y="1130601"/>
+                  </a:lnTo>
+                  <a:lnTo>
+                    <a:pt x="109676" y="1187820"/>
+                  </a:lnTo>
+                  <a:lnTo>
+                    <a:pt x="89619" y="1245753"/>
+                  </a:lnTo>
+                  <a:lnTo>
+                    <a:pt x="71537" y="1304332"/>
+                  </a:lnTo>
+                  <a:lnTo>
+                    <a:pt x="55451" y="1363490"/>
+                  </a:lnTo>
+                  <a:lnTo>
+                    <a:pt x="41380" y="1423160"/>
+                  </a:lnTo>
+                  <a:lnTo>
+                    <a:pt x="29339" y="1483272"/>
+                  </a:lnTo>
+                  <a:lnTo>
+                    <a:pt x="19343" y="1543758"/>
+                  </a:lnTo>
+                  <a:lnTo>
+                    <a:pt x="11403" y="1604548"/>
+                  </a:lnTo>
+                  <a:lnTo>
+                    <a:pt x="5529" y="1665572"/>
+                  </a:lnTo>
+                  <a:lnTo>
+                    <a:pt x="1726" y="1726760"/>
+                  </a:lnTo>
+                  <a:lnTo>
+                    <a:pt x="0" y="1788042"/>
+                  </a:lnTo>
+                  <a:lnTo>
+                    <a:pt x="351" y="1849347"/>
+                  </a:lnTo>
+                  <a:lnTo>
+                    <a:pt x="2781" y="1910605"/>
+                  </a:lnTo>
+                  <a:lnTo>
+                    <a:pt x="7286" y="1971746"/>
+                  </a:lnTo>
+                  <a:lnTo>
+                    <a:pt x="13861" y="2032698"/>
+                  </a:lnTo>
+                  <a:lnTo>
+                    <a:pt x="22498" y="2093393"/>
+                  </a:lnTo>
+                  <a:lnTo>
+                    <a:pt x="33188" y="2153760"/>
+                  </a:lnTo>
+                  <a:lnTo>
+                    <a:pt x="45917" y="2213730"/>
+                  </a:lnTo>
+                  <a:lnTo>
+                    <a:pt x="60673" y="2273235"/>
+                  </a:lnTo>
+                  <a:lnTo>
+                    <a:pt x="77436" y="2332204"/>
+                  </a:lnTo>
+                  <a:lnTo>
+                    <a:pt x="96190" y="2390572"/>
+                  </a:lnTo>
+                  <a:lnTo>
+                    <a:pt x="116910" y="2448270"/>
+                  </a:lnTo>
+                  <a:lnTo>
+                    <a:pt x="139575" y="2505233"/>
+                  </a:lnTo>
+                  <a:lnTo>
+                    <a:pt x="164158" y="2561395"/>
+                  </a:lnTo>
+                  <a:lnTo>
+                    <a:pt x="190630" y="2616691"/>
+                  </a:lnTo>
+                  <a:lnTo>
+                    <a:pt x="218962" y="2671058"/>
+                  </a:lnTo>
+                  <a:lnTo>
+                    <a:pt x="249120" y="2724434"/>
+                  </a:lnTo>
+                  <a:lnTo>
+                    <a:pt x="281070" y="2776756"/>
+                  </a:lnTo>
+                  <a:lnTo>
+                    <a:pt x="314775" y="2827966"/>
+                  </a:lnTo>
+                  <a:lnTo>
+                    <a:pt x="350197" y="2878003"/>
+                  </a:lnTo>
+                  <a:lnTo>
+                    <a:pt x="387294" y="2926812"/>
+                  </a:lnTo>
+                  <a:lnTo>
+                    <a:pt x="426025" y="2974334"/>
+                  </a:lnTo>
+                  <a:lnTo>
+                    <a:pt x="473687" y="2934127"/>
+                  </a:lnTo>
+                  <a:lnTo>
+                    <a:pt x="521348" y="2893919"/>
+                  </a:lnTo>
+                  <a:lnTo>
+                    <a:pt x="569009" y="2853712"/>
+                  </a:lnTo>
+                  <a:lnTo>
+                    <a:pt x="616670" y="2813504"/>
+                  </a:lnTo>
+                  <a:lnTo>
+                    <a:pt x="664332" y="2773297"/>
+                  </a:lnTo>
+                  <a:lnTo>
+                    <a:pt x="711993" y="2733089"/>
+                  </a:lnTo>
+                  <a:lnTo>
+                    <a:pt x="759654" y="2692882"/>
+                  </a:lnTo>
+                  <a:lnTo>
+                    <a:pt x="807316" y="2652674"/>
+                  </a:lnTo>
+                  <a:lnTo>
+                    <a:pt x="854977" y="2612467"/>
+                  </a:lnTo>
+                  <a:lnTo>
+                    <a:pt x="902638" y="2572259"/>
+                  </a:lnTo>
+                  <a:lnTo>
+                    <a:pt x="950300" y="2532052"/>
+                  </a:lnTo>
+                  <a:lnTo>
+                    <a:pt x="997961" y="2491844"/>
+                  </a:lnTo>
+                  <a:lnTo>
+                    <a:pt x="1045622" y="2451637"/>
+                  </a:lnTo>
+                  <a:lnTo>
+                    <a:pt x="1093284" y="2411429"/>
+                  </a:lnTo>
+                  <a:lnTo>
+                    <a:pt x="1140945" y="2371222"/>
+                  </a:lnTo>
+                  <a:lnTo>
+                    <a:pt x="1188606" y="2331014"/>
+                  </a:lnTo>
+                  <a:lnTo>
+                    <a:pt x="1236268" y="2290807"/>
+                  </a:lnTo>
+                  <a:lnTo>
+                    <a:pt x="1283929" y="2250599"/>
+                  </a:lnTo>
+                  <a:lnTo>
+                    <a:pt x="1331590" y="2210392"/>
+                  </a:lnTo>
+                  <a:lnTo>
+                    <a:pt x="1379251" y="2170184"/>
+                  </a:lnTo>
+                  <a:lnTo>
+                    <a:pt x="1426913" y="2129977"/>
+                  </a:lnTo>
+                  <a:lnTo>
+                    <a:pt x="1474574" y="2089769"/>
+                  </a:lnTo>
+                  <a:lnTo>
+                    <a:pt x="1522235" y="2049562"/>
+                  </a:lnTo>
+                  <a:lnTo>
+                    <a:pt x="1569897" y="2009354"/>
+                  </a:lnTo>
+                  <a:lnTo>
+                    <a:pt x="1617558" y="1969147"/>
+                  </a:lnTo>
+                  <a:lnTo>
+                    <a:pt x="1665219" y="1928939"/>
+                  </a:lnTo>
+                  <a:lnTo>
+                    <a:pt x="1712881" y="1888732"/>
+                  </a:lnTo>
+                  <a:lnTo>
+                    <a:pt x="1760542" y="1848524"/>
+                  </a:lnTo>
+                  <a:close/>
                 </a:path>
               </a:pathLst>
             </a:custGeom>
-            <a:ln w="6775" cap="flat">
+            <a:solidFill>
+              <a:srgbClr val="F8766D">
+                <a:alpha val="100000"/>
+              </a:srgbClr>
+            </a:solidFill>
+            <a:ln w="13550" cap="rnd">
               <a:solidFill>
-                <a:srgbClr val="DEDEDE">
+                <a:srgbClr val="FFFFFF">
                   <a:alpha val="100000"/>
                 </a:srgbClr>
               </a:solidFill>
@@ -3384,488 +4779,14 @@
         </p:sp>
         <p:sp>
           <p:nvSpPr>
-            <p:cNvPr id="10" name="pl10"/>
-            <p:cNvSpPr/>
-            <p:nvPr/>
-          </p:nvSpPr>
-          <p:spPr>
-            <a:xfrm>
-              <a:off x="2023549" y="4393293"/>
-              <a:ext cx="6913543" cy="0"/>
-            </a:xfrm>
-            <a:custGeom>
-              <a:avLst/>
-              <a:pathLst>
-                <a:path w="6913543" h="0">
-                  <a:moveTo>
-                    <a:pt x="0" y="0"/>
-                  </a:moveTo>
-                  <a:lnTo>
-                    <a:pt x="6913543" y="0"/>
-                  </a:lnTo>
-                  <a:lnTo>
-                    <a:pt x="6913543" y="0"/>
-                  </a:lnTo>
-                </a:path>
-              </a:pathLst>
-            </a:custGeom>
-            <a:ln w="6775" cap="flat">
-              <a:solidFill>
-                <a:srgbClr val="DEDEDE">
-                  <a:alpha val="100000"/>
-                </a:srgbClr>
-              </a:solidFill>
-              <a:prstDash val="solid"/>
-              <a:round/>
-            </a:ln>
-          </p:spPr>
-          <p:txBody>
-            <a:bodyPr/>
-            <a:lstStyle/>
-            <a:p/>
-          </p:txBody>
-        </p:sp>
-        <p:sp>
-          <p:nvSpPr>
-            <p:cNvPr id="11" name="pl11"/>
-            <p:cNvSpPr/>
-            <p:nvPr/>
-          </p:nvSpPr>
-          <p:spPr>
-            <a:xfrm>
-              <a:off x="2023549" y="3614772"/>
-              <a:ext cx="6913543" cy="0"/>
-            </a:xfrm>
-            <a:custGeom>
-              <a:avLst/>
-              <a:pathLst>
-                <a:path w="6913543" h="0">
-                  <a:moveTo>
-                    <a:pt x="0" y="0"/>
-                  </a:moveTo>
-                  <a:lnTo>
-                    <a:pt x="6913543" y="0"/>
-                  </a:lnTo>
-                  <a:lnTo>
-                    <a:pt x="6913543" y="0"/>
-                  </a:lnTo>
-                </a:path>
-              </a:pathLst>
-            </a:custGeom>
-            <a:ln w="6775" cap="flat">
-              <a:solidFill>
-                <a:srgbClr val="DEDEDE">
-                  <a:alpha val="100000"/>
-                </a:srgbClr>
-              </a:solidFill>
-              <a:prstDash val="solid"/>
-              <a:round/>
-            </a:ln>
-          </p:spPr>
-          <p:txBody>
-            <a:bodyPr/>
-            <a:lstStyle/>
-            <a:p/>
-          </p:txBody>
-        </p:sp>
-        <p:sp>
-          <p:nvSpPr>
-            <p:cNvPr id="12" name="pl12"/>
-            <p:cNvSpPr/>
-            <p:nvPr/>
-          </p:nvSpPr>
-          <p:spPr>
-            <a:xfrm>
-              <a:off x="2023549" y="2836251"/>
-              <a:ext cx="6913543" cy="0"/>
-            </a:xfrm>
-            <a:custGeom>
-              <a:avLst/>
-              <a:pathLst>
-                <a:path w="6913543" h="0">
-                  <a:moveTo>
-                    <a:pt x="0" y="0"/>
-                  </a:moveTo>
-                  <a:lnTo>
-                    <a:pt x="6913543" y="0"/>
-                  </a:lnTo>
-                  <a:lnTo>
-                    <a:pt x="6913543" y="0"/>
-                  </a:lnTo>
-                </a:path>
-              </a:pathLst>
-            </a:custGeom>
-            <a:ln w="6775" cap="flat">
-              <a:solidFill>
-                <a:srgbClr val="DEDEDE">
-                  <a:alpha val="100000"/>
-                </a:srgbClr>
-              </a:solidFill>
-              <a:prstDash val="solid"/>
-              <a:round/>
-            </a:ln>
-          </p:spPr>
-          <p:txBody>
-            <a:bodyPr/>
-            <a:lstStyle/>
-            <a:p/>
-          </p:txBody>
-        </p:sp>
-        <p:sp>
-          <p:nvSpPr>
-            <p:cNvPr id="13" name="pl13"/>
-            <p:cNvSpPr/>
-            <p:nvPr/>
-          </p:nvSpPr>
-          <p:spPr>
-            <a:xfrm>
-              <a:off x="2023549" y="2057730"/>
-              <a:ext cx="6913543" cy="0"/>
-            </a:xfrm>
-            <a:custGeom>
-              <a:avLst/>
-              <a:pathLst>
-                <a:path w="6913543" h="0">
-                  <a:moveTo>
-                    <a:pt x="0" y="0"/>
-                  </a:moveTo>
-                  <a:lnTo>
-                    <a:pt x="6913543" y="0"/>
-                  </a:lnTo>
-                  <a:lnTo>
-                    <a:pt x="6913543" y="0"/>
-                  </a:lnTo>
-                </a:path>
-              </a:pathLst>
-            </a:custGeom>
-            <a:ln w="6775" cap="flat">
-              <a:solidFill>
-                <a:srgbClr val="DEDEDE">
-                  <a:alpha val="100000"/>
-                </a:srgbClr>
-              </a:solidFill>
-              <a:prstDash val="solid"/>
-              <a:round/>
-            </a:ln>
-          </p:spPr>
-          <p:txBody>
-            <a:bodyPr/>
-            <a:lstStyle/>
-            <a:p/>
-          </p:txBody>
-        </p:sp>
-        <p:sp>
-          <p:nvSpPr>
-            <p:cNvPr id="14" name="pl14"/>
-            <p:cNvSpPr/>
-            <p:nvPr/>
-          </p:nvSpPr>
-          <p:spPr>
-            <a:xfrm>
-              <a:off x="2023549" y="1590617"/>
-              <a:ext cx="0" cy="4048310"/>
-            </a:xfrm>
-            <a:custGeom>
-              <a:avLst/>
-              <a:pathLst>
-                <a:path w="0" h="4048310">
-                  <a:moveTo>
-                    <a:pt x="0" y="4048310"/>
-                  </a:moveTo>
-                  <a:lnTo>
-                    <a:pt x="0" y="0"/>
-                  </a:lnTo>
-                  <a:lnTo>
-                    <a:pt x="0" y="0"/>
-                  </a:lnTo>
-                </a:path>
-              </a:pathLst>
-            </a:custGeom>
-            <a:ln w="6775" cap="flat">
-              <a:solidFill>
-                <a:srgbClr val="DEDEDE">
-                  <a:alpha val="100000"/>
-                </a:srgbClr>
-              </a:solidFill>
-              <a:prstDash val="solid"/>
-              <a:round/>
-            </a:ln>
-          </p:spPr>
-          <p:txBody>
-            <a:bodyPr/>
-            <a:lstStyle/>
-            <a:p/>
-          </p:txBody>
-        </p:sp>
-        <p:sp>
-          <p:nvSpPr>
-            <p:cNvPr id="15" name="pl15"/>
-            <p:cNvSpPr/>
-            <p:nvPr/>
-          </p:nvSpPr>
-          <p:spPr>
-            <a:xfrm>
-              <a:off x="4261985" y="1590617"/>
-              <a:ext cx="0" cy="4048310"/>
-            </a:xfrm>
-            <a:custGeom>
-              <a:avLst/>
-              <a:pathLst>
-                <a:path w="0" h="4048310">
-                  <a:moveTo>
-                    <a:pt x="0" y="4048310"/>
-                  </a:moveTo>
-                  <a:lnTo>
-                    <a:pt x="0" y="0"/>
-                  </a:lnTo>
-                  <a:lnTo>
-                    <a:pt x="0" y="0"/>
-                  </a:lnTo>
-                </a:path>
-              </a:pathLst>
-            </a:custGeom>
-            <a:ln w="6775" cap="flat">
-              <a:solidFill>
-                <a:srgbClr val="DEDEDE">
-                  <a:alpha val="100000"/>
-                </a:srgbClr>
-              </a:solidFill>
-              <a:prstDash val="solid"/>
-              <a:round/>
-            </a:ln>
-          </p:spPr>
-          <p:txBody>
-            <a:bodyPr/>
-            <a:lstStyle/>
-            <a:p/>
-          </p:txBody>
-        </p:sp>
-        <p:sp>
-          <p:nvSpPr>
-            <p:cNvPr id="16" name="pl16"/>
-            <p:cNvSpPr/>
-            <p:nvPr/>
-          </p:nvSpPr>
-          <p:spPr>
-            <a:xfrm>
-              <a:off x="6500420" y="1590617"/>
-              <a:ext cx="0" cy="4048310"/>
-            </a:xfrm>
-            <a:custGeom>
-              <a:avLst/>
-              <a:pathLst>
-                <a:path w="0" h="4048310">
-                  <a:moveTo>
-                    <a:pt x="0" y="4048310"/>
-                  </a:moveTo>
-                  <a:lnTo>
-                    <a:pt x="0" y="0"/>
-                  </a:lnTo>
-                  <a:lnTo>
-                    <a:pt x="0" y="0"/>
-                  </a:lnTo>
-                </a:path>
-              </a:pathLst>
-            </a:custGeom>
-            <a:ln w="6775" cap="flat">
-              <a:solidFill>
-                <a:srgbClr val="DEDEDE">
-                  <a:alpha val="100000"/>
-                </a:srgbClr>
-              </a:solidFill>
-              <a:prstDash val="solid"/>
-              <a:round/>
-            </a:ln>
-          </p:spPr>
-          <p:txBody>
-            <a:bodyPr/>
-            <a:lstStyle/>
-            <a:p/>
-          </p:txBody>
-        </p:sp>
-        <p:sp>
-          <p:nvSpPr>
-            <p:cNvPr id="17" name="pl17"/>
-            <p:cNvSpPr/>
-            <p:nvPr/>
-          </p:nvSpPr>
-          <p:spPr>
-            <a:xfrm>
-              <a:off x="8738856" y="1590617"/>
-              <a:ext cx="0" cy="4048310"/>
-            </a:xfrm>
-            <a:custGeom>
-              <a:avLst/>
-              <a:pathLst>
-                <a:path w="0" h="4048310">
-                  <a:moveTo>
-                    <a:pt x="0" y="4048310"/>
-                  </a:moveTo>
-                  <a:lnTo>
-                    <a:pt x="0" y="0"/>
-                  </a:lnTo>
-                  <a:lnTo>
-                    <a:pt x="0" y="0"/>
-                  </a:lnTo>
-                </a:path>
-              </a:pathLst>
-            </a:custGeom>
-            <a:ln w="6775" cap="flat">
-              <a:solidFill>
-                <a:srgbClr val="DEDEDE">
-                  <a:alpha val="100000"/>
-                </a:srgbClr>
-              </a:solidFill>
-              <a:prstDash val="solid"/>
-              <a:round/>
-            </a:ln>
-          </p:spPr>
-          <p:txBody>
-            <a:bodyPr/>
-            <a:lstStyle/>
-            <a:p/>
-          </p:txBody>
-        </p:sp>
-        <p:sp>
-          <p:nvSpPr>
-            <p:cNvPr id="18" name="rc18"/>
-            <p:cNvSpPr/>
-            <p:nvPr/>
-          </p:nvSpPr>
-          <p:spPr>
-            <a:xfrm>
-              <a:off x="2023549" y="1707395"/>
-              <a:ext cx="6777983" cy="700669"/>
-            </a:xfrm>
-            <a:prstGeom prst="rect">
-              <a:avLst/>
-            </a:prstGeom>
-            <a:solidFill>
-              <a:srgbClr val="595959">
-                <a:alpha val="100000"/>
-              </a:srgbClr>
-            </a:solidFill>
-          </p:spPr>
-          <p:txBody>
-            <a:bodyPr/>
-            <a:lstStyle/>
-            <a:p/>
-          </p:txBody>
-        </p:sp>
-        <p:sp>
-          <p:nvSpPr>
-            <p:cNvPr id="19" name="rc19"/>
-            <p:cNvSpPr/>
-            <p:nvPr/>
-          </p:nvSpPr>
-          <p:spPr>
-            <a:xfrm>
-              <a:off x="2023549" y="2485916"/>
-              <a:ext cx="6151221" cy="700669"/>
-            </a:xfrm>
-            <a:prstGeom prst="rect">
-              <a:avLst/>
-            </a:prstGeom>
-            <a:solidFill>
-              <a:srgbClr val="595959">
-                <a:alpha val="100000"/>
-              </a:srgbClr>
-            </a:solidFill>
-          </p:spPr>
-          <p:txBody>
-            <a:bodyPr/>
-            <a:lstStyle/>
-            <a:p/>
-          </p:txBody>
-        </p:sp>
-        <p:sp>
-          <p:nvSpPr>
-            <p:cNvPr id="20" name="rc20"/>
-            <p:cNvSpPr/>
-            <p:nvPr/>
-          </p:nvSpPr>
-          <p:spPr>
-            <a:xfrm>
-              <a:off x="2023549" y="3264438"/>
-              <a:ext cx="5763972" cy="700669"/>
-            </a:xfrm>
-            <a:prstGeom prst="rect">
-              <a:avLst/>
-            </a:prstGeom>
-            <a:solidFill>
-              <a:srgbClr val="595959">
-                <a:alpha val="100000"/>
-              </a:srgbClr>
-            </a:solidFill>
-          </p:spPr>
-          <p:txBody>
-            <a:bodyPr/>
-            <a:lstStyle/>
-            <a:p/>
-          </p:txBody>
-        </p:sp>
-        <p:sp>
-          <p:nvSpPr>
-            <p:cNvPr id="21" name="rc21"/>
-            <p:cNvSpPr/>
-            <p:nvPr/>
-          </p:nvSpPr>
-          <p:spPr>
-            <a:xfrm>
-              <a:off x="2023549" y="4042959"/>
-              <a:ext cx="4000084" cy="700669"/>
-            </a:xfrm>
-            <a:prstGeom prst="rect">
-              <a:avLst/>
-            </a:prstGeom>
-            <a:solidFill>
-              <a:srgbClr val="595959">
-                <a:alpha val="100000"/>
-              </a:srgbClr>
-            </a:solidFill>
-          </p:spPr>
-          <p:txBody>
-            <a:bodyPr/>
-            <a:lstStyle/>
-            <a:p/>
-          </p:txBody>
-        </p:sp>
-        <p:sp>
-          <p:nvSpPr>
-            <p:cNvPr id="22" name="rc22"/>
-            <p:cNvSpPr/>
-            <p:nvPr/>
-          </p:nvSpPr>
-          <p:spPr>
-            <a:xfrm>
-              <a:off x="2023549" y="4821480"/>
-              <a:ext cx="808075" cy="700669"/>
-            </a:xfrm>
-            <a:prstGeom prst="rect">
-              <a:avLst/>
-            </a:prstGeom>
-            <a:solidFill>
-              <a:srgbClr val="595959">
-                <a:alpha val="100000"/>
-              </a:srgbClr>
-            </a:solidFill>
-          </p:spPr>
-          <p:txBody>
-            <a:bodyPr/>
-            <a:lstStyle/>
-            <a:p/>
-          </p:txBody>
-        </p:sp>
-        <p:sp>
-          <p:nvSpPr>
-            <p:cNvPr id="23" name="tx23"/>
-            <p:cNvSpPr/>
-            <p:nvPr/>
-          </p:nvSpPr>
-          <p:spPr>
-            <a:xfrm>
-              <a:off x="6619691" y="2013256"/>
-              <a:ext cx="2032593" cy="67753"/>
+            <p:cNvPr id="9" name="tx9"/>
+            <p:cNvSpPr/>
+            <p:nvPr/>
+          </p:nvSpPr>
+          <p:spPr>
+            <a:xfrm>
+              <a:off x="4477454" y="2816008"/>
+              <a:ext cx="329449" cy="109040"/>
             </a:xfrm>
             <a:prstGeom prst="rect">
               <a:avLst/>
@@ -3878,7 +4799,7 @@
             <a:p>
               <a:pPr algn="l" marL="0" marR="0" indent="0">
                 <a:lnSpc>
-                  <a:spcPts val="853"/>
+                  <a:spcPts val="1138"/>
                 </a:lnSpc>
                 <a:spcBef>
                   <a:spcPts val="0"/>
@@ -3888,7 +4809,7 @@
                 </a:spcAft>
               </a:pPr>
               <a:r>
-                <a:rPr sz="853" b="1">
+                <a:rPr sz="1138">
                   <a:solidFill>
                     <a:srgbClr val="FFFFFF">
                       <a:alpha val="100000"/>
@@ -3897,21 +4818,21 @@
                   <a:latin typeface="Arial"/>
                   <a:cs typeface="Arial"/>
                 </a:rPr>
-                <a:t>通过种草或知识网站（如小红书、知乎等）了解相关知识</a:t>
+                <a:t>0.1%</a:t>
               </a:r>
             </a:p>
           </p:txBody>
         </p:sp>
         <p:sp>
           <p:nvSpPr>
-            <p:cNvPr id="24" name="tx24"/>
-            <p:cNvSpPr/>
-            <p:nvPr/>
-          </p:nvSpPr>
-          <p:spPr>
-            <a:xfrm>
-              <a:off x="7375093" y="2791777"/>
-              <a:ext cx="650430" cy="67753"/>
+            <p:cNvPr id="10" name="tx10"/>
+            <p:cNvSpPr/>
+            <p:nvPr/>
+          </p:nvSpPr>
+          <p:spPr>
+            <a:xfrm>
+              <a:off x="4770984" y="2881538"/>
+              <a:ext cx="409835" cy="109040"/>
             </a:xfrm>
             <a:prstGeom prst="rect">
               <a:avLst/>
@@ -3924,7 +4845,7 @@
             <a:p>
               <a:pPr algn="l" marL="0" marR="0" indent="0">
                 <a:lnSpc>
-                  <a:spcPts val="853"/>
+                  <a:spcPts val="1138"/>
                 </a:lnSpc>
                 <a:spcBef>
                   <a:spcPts val="0"/>
@@ -3934,7 +4855,7 @@
                 </a:spcAft>
               </a:pPr>
               <a:r>
-                <a:rPr sz="853" b="1">
+                <a:rPr sz="1138">
                   <a:solidFill>
                     <a:srgbClr val="FFFFFF">
                       <a:alpha val="100000"/>
@@ -3943,21 +4864,21 @@
                   <a:latin typeface="Arial"/>
                   <a:cs typeface="Arial"/>
                 </a:rPr>
-                <a:t>咨询专业人士意见</a:t>
+                <a:t>11.9%</a:t>
               </a:r>
             </a:p>
           </p:txBody>
         </p:sp>
         <p:sp>
           <p:nvSpPr>
-            <p:cNvPr id="25" name="tx25"/>
-            <p:cNvSpPr/>
-            <p:nvPr/>
-          </p:nvSpPr>
-          <p:spPr>
-            <a:xfrm>
-              <a:off x="5605679" y="3570299"/>
-              <a:ext cx="2032593" cy="67753"/>
+            <p:cNvPr id="11" name="tx11"/>
+            <p:cNvSpPr/>
+            <p:nvPr/>
+          </p:nvSpPr>
+          <p:spPr>
+            <a:xfrm>
+              <a:off x="5324077" y="3566810"/>
+              <a:ext cx="409835" cy="109040"/>
             </a:xfrm>
             <a:prstGeom prst="rect">
               <a:avLst/>
@@ -3970,7 +4891,7 @@
             <a:p>
               <a:pPr algn="l" marL="0" marR="0" indent="0">
                 <a:lnSpc>
-                  <a:spcPts val="853"/>
+                  <a:spcPts val="1138"/>
                 </a:lnSpc>
                 <a:spcBef>
                   <a:spcPts val="0"/>
@@ -3980,7 +4901,7 @@
                 </a:spcAft>
               </a:pPr>
               <a:r>
-                <a:rPr sz="853" b="1">
+                <a:rPr sz="1138">
                   <a:solidFill>
                     <a:srgbClr val="FFFFFF">
                       <a:alpha val="100000"/>
@@ -3989,21 +4910,21 @@
                   <a:latin typeface="Arial"/>
                   <a:cs typeface="Arial"/>
                 </a:rPr>
-                <a:t>通过搜索引擎（如百度、搜狗、谷歌等）了解益生菌知识</a:t>
+                <a:t>20.5%</a:t>
               </a:r>
             </a:p>
           </p:txBody>
         </p:sp>
         <p:sp>
           <p:nvSpPr>
-            <p:cNvPr id="26" name="tx26"/>
-            <p:cNvSpPr/>
-            <p:nvPr/>
-          </p:nvSpPr>
-          <p:spPr>
-            <a:xfrm>
-              <a:off x="4817437" y="4348820"/>
-              <a:ext cx="1056948" cy="67753"/>
+            <p:cNvPr id="12" name="tx12"/>
+            <p:cNvSpPr/>
+            <p:nvPr/>
+          </p:nvSpPr>
+          <p:spPr>
+            <a:xfrm>
+              <a:off x="4535701" y="4618466"/>
+              <a:ext cx="409835" cy="109040"/>
             </a:xfrm>
             <a:prstGeom prst="rect">
               <a:avLst/>
@@ -4016,7 +4937,7 @@
             <a:p>
               <a:pPr algn="l" marL="0" marR="0" indent="0">
                 <a:lnSpc>
-                  <a:spcPts val="853"/>
+                  <a:spcPts val="1138"/>
                 </a:lnSpc>
                 <a:spcBef>
                   <a:spcPts val="0"/>
@@ -4026,7 +4947,7 @@
                 </a:spcAft>
               </a:pPr>
               <a:r>
-                <a:rPr sz="853" b="1">
+                <a:rPr sz="1138">
                   <a:solidFill>
                     <a:srgbClr val="FFFFFF">
                       <a:alpha val="100000"/>
@@ -4035,21 +4956,21 @@
                   <a:latin typeface="Arial"/>
                   <a:cs typeface="Arial"/>
                 </a:rPr>
-                <a:t>通过客服咨询产品功能等信息</a:t>
+                <a:t>31.3%</a:t>
               </a:r>
             </a:p>
           </p:txBody>
         </p:sp>
         <p:sp>
           <p:nvSpPr>
-            <p:cNvPr id="27" name="tx27"/>
-            <p:cNvSpPr/>
-            <p:nvPr/>
-          </p:nvSpPr>
-          <p:spPr>
-            <a:xfrm>
-              <a:off x="2980872" y="5142861"/>
-              <a:ext cx="894341" cy="67753"/>
+            <p:cNvPr id="13" name="tx13"/>
+            <p:cNvSpPr/>
+            <p:nvPr/>
+          </p:nvSpPr>
+          <p:spPr>
+            <a:xfrm>
+              <a:off x="3613068" y="3339125"/>
+              <a:ext cx="409835" cy="109040"/>
             </a:xfrm>
             <a:prstGeom prst="rect">
               <a:avLst/>
@@ -4062,7 +4983,7 @@
             <a:p>
               <a:pPr algn="l" marL="0" marR="0" indent="0">
                 <a:lnSpc>
-                  <a:spcPts val="853"/>
+                  <a:spcPts val="1138"/>
                 </a:lnSpc>
                 <a:spcBef>
                   <a:spcPts val="0"/>
@@ -4072,7 +4993,3908 @@
                 </a:spcAft>
               </a:pPr>
               <a:r>
-                <a:rPr sz="853">
+                <a:rPr sz="1138">
+                  <a:solidFill>
+                    <a:srgbClr val="FFFFFF">
+                      <a:alpha val="100000"/>
+                    </a:srgbClr>
+                  </a:solidFill>
+                  <a:latin typeface="Arial"/>
+                  <a:cs typeface="Arial"/>
+                </a:rPr>
+                <a:t>36.2%</a:t>
+              </a:r>
+            </a:p>
+          </p:txBody>
+        </p:sp>
+        <p:sp>
+          <p:nvSpPr>
+            <p:cNvPr id="14" name="tx14"/>
+            <p:cNvSpPr/>
+            <p:nvPr/>
+          </p:nvSpPr>
+          <p:spPr>
+            <a:xfrm>
+              <a:off x="4475211" y="2812652"/>
+              <a:ext cx="329449" cy="109040"/>
+            </a:xfrm>
+            <a:prstGeom prst="rect">
+              <a:avLst/>
+            </a:prstGeom>
+            <a:noFill/>
+          </p:spPr>
+          <p:txBody>
+            <a:bodyPr lIns="0" rIns="0" tIns="0" bIns="0" anchorCtr="1" anchor="ctr" wrap="none"/>
+            <a:lstStyle/>
+            <a:p>
+              <a:pPr algn="l" marL="0" marR="0" indent="0">
+                <a:lnSpc>
+                  <a:spcPts val="1138"/>
+                </a:lnSpc>
+                <a:spcBef>
+                  <a:spcPts val="0"/>
+                </a:spcBef>
+                <a:spcAft>
+                  <a:spcPts val="0"/>
+                </a:spcAft>
+              </a:pPr>
+              <a:r>
+                <a:rPr sz="1138">
+                  <a:solidFill>
+                    <a:srgbClr val="FFFFFF">
+                      <a:alpha val="100000"/>
+                    </a:srgbClr>
+                  </a:solidFill>
+                  <a:latin typeface="Arial"/>
+                  <a:cs typeface="Arial"/>
+                </a:rPr>
+                <a:t>0.1%</a:t>
+              </a:r>
+            </a:p>
+          </p:txBody>
+        </p:sp>
+        <p:sp>
+          <p:nvSpPr>
+            <p:cNvPr id="15" name="tx15"/>
+            <p:cNvSpPr/>
+            <p:nvPr/>
+          </p:nvSpPr>
+          <p:spPr>
+            <a:xfrm>
+              <a:off x="4768741" y="2878181"/>
+              <a:ext cx="409835" cy="109040"/>
+            </a:xfrm>
+            <a:prstGeom prst="rect">
+              <a:avLst/>
+            </a:prstGeom>
+            <a:noFill/>
+          </p:spPr>
+          <p:txBody>
+            <a:bodyPr lIns="0" rIns="0" tIns="0" bIns="0" anchorCtr="1" anchor="ctr" wrap="none"/>
+            <a:lstStyle/>
+            <a:p>
+              <a:pPr algn="l" marL="0" marR="0" indent="0">
+                <a:lnSpc>
+                  <a:spcPts val="1138"/>
+                </a:lnSpc>
+                <a:spcBef>
+                  <a:spcPts val="0"/>
+                </a:spcBef>
+                <a:spcAft>
+                  <a:spcPts val="0"/>
+                </a:spcAft>
+              </a:pPr>
+              <a:r>
+                <a:rPr sz="1138">
+                  <a:solidFill>
+                    <a:srgbClr val="FFFFFF">
+                      <a:alpha val="100000"/>
+                    </a:srgbClr>
+                  </a:solidFill>
+                  <a:latin typeface="Arial"/>
+                  <a:cs typeface="Arial"/>
+                </a:rPr>
+                <a:t>11.9%</a:t>
+              </a:r>
+            </a:p>
+          </p:txBody>
+        </p:sp>
+        <p:sp>
+          <p:nvSpPr>
+            <p:cNvPr id="16" name="tx16"/>
+            <p:cNvSpPr/>
+            <p:nvPr/>
+          </p:nvSpPr>
+          <p:spPr>
+            <a:xfrm>
+              <a:off x="5321835" y="3563453"/>
+              <a:ext cx="409835" cy="109040"/>
+            </a:xfrm>
+            <a:prstGeom prst="rect">
+              <a:avLst/>
+            </a:prstGeom>
+            <a:noFill/>
+          </p:spPr>
+          <p:txBody>
+            <a:bodyPr lIns="0" rIns="0" tIns="0" bIns="0" anchorCtr="1" anchor="ctr" wrap="none"/>
+            <a:lstStyle/>
+            <a:p>
+              <a:pPr algn="l" marL="0" marR="0" indent="0">
+                <a:lnSpc>
+                  <a:spcPts val="1138"/>
+                </a:lnSpc>
+                <a:spcBef>
+                  <a:spcPts val="0"/>
+                </a:spcBef>
+                <a:spcAft>
+                  <a:spcPts val="0"/>
+                </a:spcAft>
+              </a:pPr>
+              <a:r>
+                <a:rPr sz="1138">
+                  <a:solidFill>
+                    <a:srgbClr val="FFFFFF">
+                      <a:alpha val="100000"/>
+                    </a:srgbClr>
+                  </a:solidFill>
+                  <a:latin typeface="Arial"/>
+                  <a:cs typeface="Arial"/>
+                </a:rPr>
+                <a:t>20.5%</a:t>
+              </a:r>
+            </a:p>
+          </p:txBody>
+        </p:sp>
+        <p:sp>
+          <p:nvSpPr>
+            <p:cNvPr id="17" name="tx17"/>
+            <p:cNvSpPr/>
+            <p:nvPr/>
+          </p:nvSpPr>
+          <p:spPr>
+            <a:xfrm>
+              <a:off x="4533458" y="4615110"/>
+              <a:ext cx="409835" cy="109040"/>
+            </a:xfrm>
+            <a:prstGeom prst="rect">
+              <a:avLst/>
+            </a:prstGeom>
+            <a:noFill/>
+          </p:spPr>
+          <p:txBody>
+            <a:bodyPr lIns="0" rIns="0" tIns="0" bIns="0" anchorCtr="1" anchor="ctr" wrap="none"/>
+            <a:lstStyle/>
+            <a:p>
+              <a:pPr algn="l" marL="0" marR="0" indent="0">
+                <a:lnSpc>
+                  <a:spcPts val="1138"/>
+                </a:lnSpc>
+                <a:spcBef>
+                  <a:spcPts val="0"/>
+                </a:spcBef>
+                <a:spcAft>
+                  <a:spcPts val="0"/>
+                </a:spcAft>
+              </a:pPr>
+              <a:r>
+                <a:rPr sz="1138">
+                  <a:solidFill>
+                    <a:srgbClr val="FFFFFF">
+                      <a:alpha val="100000"/>
+                    </a:srgbClr>
+                  </a:solidFill>
+                  <a:latin typeface="Arial"/>
+                  <a:cs typeface="Arial"/>
+                </a:rPr>
+                <a:t>31.3%</a:t>
+              </a:r>
+            </a:p>
+          </p:txBody>
+        </p:sp>
+        <p:sp>
+          <p:nvSpPr>
+            <p:cNvPr id="18" name="tx18"/>
+            <p:cNvSpPr/>
+            <p:nvPr/>
+          </p:nvSpPr>
+          <p:spPr>
+            <a:xfrm>
+              <a:off x="3610825" y="3335769"/>
+              <a:ext cx="409835" cy="109040"/>
+            </a:xfrm>
+            <a:prstGeom prst="rect">
+              <a:avLst/>
+            </a:prstGeom>
+            <a:noFill/>
+          </p:spPr>
+          <p:txBody>
+            <a:bodyPr lIns="0" rIns="0" tIns="0" bIns="0" anchorCtr="1" anchor="ctr" wrap="none"/>
+            <a:lstStyle/>
+            <a:p>
+              <a:pPr algn="l" marL="0" marR="0" indent="0">
+                <a:lnSpc>
+                  <a:spcPts val="1138"/>
+                </a:lnSpc>
+                <a:spcBef>
+                  <a:spcPts val="0"/>
+                </a:spcBef>
+                <a:spcAft>
+                  <a:spcPts val="0"/>
+                </a:spcAft>
+              </a:pPr>
+              <a:r>
+                <a:rPr sz="1138">
+                  <a:solidFill>
+                    <a:srgbClr val="FFFFFF">
+                      <a:alpha val="100000"/>
+                    </a:srgbClr>
+                  </a:solidFill>
+                  <a:latin typeface="Arial"/>
+                  <a:cs typeface="Arial"/>
+                </a:rPr>
+                <a:t>36.2%</a:t>
+              </a:r>
+            </a:p>
+          </p:txBody>
+        </p:sp>
+        <p:sp>
+          <p:nvSpPr>
+            <p:cNvPr id="19" name="tx19"/>
+            <p:cNvSpPr/>
+            <p:nvPr/>
+          </p:nvSpPr>
+          <p:spPr>
+            <a:xfrm>
+              <a:off x="4471855" y="2810409"/>
+              <a:ext cx="329449" cy="109040"/>
+            </a:xfrm>
+            <a:prstGeom prst="rect">
+              <a:avLst/>
+            </a:prstGeom>
+            <a:noFill/>
+          </p:spPr>
+          <p:txBody>
+            <a:bodyPr lIns="0" rIns="0" tIns="0" bIns="0" anchorCtr="1" anchor="ctr" wrap="none"/>
+            <a:lstStyle/>
+            <a:p>
+              <a:pPr algn="l" marL="0" marR="0" indent="0">
+                <a:lnSpc>
+                  <a:spcPts val="1138"/>
+                </a:lnSpc>
+                <a:spcBef>
+                  <a:spcPts val="0"/>
+                </a:spcBef>
+                <a:spcAft>
+                  <a:spcPts val="0"/>
+                </a:spcAft>
+              </a:pPr>
+              <a:r>
+                <a:rPr sz="1138">
+                  <a:solidFill>
+                    <a:srgbClr val="FFFFFF">
+                      <a:alpha val="100000"/>
+                    </a:srgbClr>
+                  </a:solidFill>
+                  <a:latin typeface="Arial"/>
+                  <a:cs typeface="Arial"/>
+                </a:rPr>
+                <a:t>0.1%</a:t>
+              </a:r>
+            </a:p>
+          </p:txBody>
+        </p:sp>
+        <p:sp>
+          <p:nvSpPr>
+            <p:cNvPr id="20" name="tx20"/>
+            <p:cNvSpPr/>
+            <p:nvPr/>
+          </p:nvSpPr>
+          <p:spPr>
+            <a:xfrm>
+              <a:off x="4765384" y="2875939"/>
+              <a:ext cx="409835" cy="109040"/>
+            </a:xfrm>
+            <a:prstGeom prst="rect">
+              <a:avLst/>
+            </a:prstGeom>
+            <a:noFill/>
+          </p:spPr>
+          <p:txBody>
+            <a:bodyPr lIns="0" rIns="0" tIns="0" bIns="0" anchorCtr="1" anchor="ctr" wrap="none"/>
+            <a:lstStyle/>
+            <a:p>
+              <a:pPr algn="l" marL="0" marR="0" indent="0">
+                <a:lnSpc>
+                  <a:spcPts val="1138"/>
+                </a:lnSpc>
+                <a:spcBef>
+                  <a:spcPts val="0"/>
+                </a:spcBef>
+                <a:spcAft>
+                  <a:spcPts val="0"/>
+                </a:spcAft>
+              </a:pPr>
+              <a:r>
+                <a:rPr sz="1138">
+                  <a:solidFill>
+                    <a:srgbClr val="FFFFFF">
+                      <a:alpha val="100000"/>
+                    </a:srgbClr>
+                  </a:solidFill>
+                  <a:latin typeface="Arial"/>
+                  <a:cs typeface="Arial"/>
+                </a:rPr>
+                <a:t>11.9%</a:t>
+              </a:r>
+            </a:p>
+          </p:txBody>
+        </p:sp>
+        <p:sp>
+          <p:nvSpPr>
+            <p:cNvPr id="21" name="tx21"/>
+            <p:cNvSpPr/>
+            <p:nvPr/>
+          </p:nvSpPr>
+          <p:spPr>
+            <a:xfrm>
+              <a:off x="5318478" y="3561210"/>
+              <a:ext cx="409835" cy="109040"/>
+            </a:xfrm>
+            <a:prstGeom prst="rect">
+              <a:avLst/>
+            </a:prstGeom>
+            <a:noFill/>
+          </p:spPr>
+          <p:txBody>
+            <a:bodyPr lIns="0" rIns="0" tIns="0" bIns="0" anchorCtr="1" anchor="ctr" wrap="none"/>
+            <a:lstStyle/>
+            <a:p>
+              <a:pPr algn="l" marL="0" marR="0" indent="0">
+                <a:lnSpc>
+                  <a:spcPts val="1138"/>
+                </a:lnSpc>
+                <a:spcBef>
+                  <a:spcPts val="0"/>
+                </a:spcBef>
+                <a:spcAft>
+                  <a:spcPts val="0"/>
+                </a:spcAft>
+              </a:pPr>
+              <a:r>
+                <a:rPr sz="1138">
+                  <a:solidFill>
+                    <a:srgbClr val="FFFFFF">
+                      <a:alpha val="100000"/>
+                    </a:srgbClr>
+                  </a:solidFill>
+                  <a:latin typeface="Arial"/>
+                  <a:cs typeface="Arial"/>
+                </a:rPr>
+                <a:t>20.5%</a:t>
+              </a:r>
+            </a:p>
+          </p:txBody>
+        </p:sp>
+        <p:sp>
+          <p:nvSpPr>
+            <p:cNvPr id="22" name="tx22"/>
+            <p:cNvSpPr/>
+            <p:nvPr/>
+          </p:nvSpPr>
+          <p:spPr>
+            <a:xfrm>
+              <a:off x="4530101" y="4612867"/>
+              <a:ext cx="409835" cy="109040"/>
+            </a:xfrm>
+            <a:prstGeom prst="rect">
+              <a:avLst/>
+            </a:prstGeom>
+            <a:noFill/>
+          </p:spPr>
+          <p:txBody>
+            <a:bodyPr lIns="0" rIns="0" tIns="0" bIns="0" anchorCtr="1" anchor="ctr" wrap="none"/>
+            <a:lstStyle/>
+            <a:p>
+              <a:pPr algn="l" marL="0" marR="0" indent="0">
+                <a:lnSpc>
+                  <a:spcPts val="1138"/>
+                </a:lnSpc>
+                <a:spcBef>
+                  <a:spcPts val="0"/>
+                </a:spcBef>
+                <a:spcAft>
+                  <a:spcPts val="0"/>
+                </a:spcAft>
+              </a:pPr>
+              <a:r>
+                <a:rPr sz="1138">
+                  <a:solidFill>
+                    <a:srgbClr val="FFFFFF">
+                      <a:alpha val="100000"/>
+                    </a:srgbClr>
+                  </a:solidFill>
+                  <a:latin typeface="Arial"/>
+                  <a:cs typeface="Arial"/>
+                </a:rPr>
+                <a:t>31.3%</a:t>
+              </a:r>
+            </a:p>
+          </p:txBody>
+        </p:sp>
+        <p:sp>
+          <p:nvSpPr>
+            <p:cNvPr id="23" name="tx23"/>
+            <p:cNvSpPr/>
+            <p:nvPr/>
+          </p:nvSpPr>
+          <p:spPr>
+            <a:xfrm>
+              <a:off x="3607468" y="3333526"/>
+              <a:ext cx="409835" cy="109040"/>
+            </a:xfrm>
+            <a:prstGeom prst="rect">
+              <a:avLst/>
+            </a:prstGeom>
+            <a:noFill/>
+          </p:spPr>
+          <p:txBody>
+            <a:bodyPr lIns="0" rIns="0" tIns="0" bIns="0" anchorCtr="1" anchor="ctr" wrap="none"/>
+            <a:lstStyle/>
+            <a:p>
+              <a:pPr algn="l" marL="0" marR="0" indent="0">
+                <a:lnSpc>
+                  <a:spcPts val="1138"/>
+                </a:lnSpc>
+                <a:spcBef>
+                  <a:spcPts val="0"/>
+                </a:spcBef>
+                <a:spcAft>
+                  <a:spcPts val="0"/>
+                </a:spcAft>
+              </a:pPr>
+              <a:r>
+                <a:rPr sz="1138">
+                  <a:solidFill>
+                    <a:srgbClr val="FFFFFF">
+                      <a:alpha val="100000"/>
+                    </a:srgbClr>
+                  </a:solidFill>
+                  <a:latin typeface="Arial"/>
+                  <a:cs typeface="Arial"/>
+                </a:rPr>
+                <a:t>36.2%</a:t>
+              </a:r>
+            </a:p>
+          </p:txBody>
+        </p:sp>
+        <p:sp>
+          <p:nvSpPr>
+            <p:cNvPr id="24" name="tx24"/>
+            <p:cNvSpPr/>
+            <p:nvPr/>
+          </p:nvSpPr>
+          <p:spPr>
+            <a:xfrm>
+              <a:off x="4467895" y="2809621"/>
+              <a:ext cx="329449" cy="109040"/>
+            </a:xfrm>
+            <a:prstGeom prst="rect">
+              <a:avLst/>
+            </a:prstGeom>
+            <a:noFill/>
+          </p:spPr>
+          <p:txBody>
+            <a:bodyPr lIns="0" rIns="0" tIns="0" bIns="0" anchorCtr="1" anchor="ctr" wrap="none"/>
+            <a:lstStyle/>
+            <a:p>
+              <a:pPr algn="l" marL="0" marR="0" indent="0">
+                <a:lnSpc>
+                  <a:spcPts val="1138"/>
+                </a:lnSpc>
+                <a:spcBef>
+                  <a:spcPts val="0"/>
+                </a:spcBef>
+                <a:spcAft>
+                  <a:spcPts val="0"/>
+                </a:spcAft>
+              </a:pPr>
+              <a:r>
+                <a:rPr sz="1138">
+                  <a:solidFill>
+                    <a:srgbClr val="FFFFFF">
+                      <a:alpha val="100000"/>
+                    </a:srgbClr>
+                  </a:solidFill>
+                  <a:latin typeface="Arial"/>
+                  <a:cs typeface="Arial"/>
+                </a:rPr>
+                <a:t>0.1%</a:t>
+              </a:r>
+            </a:p>
+          </p:txBody>
+        </p:sp>
+        <p:sp>
+          <p:nvSpPr>
+            <p:cNvPr id="25" name="tx25"/>
+            <p:cNvSpPr/>
+            <p:nvPr/>
+          </p:nvSpPr>
+          <p:spPr>
+            <a:xfrm>
+              <a:off x="4761425" y="2875151"/>
+              <a:ext cx="409835" cy="109040"/>
+            </a:xfrm>
+            <a:prstGeom prst="rect">
+              <a:avLst/>
+            </a:prstGeom>
+            <a:noFill/>
+          </p:spPr>
+          <p:txBody>
+            <a:bodyPr lIns="0" rIns="0" tIns="0" bIns="0" anchorCtr="1" anchor="ctr" wrap="none"/>
+            <a:lstStyle/>
+            <a:p>
+              <a:pPr algn="l" marL="0" marR="0" indent="0">
+                <a:lnSpc>
+                  <a:spcPts val="1138"/>
+                </a:lnSpc>
+                <a:spcBef>
+                  <a:spcPts val="0"/>
+                </a:spcBef>
+                <a:spcAft>
+                  <a:spcPts val="0"/>
+                </a:spcAft>
+              </a:pPr>
+              <a:r>
+                <a:rPr sz="1138">
+                  <a:solidFill>
+                    <a:srgbClr val="FFFFFF">
+                      <a:alpha val="100000"/>
+                    </a:srgbClr>
+                  </a:solidFill>
+                  <a:latin typeface="Arial"/>
+                  <a:cs typeface="Arial"/>
+                </a:rPr>
+                <a:t>11.9%</a:t>
+              </a:r>
+            </a:p>
+          </p:txBody>
+        </p:sp>
+        <p:sp>
+          <p:nvSpPr>
+            <p:cNvPr id="26" name="tx26"/>
+            <p:cNvSpPr/>
+            <p:nvPr/>
+          </p:nvSpPr>
+          <p:spPr>
+            <a:xfrm>
+              <a:off x="5314519" y="3560423"/>
+              <a:ext cx="409835" cy="109040"/>
+            </a:xfrm>
+            <a:prstGeom prst="rect">
+              <a:avLst/>
+            </a:prstGeom>
+            <a:noFill/>
+          </p:spPr>
+          <p:txBody>
+            <a:bodyPr lIns="0" rIns="0" tIns="0" bIns="0" anchorCtr="1" anchor="ctr" wrap="none"/>
+            <a:lstStyle/>
+            <a:p>
+              <a:pPr algn="l" marL="0" marR="0" indent="0">
+                <a:lnSpc>
+                  <a:spcPts val="1138"/>
+                </a:lnSpc>
+                <a:spcBef>
+                  <a:spcPts val="0"/>
+                </a:spcBef>
+                <a:spcAft>
+                  <a:spcPts val="0"/>
+                </a:spcAft>
+              </a:pPr>
+              <a:r>
+                <a:rPr sz="1138">
+                  <a:solidFill>
+                    <a:srgbClr val="FFFFFF">
+                      <a:alpha val="100000"/>
+                    </a:srgbClr>
+                  </a:solidFill>
+                  <a:latin typeface="Arial"/>
+                  <a:cs typeface="Arial"/>
+                </a:rPr>
+                <a:t>20.5%</a:t>
+              </a:r>
+            </a:p>
+          </p:txBody>
+        </p:sp>
+        <p:sp>
+          <p:nvSpPr>
+            <p:cNvPr id="27" name="tx27"/>
+            <p:cNvSpPr/>
+            <p:nvPr/>
+          </p:nvSpPr>
+          <p:spPr>
+            <a:xfrm>
+              <a:off x="4526142" y="4612079"/>
+              <a:ext cx="409835" cy="109040"/>
+            </a:xfrm>
+            <a:prstGeom prst="rect">
+              <a:avLst/>
+            </a:prstGeom>
+            <a:noFill/>
+          </p:spPr>
+          <p:txBody>
+            <a:bodyPr lIns="0" rIns="0" tIns="0" bIns="0" anchorCtr="1" anchor="ctr" wrap="none"/>
+            <a:lstStyle/>
+            <a:p>
+              <a:pPr algn="l" marL="0" marR="0" indent="0">
+                <a:lnSpc>
+                  <a:spcPts val="1138"/>
+                </a:lnSpc>
+                <a:spcBef>
+                  <a:spcPts val="0"/>
+                </a:spcBef>
+                <a:spcAft>
+                  <a:spcPts val="0"/>
+                </a:spcAft>
+              </a:pPr>
+              <a:r>
+                <a:rPr sz="1138">
+                  <a:solidFill>
+                    <a:srgbClr val="FFFFFF">
+                      <a:alpha val="100000"/>
+                    </a:srgbClr>
+                  </a:solidFill>
+                  <a:latin typeface="Arial"/>
+                  <a:cs typeface="Arial"/>
+                </a:rPr>
+                <a:t>31.3%</a:t>
+              </a:r>
+            </a:p>
+          </p:txBody>
+        </p:sp>
+        <p:sp>
+          <p:nvSpPr>
+            <p:cNvPr id="28" name="tx28"/>
+            <p:cNvSpPr/>
+            <p:nvPr/>
+          </p:nvSpPr>
+          <p:spPr>
+            <a:xfrm>
+              <a:off x="3603509" y="3332738"/>
+              <a:ext cx="409835" cy="109040"/>
+            </a:xfrm>
+            <a:prstGeom prst="rect">
+              <a:avLst/>
+            </a:prstGeom>
+            <a:noFill/>
+          </p:spPr>
+          <p:txBody>
+            <a:bodyPr lIns="0" rIns="0" tIns="0" bIns="0" anchorCtr="1" anchor="ctr" wrap="none"/>
+            <a:lstStyle/>
+            <a:p>
+              <a:pPr algn="l" marL="0" marR="0" indent="0">
+                <a:lnSpc>
+                  <a:spcPts val="1138"/>
+                </a:lnSpc>
+                <a:spcBef>
+                  <a:spcPts val="0"/>
+                </a:spcBef>
+                <a:spcAft>
+                  <a:spcPts val="0"/>
+                </a:spcAft>
+              </a:pPr>
+              <a:r>
+                <a:rPr sz="1138">
+                  <a:solidFill>
+                    <a:srgbClr val="FFFFFF">
+                      <a:alpha val="100000"/>
+                    </a:srgbClr>
+                  </a:solidFill>
+                  <a:latin typeface="Arial"/>
+                  <a:cs typeface="Arial"/>
+                </a:rPr>
+                <a:t>36.2%</a:t>
+              </a:r>
+            </a:p>
+          </p:txBody>
+        </p:sp>
+        <p:sp>
+          <p:nvSpPr>
+            <p:cNvPr id="29" name="tx29"/>
+            <p:cNvSpPr/>
+            <p:nvPr/>
+          </p:nvSpPr>
+          <p:spPr>
+            <a:xfrm>
+              <a:off x="4463936" y="2810409"/>
+              <a:ext cx="329449" cy="109040"/>
+            </a:xfrm>
+            <a:prstGeom prst="rect">
+              <a:avLst/>
+            </a:prstGeom>
+            <a:noFill/>
+          </p:spPr>
+          <p:txBody>
+            <a:bodyPr lIns="0" rIns="0" tIns="0" bIns="0" anchorCtr="1" anchor="ctr" wrap="none"/>
+            <a:lstStyle/>
+            <a:p>
+              <a:pPr algn="l" marL="0" marR="0" indent="0">
+                <a:lnSpc>
+                  <a:spcPts val="1138"/>
+                </a:lnSpc>
+                <a:spcBef>
+                  <a:spcPts val="0"/>
+                </a:spcBef>
+                <a:spcAft>
+                  <a:spcPts val="0"/>
+                </a:spcAft>
+              </a:pPr>
+              <a:r>
+                <a:rPr sz="1138">
+                  <a:solidFill>
+                    <a:srgbClr val="FFFFFF">
+                      <a:alpha val="100000"/>
+                    </a:srgbClr>
+                  </a:solidFill>
+                  <a:latin typeface="Arial"/>
+                  <a:cs typeface="Arial"/>
+                </a:rPr>
+                <a:t>0.1%</a:t>
+              </a:r>
+            </a:p>
+          </p:txBody>
+        </p:sp>
+        <p:sp>
+          <p:nvSpPr>
+            <p:cNvPr id="30" name="tx30"/>
+            <p:cNvSpPr/>
+            <p:nvPr/>
+          </p:nvSpPr>
+          <p:spPr>
+            <a:xfrm>
+              <a:off x="4757465" y="2875939"/>
+              <a:ext cx="409835" cy="109040"/>
+            </a:xfrm>
+            <a:prstGeom prst="rect">
+              <a:avLst/>
+            </a:prstGeom>
+            <a:noFill/>
+          </p:spPr>
+          <p:txBody>
+            <a:bodyPr lIns="0" rIns="0" tIns="0" bIns="0" anchorCtr="1" anchor="ctr" wrap="none"/>
+            <a:lstStyle/>
+            <a:p>
+              <a:pPr algn="l" marL="0" marR="0" indent="0">
+                <a:lnSpc>
+                  <a:spcPts val="1138"/>
+                </a:lnSpc>
+                <a:spcBef>
+                  <a:spcPts val="0"/>
+                </a:spcBef>
+                <a:spcAft>
+                  <a:spcPts val="0"/>
+                </a:spcAft>
+              </a:pPr>
+              <a:r>
+                <a:rPr sz="1138">
+                  <a:solidFill>
+                    <a:srgbClr val="FFFFFF">
+                      <a:alpha val="100000"/>
+                    </a:srgbClr>
+                  </a:solidFill>
+                  <a:latin typeface="Arial"/>
+                  <a:cs typeface="Arial"/>
+                </a:rPr>
+                <a:t>11.9%</a:t>
+              </a:r>
+            </a:p>
+          </p:txBody>
+        </p:sp>
+        <p:sp>
+          <p:nvSpPr>
+            <p:cNvPr id="31" name="tx31"/>
+            <p:cNvSpPr/>
+            <p:nvPr/>
+          </p:nvSpPr>
+          <p:spPr>
+            <a:xfrm>
+              <a:off x="5310559" y="3561210"/>
+              <a:ext cx="409835" cy="109040"/>
+            </a:xfrm>
+            <a:prstGeom prst="rect">
+              <a:avLst/>
+            </a:prstGeom>
+            <a:noFill/>
+          </p:spPr>
+          <p:txBody>
+            <a:bodyPr lIns="0" rIns="0" tIns="0" bIns="0" anchorCtr="1" anchor="ctr" wrap="none"/>
+            <a:lstStyle/>
+            <a:p>
+              <a:pPr algn="l" marL="0" marR="0" indent="0">
+                <a:lnSpc>
+                  <a:spcPts val="1138"/>
+                </a:lnSpc>
+                <a:spcBef>
+                  <a:spcPts val="0"/>
+                </a:spcBef>
+                <a:spcAft>
+                  <a:spcPts val="0"/>
+                </a:spcAft>
+              </a:pPr>
+              <a:r>
+                <a:rPr sz="1138">
+                  <a:solidFill>
+                    <a:srgbClr val="FFFFFF">
+                      <a:alpha val="100000"/>
+                    </a:srgbClr>
+                  </a:solidFill>
+                  <a:latin typeface="Arial"/>
+                  <a:cs typeface="Arial"/>
+                </a:rPr>
+                <a:t>20.5%</a:t>
+              </a:r>
+            </a:p>
+          </p:txBody>
+        </p:sp>
+        <p:sp>
+          <p:nvSpPr>
+            <p:cNvPr id="32" name="tx32"/>
+            <p:cNvSpPr/>
+            <p:nvPr/>
+          </p:nvSpPr>
+          <p:spPr>
+            <a:xfrm>
+              <a:off x="4522182" y="4612867"/>
+              <a:ext cx="409835" cy="109040"/>
+            </a:xfrm>
+            <a:prstGeom prst="rect">
+              <a:avLst/>
+            </a:prstGeom>
+            <a:noFill/>
+          </p:spPr>
+          <p:txBody>
+            <a:bodyPr lIns="0" rIns="0" tIns="0" bIns="0" anchorCtr="1" anchor="ctr" wrap="none"/>
+            <a:lstStyle/>
+            <a:p>
+              <a:pPr algn="l" marL="0" marR="0" indent="0">
+                <a:lnSpc>
+                  <a:spcPts val="1138"/>
+                </a:lnSpc>
+                <a:spcBef>
+                  <a:spcPts val="0"/>
+                </a:spcBef>
+                <a:spcAft>
+                  <a:spcPts val="0"/>
+                </a:spcAft>
+              </a:pPr>
+              <a:r>
+                <a:rPr sz="1138">
+                  <a:solidFill>
+                    <a:srgbClr val="FFFFFF">
+                      <a:alpha val="100000"/>
+                    </a:srgbClr>
+                  </a:solidFill>
+                  <a:latin typeface="Arial"/>
+                  <a:cs typeface="Arial"/>
+                </a:rPr>
+                <a:t>31.3%</a:t>
+              </a:r>
+            </a:p>
+          </p:txBody>
+        </p:sp>
+        <p:sp>
+          <p:nvSpPr>
+            <p:cNvPr id="33" name="tx33"/>
+            <p:cNvSpPr/>
+            <p:nvPr/>
+          </p:nvSpPr>
+          <p:spPr>
+            <a:xfrm>
+              <a:off x="3599550" y="3333526"/>
+              <a:ext cx="409835" cy="109040"/>
+            </a:xfrm>
+            <a:prstGeom prst="rect">
+              <a:avLst/>
+            </a:prstGeom>
+            <a:noFill/>
+          </p:spPr>
+          <p:txBody>
+            <a:bodyPr lIns="0" rIns="0" tIns="0" bIns="0" anchorCtr="1" anchor="ctr" wrap="none"/>
+            <a:lstStyle/>
+            <a:p>
+              <a:pPr algn="l" marL="0" marR="0" indent="0">
+                <a:lnSpc>
+                  <a:spcPts val="1138"/>
+                </a:lnSpc>
+                <a:spcBef>
+                  <a:spcPts val="0"/>
+                </a:spcBef>
+                <a:spcAft>
+                  <a:spcPts val="0"/>
+                </a:spcAft>
+              </a:pPr>
+              <a:r>
+                <a:rPr sz="1138">
+                  <a:solidFill>
+                    <a:srgbClr val="FFFFFF">
+                      <a:alpha val="100000"/>
+                    </a:srgbClr>
+                  </a:solidFill>
+                  <a:latin typeface="Arial"/>
+                  <a:cs typeface="Arial"/>
+                </a:rPr>
+                <a:t>36.2%</a:t>
+              </a:r>
+            </a:p>
+          </p:txBody>
+        </p:sp>
+        <p:sp>
+          <p:nvSpPr>
+            <p:cNvPr id="34" name="tx34"/>
+            <p:cNvSpPr/>
+            <p:nvPr/>
+          </p:nvSpPr>
+          <p:spPr>
+            <a:xfrm>
+              <a:off x="4460579" y="2812652"/>
+              <a:ext cx="329449" cy="109040"/>
+            </a:xfrm>
+            <a:prstGeom prst="rect">
+              <a:avLst/>
+            </a:prstGeom>
+            <a:noFill/>
+          </p:spPr>
+          <p:txBody>
+            <a:bodyPr lIns="0" rIns="0" tIns="0" bIns="0" anchorCtr="1" anchor="ctr" wrap="none"/>
+            <a:lstStyle/>
+            <a:p>
+              <a:pPr algn="l" marL="0" marR="0" indent="0">
+                <a:lnSpc>
+                  <a:spcPts val="1138"/>
+                </a:lnSpc>
+                <a:spcBef>
+                  <a:spcPts val="0"/>
+                </a:spcBef>
+                <a:spcAft>
+                  <a:spcPts val="0"/>
+                </a:spcAft>
+              </a:pPr>
+              <a:r>
+                <a:rPr sz="1138">
+                  <a:solidFill>
+                    <a:srgbClr val="FFFFFF">
+                      <a:alpha val="100000"/>
+                    </a:srgbClr>
+                  </a:solidFill>
+                  <a:latin typeface="Arial"/>
+                  <a:cs typeface="Arial"/>
+                </a:rPr>
+                <a:t>0.1%</a:t>
+              </a:r>
+            </a:p>
+          </p:txBody>
+        </p:sp>
+        <p:sp>
+          <p:nvSpPr>
+            <p:cNvPr id="35" name="tx35"/>
+            <p:cNvSpPr/>
+            <p:nvPr/>
+          </p:nvSpPr>
+          <p:spPr>
+            <a:xfrm>
+              <a:off x="4754109" y="2878181"/>
+              <a:ext cx="409835" cy="109040"/>
+            </a:xfrm>
+            <a:prstGeom prst="rect">
+              <a:avLst/>
+            </a:prstGeom>
+            <a:noFill/>
+          </p:spPr>
+          <p:txBody>
+            <a:bodyPr lIns="0" rIns="0" tIns="0" bIns="0" anchorCtr="1" anchor="ctr" wrap="none"/>
+            <a:lstStyle/>
+            <a:p>
+              <a:pPr algn="l" marL="0" marR="0" indent="0">
+                <a:lnSpc>
+                  <a:spcPts val="1138"/>
+                </a:lnSpc>
+                <a:spcBef>
+                  <a:spcPts val="0"/>
+                </a:spcBef>
+                <a:spcAft>
+                  <a:spcPts val="0"/>
+                </a:spcAft>
+              </a:pPr>
+              <a:r>
+                <a:rPr sz="1138">
+                  <a:solidFill>
+                    <a:srgbClr val="FFFFFF">
+                      <a:alpha val="100000"/>
+                    </a:srgbClr>
+                  </a:solidFill>
+                  <a:latin typeface="Arial"/>
+                  <a:cs typeface="Arial"/>
+                </a:rPr>
+                <a:t>11.9%</a:t>
+              </a:r>
+            </a:p>
+          </p:txBody>
+        </p:sp>
+        <p:sp>
+          <p:nvSpPr>
+            <p:cNvPr id="36" name="tx36"/>
+            <p:cNvSpPr/>
+            <p:nvPr/>
+          </p:nvSpPr>
+          <p:spPr>
+            <a:xfrm>
+              <a:off x="5307202" y="3563453"/>
+              <a:ext cx="409835" cy="109040"/>
+            </a:xfrm>
+            <a:prstGeom prst="rect">
+              <a:avLst/>
+            </a:prstGeom>
+            <a:noFill/>
+          </p:spPr>
+          <p:txBody>
+            <a:bodyPr lIns="0" rIns="0" tIns="0" bIns="0" anchorCtr="1" anchor="ctr" wrap="none"/>
+            <a:lstStyle/>
+            <a:p>
+              <a:pPr algn="l" marL="0" marR="0" indent="0">
+                <a:lnSpc>
+                  <a:spcPts val="1138"/>
+                </a:lnSpc>
+                <a:spcBef>
+                  <a:spcPts val="0"/>
+                </a:spcBef>
+                <a:spcAft>
+                  <a:spcPts val="0"/>
+                </a:spcAft>
+              </a:pPr>
+              <a:r>
+                <a:rPr sz="1138">
+                  <a:solidFill>
+                    <a:srgbClr val="FFFFFF">
+                      <a:alpha val="100000"/>
+                    </a:srgbClr>
+                  </a:solidFill>
+                  <a:latin typeface="Arial"/>
+                  <a:cs typeface="Arial"/>
+                </a:rPr>
+                <a:t>20.5%</a:t>
+              </a:r>
+            </a:p>
+          </p:txBody>
+        </p:sp>
+        <p:sp>
+          <p:nvSpPr>
+            <p:cNvPr id="37" name="tx37"/>
+            <p:cNvSpPr/>
+            <p:nvPr/>
+          </p:nvSpPr>
+          <p:spPr>
+            <a:xfrm>
+              <a:off x="4518826" y="4615110"/>
+              <a:ext cx="409835" cy="109040"/>
+            </a:xfrm>
+            <a:prstGeom prst="rect">
+              <a:avLst/>
+            </a:prstGeom>
+            <a:noFill/>
+          </p:spPr>
+          <p:txBody>
+            <a:bodyPr lIns="0" rIns="0" tIns="0" bIns="0" anchorCtr="1" anchor="ctr" wrap="none"/>
+            <a:lstStyle/>
+            <a:p>
+              <a:pPr algn="l" marL="0" marR="0" indent="0">
+                <a:lnSpc>
+                  <a:spcPts val="1138"/>
+                </a:lnSpc>
+                <a:spcBef>
+                  <a:spcPts val="0"/>
+                </a:spcBef>
+                <a:spcAft>
+                  <a:spcPts val="0"/>
+                </a:spcAft>
+              </a:pPr>
+              <a:r>
+                <a:rPr sz="1138">
+                  <a:solidFill>
+                    <a:srgbClr val="FFFFFF">
+                      <a:alpha val="100000"/>
+                    </a:srgbClr>
+                  </a:solidFill>
+                  <a:latin typeface="Arial"/>
+                  <a:cs typeface="Arial"/>
+                </a:rPr>
+                <a:t>31.3%</a:t>
+              </a:r>
+            </a:p>
+          </p:txBody>
+        </p:sp>
+        <p:sp>
+          <p:nvSpPr>
+            <p:cNvPr id="38" name="tx38"/>
+            <p:cNvSpPr/>
+            <p:nvPr/>
+          </p:nvSpPr>
+          <p:spPr>
+            <a:xfrm>
+              <a:off x="3596193" y="3335769"/>
+              <a:ext cx="409835" cy="109040"/>
+            </a:xfrm>
+            <a:prstGeom prst="rect">
+              <a:avLst/>
+            </a:prstGeom>
+            <a:noFill/>
+          </p:spPr>
+          <p:txBody>
+            <a:bodyPr lIns="0" rIns="0" tIns="0" bIns="0" anchorCtr="1" anchor="ctr" wrap="none"/>
+            <a:lstStyle/>
+            <a:p>
+              <a:pPr algn="l" marL="0" marR="0" indent="0">
+                <a:lnSpc>
+                  <a:spcPts val="1138"/>
+                </a:lnSpc>
+                <a:spcBef>
+                  <a:spcPts val="0"/>
+                </a:spcBef>
+                <a:spcAft>
+                  <a:spcPts val="0"/>
+                </a:spcAft>
+              </a:pPr>
+              <a:r>
+                <a:rPr sz="1138">
+                  <a:solidFill>
+                    <a:srgbClr val="FFFFFF">
+                      <a:alpha val="100000"/>
+                    </a:srgbClr>
+                  </a:solidFill>
+                  <a:latin typeface="Arial"/>
+                  <a:cs typeface="Arial"/>
+                </a:rPr>
+                <a:t>36.2%</a:t>
+              </a:r>
+            </a:p>
+          </p:txBody>
+        </p:sp>
+        <p:sp>
+          <p:nvSpPr>
+            <p:cNvPr id="39" name="tx39"/>
+            <p:cNvSpPr/>
+            <p:nvPr/>
+          </p:nvSpPr>
+          <p:spPr>
+            <a:xfrm>
+              <a:off x="4458336" y="2816008"/>
+              <a:ext cx="329449" cy="109040"/>
+            </a:xfrm>
+            <a:prstGeom prst="rect">
+              <a:avLst/>
+            </a:prstGeom>
+            <a:noFill/>
+          </p:spPr>
+          <p:txBody>
+            <a:bodyPr lIns="0" rIns="0" tIns="0" bIns="0" anchorCtr="1" anchor="ctr" wrap="none"/>
+            <a:lstStyle/>
+            <a:p>
+              <a:pPr algn="l" marL="0" marR="0" indent="0">
+                <a:lnSpc>
+                  <a:spcPts val="1138"/>
+                </a:lnSpc>
+                <a:spcBef>
+                  <a:spcPts val="0"/>
+                </a:spcBef>
+                <a:spcAft>
+                  <a:spcPts val="0"/>
+                </a:spcAft>
+              </a:pPr>
+              <a:r>
+                <a:rPr sz="1138">
+                  <a:solidFill>
+                    <a:srgbClr val="FFFFFF">
+                      <a:alpha val="100000"/>
+                    </a:srgbClr>
+                  </a:solidFill>
+                  <a:latin typeface="Arial"/>
+                  <a:cs typeface="Arial"/>
+                </a:rPr>
+                <a:t>0.1%</a:t>
+              </a:r>
+            </a:p>
+          </p:txBody>
+        </p:sp>
+        <p:sp>
+          <p:nvSpPr>
+            <p:cNvPr id="40" name="tx40"/>
+            <p:cNvSpPr/>
+            <p:nvPr/>
+          </p:nvSpPr>
+          <p:spPr>
+            <a:xfrm>
+              <a:off x="4751866" y="2881538"/>
+              <a:ext cx="409835" cy="109040"/>
+            </a:xfrm>
+            <a:prstGeom prst="rect">
+              <a:avLst/>
+            </a:prstGeom>
+            <a:noFill/>
+          </p:spPr>
+          <p:txBody>
+            <a:bodyPr lIns="0" rIns="0" tIns="0" bIns="0" anchorCtr="1" anchor="ctr" wrap="none"/>
+            <a:lstStyle/>
+            <a:p>
+              <a:pPr algn="l" marL="0" marR="0" indent="0">
+                <a:lnSpc>
+                  <a:spcPts val="1138"/>
+                </a:lnSpc>
+                <a:spcBef>
+                  <a:spcPts val="0"/>
+                </a:spcBef>
+                <a:spcAft>
+                  <a:spcPts val="0"/>
+                </a:spcAft>
+              </a:pPr>
+              <a:r>
+                <a:rPr sz="1138">
+                  <a:solidFill>
+                    <a:srgbClr val="FFFFFF">
+                      <a:alpha val="100000"/>
+                    </a:srgbClr>
+                  </a:solidFill>
+                  <a:latin typeface="Arial"/>
+                  <a:cs typeface="Arial"/>
+                </a:rPr>
+                <a:t>11.9%</a:t>
+              </a:r>
+            </a:p>
+          </p:txBody>
+        </p:sp>
+        <p:sp>
+          <p:nvSpPr>
+            <p:cNvPr id="41" name="tx41"/>
+            <p:cNvSpPr/>
+            <p:nvPr/>
+          </p:nvSpPr>
+          <p:spPr>
+            <a:xfrm>
+              <a:off x="5304960" y="3566810"/>
+              <a:ext cx="409835" cy="109040"/>
+            </a:xfrm>
+            <a:prstGeom prst="rect">
+              <a:avLst/>
+            </a:prstGeom>
+            <a:noFill/>
+          </p:spPr>
+          <p:txBody>
+            <a:bodyPr lIns="0" rIns="0" tIns="0" bIns="0" anchorCtr="1" anchor="ctr" wrap="none"/>
+            <a:lstStyle/>
+            <a:p>
+              <a:pPr algn="l" marL="0" marR="0" indent="0">
+                <a:lnSpc>
+                  <a:spcPts val="1138"/>
+                </a:lnSpc>
+                <a:spcBef>
+                  <a:spcPts val="0"/>
+                </a:spcBef>
+                <a:spcAft>
+                  <a:spcPts val="0"/>
+                </a:spcAft>
+              </a:pPr>
+              <a:r>
+                <a:rPr sz="1138">
+                  <a:solidFill>
+                    <a:srgbClr val="FFFFFF">
+                      <a:alpha val="100000"/>
+                    </a:srgbClr>
+                  </a:solidFill>
+                  <a:latin typeface="Arial"/>
+                  <a:cs typeface="Arial"/>
+                </a:rPr>
+                <a:t>20.5%</a:t>
+              </a:r>
+            </a:p>
+          </p:txBody>
+        </p:sp>
+        <p:sp>
+          <p:nvSpPr>
+            <p:cNvPr id="42" name="tx42"/>
+            <p:cNvSpPr/>
+            <p:nvPr/>
+          </p:nvSpPr>
+          <p:spPr>
+            <a:xfrm>
+              <a:off x="4516583" y="4618466"/>
+              <a:ext cx="409835" cy="109040"/>
+            </a:xfrm>
+            <a:prstGeom prst="rect">
+              <a:avLst/>
+            </a:prstGeom>
+            <a:noFill/>
+          </p:spPr>
+          <p:txBody>
+            <a:bodyPr lIns="0" rIns="0" tIns="0" bIns="0" anchorCtr="1" anchor="ctr" wrap="none"/>
+            <a:lstStyle/>
+            <a:p>
+              <a:pPr algn="l" marL="0" marR="0" indent="0">
+                <a:lnSpc>
+                  <a:spcPts val="1138"/>
+                </a:lnSpc>
+                <a:spcBef>
+                  <a:spcPts val="0"/>
+                </a:spcBef>
+                <a:spcAft>
+                  <a:spcPts val="0"/>
+                </a:spcAft>
+              </a:pPr>
+              <a:r>
+                <a:rPr sz="1138">
+                  <a:solidFill>
+                    <a:srgbClr val="FFFFFF">
+                      <a:alpha val="100000"/>
+                    </a:srgbClr>
+                  </a:solidFill>
+                  <a:latin typeface="Arial"/>
+                  <a:cs typeface="Arial"/>
+                </a:rPr>
+                <a:t>31.3%</a:t>
+              </a:r>
+            </a:p>
+          </p:txBody>
+        </p:sp>
+        <p:sp>
+          <p:nvSpPr>
+            <p:cNvPr id="43" name="tx43"/>
+            <p:cNvSpPr/>
+            <p:nvPr/>
+          </p:nvSpPr>
+          <p:spPr>
+            <a:xfrm>
+              <a:off x="3593950" y="3339125"/>
+              <a:ext cx="409835" cy="109040"/>
+            </a:xfrm>
+            <a:prstGeom prst="rect">
+              <a:avLst/>
+            </a:prstGeom>
+            <a:noFill/>
+          </p:spPr>
+          <p:txBody>
+            <a:bodyPr lIns="0" rIns="0" tIns="0" bIns="0" anchorCtr="1" anchor="ctr" wrap="none"/>
+            <a:lstStyle/>
+            <a:p>
+              <a:pPr algn="l" marL="0" marR="0" indent="0">
+                <a:lnSpc>
+                  <a:spcPts val="1138"/>
+                </a:lnSpc>
+                <a:spcBef>
+                  <a:spcPts val="0"/>
+                </a:spcBef>
+                <a:spcAft>
+                  <a:spcPts val="0"/>
+                </a:spcAft>
+              </a:pPr>
+              <a:r>
+                <a:rPr sz="1138">
+                  <a:solidFill>
+                    <a:srgbClr val="FFFFFF">
+                      <a:alpha val="100000"/>
+                    </a:srgbClr>
+                  </a:solidFill>
+                  <a:latin typeface="Arial"/>
+                  <a:cs typeface="Arial"/>
+                </a:rPr>
+                <a:t>36.2%</a:t>
+              </a:r>
+            </a:p>
+          </p:txBody>
+        </p:sp>
+        <p:sp>
+          <p:nvSpPr>
+            <p:cNvPr id="44" name="tx44"/>
+            <p:cNvSpPr/>
+            <p:nvPr/>
+          </p:nvSpPr>
+          <p:spPr>
+            <a:xfrm>
+              <a:off x="4457549" y="2819968"/>
+              <a:ext cx="329449" cy="109040"/>
+            </a:xfrm>
+            <a:prstGeom prst="rect">
+              <a:avLst/>
+            </a:prstGeom>
+            <a:noFill/>
+          </p:spPr>
+          <p:txBody>
+            <a:bodyPr lIns="0" rIns="0" tIns="0" bIns="0" anchorCtr="1" anchor="ctr" wrap="none"/>
+            <a:lstStyle/>
+            <a:p>
+              <a:pPr algn="l" marL="0" marR="0" indent="0">
+                <a:lnSpc>
+                  <a:spcPts val="1138"/>
+                </a:lnSpc>
+                <a:spcBef>
+                  <a:spcPts val="0"/>
+                </a:spcBef>
+                <a:spcAft>
+                  <a:spcPts val="0"/>
+                </a:spcAft>
+              </a:pPr>
+              <a:r>
+                <a:rPr sz="1138">
+                  <a:solidFill>
+                    <a:srgbClr val="FFFFFF">
+                      <a:alpha val="100000"/>
+                    </a:srgbClr>
+                  </a:solidFill>
+                  <a:latin typeface="Arial"/>
+                  <a:cs typeface="Arial"/>
+                </a:rPr>
+                <a:t>0.1%</a:t>
+              </a:r>
+            </a:p>
+          </p:txBody>
+        </p:sp>
+        <p:sp>
+          <p:nvSpPr>
+            <p:cNvPr id="45" name="tx45"/>
+            <p:cNvSpPr/>
+            <p:nvPr/>
+          </p:nvSpPr>
+          <p:spPr>
+            <a:xfrm>
+              <a:off x="4751078" y="2885498"/>
+              <a:ext cx="409835" cy="109040"/>
+            </a:xfrm>
+            <a:prstGeom prst="rect">
+              <a:avLst/>
+            </a:prstGeom>
+            <a:noFill/>
+          </p:spPr>
+          <p:txBody>
+            <a:bodyPr lIns="0" rIns="0" tIns="0" bIns="0" anchorCtr="1" anchor="ctr" wrap="none"/>
+            <a:lstStyle/>
+            <a:p>
+              <a:pPr algn="l" marL="0" marR="0" indent="0">
+                <a:lnSpc>
+                  <a:spcPts val="1138"/>
+                </a:lnSpc>
+                <a:spcBef>
+                  <a:spcPts val="0"/>
+                </a:spcBef>
+                <a:spcAft>
+                  <a:spcPts val="0"/>
+                </a:spcAft>
+              </a:pPr>
+              <a:r>
+                <a:rPr sz="1138">
+                  <a:solidFill>
+                    <a:srgbClr val="FFFFFF">
+                      <a:alpha val="100000"/>
+                    </a:srgbClr>
+                  </a:solidFill>
+                  <a:latin typeface="Arial"/>
+                  <a:cs typeface="Arial"/>
+                </a:rPr>
+                <a:t>11.9%</a:t>
+              </a:r>
+            </a:p>
+          </p:txBody>
+        </p:sp>
+        <p:sp>
+          <p:nvSpPr>
+            <p:cNvPr id="46" name="tx46"/>
+            <p:cNvSpPr/>
+            <p:nvPr/>
+          </p:nvSpPr>
+          <p:spPr>
+            <a:xfrm>
+              <a:off x="5304172" y="3570769"/>
+              <a:ext cx="409835" cy="109040"/>
+            </a:xfrm>
+            <a:prstGeom prst="rect">
+              <a:avLst/>
+            </a:prstGeom>
+            <a:noFill/>
+          </p:spPr>
+          <p:txBody>
+            <a:bodyPr lIns="0" rIns="0" tIns="0" bIns="0" anchorCtr="1" anchor="ctr" wrap="none"/>
+            <a:lstStyle/>
+            <a:p>
+              <a:pPr algn="l" marL="0" marR="0" indent="0">
+                <a:lnSpc>
+                  <a:spcPts val="1138"/>
+                </a:lnSpc>
+                <a:spcBef>
+                  <a:spcPts val="0"/>
+                </a:spcBef>
+                <a:spcAft>
+                  <a:spcPts val="0"/>
+                </a:spcAft>
+              </a:pPr>
+              <a:r>
+                <a:rPr sz="1138">
+                  <a:solidFill>
+                    <a:srgbClr val="FFFFFF">
+                      <a:alpha val="100000"/>
+                    </a:srgbClr>
+                  </a:solidFill>
+                  <a:latin typeface="Arial"/>
+                  <a:cs typeface="Arial"/>
+                </a:rPr>
+                <a:t>20.5%</a:t>
+              </a:r>
+            </a:p>
+          </p:txBody>
+        </p:sp>
+        <p:sp>
+          <p:nvSpPr>
+            <p:cNvPr id="47" name="tx47"/>
+            <p:cNvSpPr/>
+            <p:nvPr/>
+          </p:nvSpPr>
+          <p:spPr>
+            <a:xfrm>
+              <a:off x="4515795" y="4622426"/>
+              <a:ext cx="409835" cy="109040"/>
+            </a:xfrm>
+            <a:prstGeom prst="rect">
+              <a:avLst/>
+            </a:prstGeom>
+            <a:noFill/>
+          </p:spPr>
+          <p:txBody>
+            <a:bodyPr lIns="0" rIns="0" tIns="0" bIns="0" anchorCtr="1" anchor="ctr" wrap="none"/>
+            <a:lstStyle/>
+            <a:p>
+              <a:pPr algn="l" marL="0" marR="0" indent="0">
+                <a:lnSpc>
+                  <a:spcPts val="1138"/>
+                </a:lnSpc>
+                <a:spcBef>
+                  <a:spcPts val="0"/>
+                </a:spcBef>
+                <a:spcAft>
+                  <a:spcPts val="0"/>
+                </a:spcAft>
+              </a:pPr>
+              <a:r>
+                <a:rPr sz="1138">
+                  <a:solidFill>
+                    <a:srgbClr val="FFFFFF">
+                      <a:alpha val="100000"/>
+                    </a:srgbClr>
+                  </a:solidFill>
+                  <a:latin typeface="Arial"/>
+                  <a:cs typeface="Arial"/>
+                </a:rPr>
+                <a:t>31.3%</a:t>
+              </a:r>
+            </a:p>
+          </p:txBody>
+        </p:sp>
+        <p:sp>
+          <p:nvSpPr>
+            <p:cNvPr id="48" name="tx48"/>
+            <p:cNvSpPr/>
+            <p:nvPr/>
+          </p:nvSpPr>
+          <p:spPr>
+            <a:xfrm>
+              <a:off x="3593163" y="3343085"/>
+              <a:ext cx="409835" cy="109040"/>
+            </a:xfrm>
+            <a:prstGeom prst="rect">
+              <a:avLst/>
+            </a:prstGeom>
+            <a:noFill/>
+          </p:spPr>
+          <p:txBody>
+            <a:bodyPr lIns="0" rIns="0" tIns="0" bIns="0" anchorCtr="1" anchor="ctr" wrap="none"/>
+            <a:lstStyle/>
+            <a:p>
+              <a:pPr algn="l" marL="0" marR="0" indent="0">
+                <a:lnSpc>
+                  <a:spcPts val="1138"/>
+                </a:lnSpc>
+                <a:spcBef>
+                  <a:spcPts val="0"/>
+                </a:spcBef>
+                <a:spcAft>
+                  <a:spcPts val="0"/>
+                </a:spcAft>
+              </a:pPr>
+              <a:r>
+                <a:rPr sz="1138">
+                  <a:solidFill>
+                    <a:srgbClr val="FFFFFF">
+                      <a:alpha val="100000"/>
+                    </a:srgbClr>
+                  </a:solidFill>
+                  <a:latin typeface="Arial"/>
+                  <a:cs typeface="Arial"/>
+                </a:rPr>
+                <a:t>36.2%</a:t>
+              </a:r>
+            </a:p>
+          </p:txBody>
+        </p:sp>
+        <p:sp>
+          <p:nvSpPr>
+            <p:cNvPr id="49" name="tx49"/>
+            <p:cNvSpPr/>
+            <p:nvPr/>
+          </p:nvSpPr>
+          <p:spPr>
+            <a:xfrm>
+              <a:off x="4458336" y="2823927"/>
+              <a:ext cx="329449" cy="109040"/>
+            </a:xfrm>
+            <a:prstGeom prst="rect">
+              <a:avLst/>
+            </a:prstGeom>
+            <a:noFill/>
+          </p:spPr>
+          <p:txBody>
+            <a:bodyPr lIns="0" rIns="0" tIns="0" bIns="0" anchorCtr="1" anchor="ctr" wrap="none"/>
+            <a:lstStyle/>
+            <a:p>
+              <a:pPr algn="l" marL="0" marR="0" indent="0">
+                <a:lnSpc>
+                  <a:spcPts val="1138"/>
+                </a:lnSpc>
+                <a:spcBef>
+                  <a:spcPts val="0"/>
+                </a:spcBef>
+                <a:spcAft>
+                  <a:spcPts val="0"/>
+                </a:spcAft>
+              </a:pPr>
+              <a:r>
+                <a:rPr sz="1138">
+                  <a:solidFill>
+                    <a:srgbClr val="FFFFFF">
+                      <a:alpha val="100000"/>
+                    </a:srgbClr>
+                  </a:solidFill>
+                  <a:latin typeface="Arial"/>
+                  <a:cs typeface="Arial"/>
+                </a:rPr>
+                <a:t>0.1%</a:t>
+              </a:r>
+            </a:p>
+          </p:txBody>
+        </p:sp>
+        <p:sp>
+          <p:nvSpPr>
+            <p:cNvPr id="50" name="tx50"/>
+            <p:cNvSpPr/>
+            <p:nvPr/>
+          </p:nvSpPr>
+          <p:spPr>
+            <a:xfrm>
+              <a:off x="4751866" y="2889457"/>
+              <a:ext cx="409835" cy="109040"/>
+            </a:xfrm>
+            <a:prstGeom prst="rect">
+              <a:avLst/>
+            </a:prstGeom>
+            <a:noFill/>
+          </p:spPr>
+          <p:txBody>
+            <a:bodyPr lIns="0" rIns="0" tIns="0" bIns="0" anchorCtr="1" anchor="ctr" wrap="none"/>
+            <a:lstStyle/>
+            <a:p>
+              <a:pPr algn="l" marL="0" marR="0" indent="0">
+                <a:lnSpc>
+                  <a:spcPts val="1138"/>
+                </a:lnSpc>
+                <a:spcBef>
+                  <a:spcPts val="0"/>
+                </a:spcBef>
+                <a:spcAft>
+                  <a:spcPts val="0"/>
+                </a:spcAft>
+              </a:pPr>
+              <a:r>
+                <a:rPr sz="1138">
+                  <a:solidFill>
+                    <a:srgbClr val="FFFFFF">
+                      <a:alpha val="100000"/>
+                    </a:srgbClr>
+                  </a:solidFill>
+                  <a:latin typeface="Arial"/>
+                  <a:cs typeface="Arial"/>
+                </a:rPr>
+                <a:t>11.9%</a:t>
+              </a:r>
+            </a:p>
+          </p:txBody>
+        </p:sp>
+        <p:sp>
+          <p:nvSpPr>
+            <p:cNvPr id="51" name="tx51"/>
+            <p:cNvSpPr/>
+            <p:nvPr/>
+          </p:nvSpPr>
+          <p:spPr>
+            <a:xfrm>
+              <a:off x="5304960" y="3574729"/>
+              <a:ext cx="409835" cy="109040"/>
+            </a:xfrm>
+            <a:prstGeom prst="rect">
+              <a:avLst/>
+            </a:prstGeom>
+            <a:noFill/>
+          </p:spPr>
+          <p:txBody>
+            <a:bodyPr lIns="0" rIns="0" tIns="0" bIns="0" anchorCtr="1" anchor="ctr" wrap="none"/>
+            <a:lstStyle/>
+            <a:p>
+              <a:pPr algn="l" marL="0" marR="0" indent="0">
+                <a:lnSpc>
+                  <a:spcPts val="1138"/>
+                </a:lnSpc>
+                <a:spcBef>
+                  <a:spcPts val="0"/>
+                </a:spcBef>
+                <a:spcAft>
+                  <a:spcPts val="0"/>
+                </a:spcAft>
+              </a:pPr>
+              <a:r>
+                <a:rPr sz="1138">
+                  <a:solidFill>
+                    <a:srgbClr val="FFFFFF">
+                      <a:alpha val="100000"/>
+                    </a:srgbClr>
+                  </a:solidFill>
+                  <a:latin typeface="Arial"/>
+                  <a:cs typeface="Arial"/>
+                </a:rPr>
+                <a:t>20.5%</a:t>
+              </a:r>
+            </a:p>
+          </p:txBody>
+        </p:sp>
+        <p:sp>
+          <p:nvSpPr>
+            <p:cNvPr id="52" name="tx52"/>
+            <p:cNvSpPr/>
+            <p:nvPr/>
+          </p:nvSpPr>
+          <p:spPr>
+            <a:xfrm>
+              <a:off x="4516583" y="4626385"/>
+              <a:ext cx="409835" cy="109040"/>
+            </a:xfrm>
+            <a:prstGeom prst="rect">
+              <a:avLst/>
+            </a:prstGeom>
+            <a:noFill/>
+          </p:spPr>
+          <p:txBody>
+            <a:bodyPr lIns="0" rIns="0" tIns="0" bIns="0" anchorCtr="1" anchor="ctr" wrap="none"/>
+            <a:lstStyle/>
+            <a:p>
+              <a:pPr algn="l" marL="0" marR="0" indent="0">
+                <a:lnSpc>
+                  <a:spcPts val="1138"/>
+                </a:lnSpc>
+                <a:spcBef>
+                  <a:spcPts val="0"/>
+                </a:spcBef>
+                <a:spcAft>
+                  <a:spcPts val="0"/>
+                </a:spcAft>
+              </a:pPr>
+              <a:r>
+                <a:rPr sz="1138">
+                  <a:solidFill>
+                    <a:srgbClr val="FFFFFF">
+                      <a:alpha val="100000"/>
+                    </a:srgbClr>
+                  </a:solidFill>
+                  <a:latin typeface="Arial"/>
+                  <a:cs typeface="Arial"/>
+                </a:rPr>
+                <a:t>31.3%</a:t>
+              </a:r>
+            </a:p>
+          </p:txBody>
+        </p:sp>
+        <p:sp>
+          <p:nvSpPr>
+            <p:cNvPr id="53" name="tx53"/>
+            <p:cNvSpPr/>
+            <p:nvPr/>
+          </p:nvSpPr>
+          <p:spPr>
+            <a:xfrm>
+              <a:off x="3593950" y="3347044"/>
+              <a:ext cx="409835" cy="109040"/>
+            </a:xfrm>
+            <a:prstGeom prst="rect">
+              <a:avLst/>
+            </a:prstGeom>
+            <a:noFill/>
+          </p:spPr>
+          <p:txBody>
+            <a:bodyPr lIns="0" rIns="0" tIns="0" bIns="0" anchorCtr="1" anchor="ctr" wrap="none"/>
+            <a:lstStyle/>
+            <a:p>
+              <a:pPr algn="l" marL="0" marR="0" indent="0">
+                <a:lnSpc>
+                  <a:spcPts val="1138"/>
+                </a:lnSpc>
+                <a:spcBef>
+                  <a:spcPts val="0"/>
+                </a:spcBef>
+                <a:spcAft>
+                  <a:spcPts val="0"/>
+                </a:spcAft>
+              </a:pPr>
+              <a:r>
+                <a:rPr sz="1138">
+                  <a:solidFill>
+                    <a:srgbClr val="FFFFFF">
+                      <a:alpha val="100000"/>
+                    </a:srgbClr>
+                  </a:solidFill>
+                  <a:latin typeface="Arial"/>
+                  <a:cs typeface="Arial"/>
+                </a:rPr>
+                <a:t>36.2%</a:t>
+              </a:r>
+            </a:p>
+          </p:txBody>
+        </p:sp>
+        <p:sp>
+          <p:nvSpPr>
+            <p:cNvPr id="54" name="tx54"/>
+            <p:cNvSpPr/>
+            <p:nvPr/>
+          </p:nvSpPr>
+          <p:spPr>
+            <a:xfrm>
+              <a:off x="4460579" y="2827284"/>
+              <a:ext cx="329449" cy="109040"/>
+            </a:xfrm>
+            <a:prstGeom prst="rect">
+              <a:avLst/>
+            </a:prstGeom>
+            <a:noFill/>
+          </p:spPr>
+          <p:txBody>
+            <a:bodyPr lIns="0" rIns="0" tIns="0" bIns="0" anchorCtr="1" anchor="ctr" wrap="none"/>
+            <a:lstStyle/>
+            <a:p>
+              <a:pPr algn="l" marL="0" marR="0" indent="0">
+                <a:lnSpc>
+                  <a:spcPts val="1138"/>
+                </a:lnSpc>
+                <a:spcBef>
+                  <a:spcPts val="0"/>
+                </a:spcBef>
+                <a:spcAft>
+                  <a:spcPts val="0"/>
+                </a:spcAft>
+              </a:pPr>
+              <a:r>
+                <a:rPr sz="1138">
+                  <a:solidFill>
+                    <a:srgbClr val="FFFFFF">
+                      <a:alpha val="100000"/>
+                    </a:srgbClr>
+                  </a:solidFill>
+                  <a:latin typeface="Arial"/>
+                  <a:cs typeface="Arial"/>
+                </a:rPr>
+                <a:t>0.1%</a:t>
+              </a:r>
+            </a:p>
+          </p:txBody>
+        </p:sp>
+        <p:sp>
+          <p:nvSpPr>
+            <p:cNvPr id="55" name="tx55"/>
+            <p:cNvSpPr/>
+            <p:nvPr/>
+          </p:nvSpPr>
+          <p:spPr>
+            <a:xfrm>
+              <a:off x="4754109" y="2892814"/>
+              <a:ext cx="409835" cy="109040"/>
+            </a:xfrm>
+            <a:prstGeom prst="rect">
+              <a:avLst/>
+            </a:prstGeom>
+            <a:noFill/>
+          </p:spPr>
+          <p:txBody>
+            <a:bodyPr lIns="0" rIns="0" tIns="0" bIns="0" anchorCtr="1" anchor="ctr" wrap="none"/>
+            <a:lstStyle/>
+            <a:p>
+              <a:pPr algn="l" marL="0" marR="0" indent="0">
+                <a:lnSpc>
+                  <a:spcPts val="1138"/>
+                </a:lnSpc>
+                <a:spcBef>
+                  <a:spcPts val="0"/>
+                </a:spcBef>
+                <a:spcAft>
+                  <a:spcPts val="0"/>
+                </a:spcAft>
+              </a:pPr>
+              <a:r>
+                <a:rPr sz="1138">
+                  <a:solidFill>
+                    <a:srgbClr val="FFFFFF">
+                      <a:alpha val="100000"/>
+                    </a:srgbClr>
+                  </a:solidFill>
+                  <a:latin typeface="Arial"/>
+                  <a:cs typeface="Arial"/>
+                </a:rPr>
+                <a:t>11.9%</a:t>
+              </a:r>
+            </a:p>
+          </p:txBody>
+        </p:sp>
+        <p:sp>
+          <p:nvSpPr>
+            <p:cNvPr id="56" name="tx56"/>
+            <p:cNvSpPr/>
+            <p:nvPr/>
+          </p:nvSpPr>
+          <p:spPr>
+            <a:xfrm>
+              <a:off x="5307202" y="3578085"/>
+              <a:ext cx="409835" cy="109040"/>
+            </a:xfrm>
+            <a:prstGeom prst="rect">
+              <a:avLst/>
+            </a:prstGeom>
+            <a:noFill/>
+          </p:spPr>
+          <p:txBody>
+            <a:bodyPr lIns="0" rIns="0" tIns="0" bIns="0" anchorCtr="1" anchor="ctr" wrap="none"/>
+            <a:lstStyle/>
+            <a:p>
+              <a:pPr algn="l" marL="0" marR="0" indent="0">
+                <a:lnSpc>
+                  <a:spcPts val="1138"/>
+                </a:lnSpc>
+                <a:spcBef>
+                  <a:spcPts val="0"/>
+                </a:spcBef>
+                <a:spcAft>
+                  <a:spcPts val="0"/>
+                </a:spcAft>
+              </a:pPr>
+              <a:r>
+                <a:rPr sz="1138">
+                  <a:solidFill>
+                    <a:srgbClr val="FFFFFF">
+                      <a:alpha val="100000"/>
+                    </a:srgbClr>
+                  </a:solidFill>
+                  <a:latin typeface="Arial"/>
+                  <a:cs typeface="Arial"/>
+                </a:rPr>
+                <a:t>20.5%</a:t>
+              </a:r>
+            </a:p>
+          </p:txBody>
+        </p:sp>
+        <p:sp>
+          <p:nvSpPr>
+            <p:cNvPr id="57" name="tx57"/>
+            <p:cNvSpPr/>
+            <p:nvPr/>
+          </p:nvSpPr>
+          <p:spPr>
+            <a:xfrm>
+              <a:off x="4518826" y="4629742"/>
+              <a:ext cx="409835" cy="109040"/>
+            </a:xfrm>
+            <a:prstGeom prst="rect">
+              <a:avLst/>
+            </a:prstGeom>
+            <a:noFill/>
+          </p:spPr>
+          <p:txBody>
+            <a:bodyPr lIns="0" rIns="0" tIns="0" bIns="0" anchorCtr="1" anchor="ctr" wrap="none"/>
+            <a:lstStyle/>
+            <a:p>
+              <a:pPr algn="l" marL="0" marR="0" indent="0">
+                <a:lnSpc>
+                  <a:spcPts val="1138"/>
+                </a:lnSpc>
+                <a:spcBef>
+                  <a:spcPts val="0"/>
+                </a:spcBef>
+                <a:spcAft>
+                  <a:spcPts val="0"/>
+                </a:spcAft>
+              </a:pPr>
+              <a:r>
+                <a:rPr sz="1138">
+                  <a:solidFill>
+                    <a:srgbClr val="FFFFFF">
+                      <a:alpha val="100000"/>
+                    </a:srgbClr>
+                  </a:solidFill>
+                  <a:latin typeface="Arial"/>
+                  <a:cs typeface="Arial"/>
+                </a:rPr>
+                <a:t>31.3%</a:t>
+              </a:r>
+            </a:p>
+          </p:txBody>
+        </p:sp>
+        <p:sp>
+          <p:nvSpPr>
+            <p:cNvPr id="58" name="tx58"/>
+            <p:cNvSpPr/>
+            <p:nvPr/>
+          </p:nvSpPr>
+          <p:spPr>
+            <a:xfrm>
+              <a:off x="3596193" y="3350401"/>
+              <a:ext cx="409835" cy="109040"/>
+            </a:xfrm>
+            <a:prstGeom prst="rect">
+              <a:avLst/>
+            </a:prstGeom>
+            <a:noFill/>
+          </p:spPr>
+          <p:txBody>
+            <a:bodyPr lIns="0" rIns="0" tIns="0" bIns="0" anchorCtr="1" anchor="ctr" wrap="none"/>
+            <a:lstStyle/>
+            <a:p>
+              <a:pPr algn="l" marL="0" marR="0" indent="0">
+                <a:lnSpc>
+                  <a:spcPts val="1138"/>
+                </a:lnSpc>
+                <a:spcBef>
+                  <a:spcPts val="0"/>
+                </a:spcBef>
+                <a:spcAft>
+                  <a:spcPts val="0"/>
+                </a:spcAft>
+              </a:pPr>
+              <a:r>
+                <a:rPr sz="1138">
+                  <a:solidFill>
+                    <a:srgbClr val="FFFFFF">
+                      <a:alpha val="100000"/>
+                    </a:srgbClr>
+                  </a:solidFill>
+                  <a:latin typeface="Arial"/>
+                  <a:cs typeface="Arial"/>
+                </a:rPr>
+                <a:t>36.2%</a:t>
+              </a:r>
+            </a:p>
+          </p:txBody>
+        </p:sp>
+        <p:sp>
+          <p:nvSpPr>
+            <p:cNvPr id="59" name="tx59"/>
+            <p:cNvSpPr/>
+            <p:nvPr/>
+          </p:nvSpPr>
+          <p:spPr>
+            <a:xfrm>
+              <a:off x="4463936" y="2829527"/>
+              <a:ext cx="329449" cy="109040"/>
+            </a:xfrm>
+            <a:prstGeom prst="rect">
+              <a:avLst/>
+            </a:prstGeom>
+            <a:noFill/>
+          </p:spPr>
+          <p:txBody>
+            <a:bodyPr lIns="0" rIns="0" tIns="0" bIns="0" anchorCtr="1" anchor="ctr" wrap="none"/>
+            <a:lstStyle/>
+            <a:p>
+              <a:pPr algn="l" marL="0" marR="0" indent="0">
+                <a:lnSpc>
+                  <a:spcPts val="1138"/>
+                </a:lnSpc>
+                <a:spcBef>
+                  <a:spcPts val="0"/>
+                </a:spcBef>
+                <a:spcAft>
+                  <a:spcPts val="0"/>
+                </a:spcAft>
+              </a:pPr>
+              <a:r>
+                <a:rPr sz="1138">
+                  <a:solidFill>
+                    <a:srgbClr val="FFFFFF">
+                      <a:alpha val="100000"/>
+                    </a:srgbClr>
+                  </a:solidFill>
+                  <a:latin typeface="Arial"/>
+                  <a:cs typeface="Arial"/>
+                </a:rPr>
+                <a:t>0.1%</a:t>
+              </a:r>
+            </a:p>
+          </p:txBody>
+        </p:sp>
+        <p:sp>
+          <p:nvSpPr>
+            <p:cNvPr id="60" name="tx60"/>
+            <p:cNvSpPr/>
+            <p:nvPr/>
+          </p:nvSpPr>
+          <p:spPr>
+            <a:xfrm>
+              <a:off x="4757465" y="2895056"/>
+              <a:ext cx="409835" cy="109040"/>
+            </a:xfrm>
+            <a:prstGeom prst="rect">
+              <a:avLst/>
+            </a:prstGeom>
+            <a:noFill/>
+          </p:spPr>
+          <p:txBody>
+            <a:bodyPr lIns="0" rIns="0" tIns="0" bIns="0" anchorCtr="1" anchor="ctr" wrap="none"/>
+            <a:lstStyle/>
+            <a:p>
+              <a:pPr algn="l" marL="0" marR="0" indent="0">
+                <a:lnSpc>
+                  <a:spcPts val="1138"/>
+                </a:lnSpc>
+                <a:spcBef>
+                  <a:spcPts val="0"/>
+                </a:spcBef>
+                <a:spcAft>
+                  <a:spcPts val="0"/>
+                </a:spcAft>
+              </a:pPr>
+              <a:r>
+                <a:rPr sz="1138">
+                  <a:solidFill>
+                    <a:srgbClr val="FFFFFF">
+                      <a:alpha val="100000"/>
+                    </a:srgbClr>
+                  </a:solidFill>
+                  <a:latin typeface="Arial"/>
+                  <a:cs typeface="Arial"/>
+                </a:rPr>
+                <a:t>11.9%</a:t>
+              </a:r>
+            </a:p>
+          </p:txBody>
+        </p:sp>
+        <p:sp>
+          <p:nvSpPr>
+            <p:cNvPr id="61" name="tx61"/>
+            <p:cNvSpPr/>
+            <p:nvPr/>
+          </p:nvSpPr>
+          <p:spPr>
+            <a:xfrm>
+              <a:off x="5310559" y="3580328"/>
+              <a:ext cx="409835" cy="109040"/>
+            </a:xfrm>
+            <a:prstGeom prst="rect">
+              <a:avLst/>
+            </a:prstGeom>
+            <a:noFill/>
+          </p:spPr>
+          <p:txBody>
+            <a:bodyPr lIns="0" rIns="0" tIns="0" bIns="0" anchorCtr="1" anchor="ctr" wrap="none"/>
+            <a:lstStyle/>
+            <a:p>
+              <a:pPr algn="l" marL="0" marR="0" indent="0">
+                <a:lnSpc>
+                  <a:spcPts val="1138"/>
+                </a:lnSpc>
+                <a:spcBef>
+                  <a:spcPts val="0"/>
+                </a:spcBef>
+                <a:spcAft>
+                  <a:spcPts val="0"/>
+                </a:spcAft>
+              </a:pPr>
+              <a:r>
+                <a:rPr sz="1138">
+                  <a:solidFill>
+                    <a:srgbClr val="FFFFFF">
+                      <a:alpha val="100000"/>
+                    </a:srgbClr>
+                  </a:solidFill>
+                  <a:latin typeface="Arial"/>
+                  <a:cs typeface="Arial"/>
+                </a:rPr>
+                <a:t>20.5%</a:t>
+              </a:r>
+            </a:p>
+          </p:txBody>
+        </p:sp>
+        <p:sp>
+          <p:nvSpPr>
+            <p:cNvPr id="62" name="tx62"/>
+            <p:cNvSpPr/>
+            <p:nvPr/>
+          </p:nvSpPr>
+          <p:spPr>
+            <a:xfrm>
+              <a:off x="4522182" y="4631985"/>
+              <a:ext cx="409835" cy="109040"/>
+            </a:xfrm>
+            <a:prstGeom prst="rect">
+              <a:avLst/>
+            </a:prstGeom>
+            <a:noFill/>
+          </p:spPr>
+          <p:txBody>
+            <a:bodyPr lIns="0" rIns="0" tIns="0" bIns="0" anchorCtr="1" anchor="ctr" wrap="none"/>
+            <a:lstStyle/>
+            <a:p>
+              <a:pPr algn="l" marL="0" marR="0" indent="0">
+                <a:lnSpc>
+                  <a:spcPts val="1138"/>
+                </a:lnSpc>
+                <a:spcBef>
+                  <a:spcPts val="0"/>
+                </a:spcBef>
+                <a:spcAft>
+                  <a:spcPts val="0"/>
+                </a:spcAft>
+              </a:pPr>
+              <a:r>
+                <a:rPr sz="1138">
+                  <a:solidFill>
+                    <a:srgbClr val="FFFFFF">
+                      <a:alpha val="100000"/>
+                    </a:srgbClr>
+                  </a:solidFill>
+                  <a:latin typeface="Arial"/>
+                  <a:cs typeface="Arial"/>
+                </a:rPr>
+                <a:t>31.3%</a:t>
+              </a:r>
+            </a:p>
+          </p:txBody>
+        </p:sp>
+        <p:sp>
+          <p:nvSpPr>
+            <p:cNvPr id="63" name="tx63"/>
+            <p:cNvSpPr/>
+            <p:nvPr/>
+          </p:nvSpPr>
+          <p:spPr>
+            <a:xfrm>
+              <a:off x="3599550" y="3352644"/>
+              <a:ext cx="409835" cy="109040"/>
+            </a:xfrm>
+            <a:prstGeom prst="rect">
+              <a:avLst/>
+            </a:prstGeom>
+            <a:noFill/>
+          </p:spPr>
+          <p:txBody>
+            <a:bodyPr lIns="0" rIns="0" tIns="0" bIns="0" anchorCtr="1" anchor="ctr" wrap="none"/>
+            <a:lstStyle/>
+            <a:p>
+              <a:pPr algn="l" marL="0" marR="0" indent="0">
+                <a:lnSpc>
+                  <a:spcPts val="1138"/>
+                </a:lnSpc>
+                <a:spcBef>
+                  <a:spcPts val="0"/>
+                </a:spcBef>
+                <a:spcAft>
+                  <a:spcPts val="0"/>
+                </a:spcAft>
+              </a:pPr>
+              <a:r>
+                <a:rPr sz="1138">
+                  <a:solidFill>
+                    <a:srgbClr val="FFFFFF">
+                      <a:alpha val="100000"/>
+                    </a:srgbClr>
+                  </a:solidFill>
+                  <a:latin typeface="Arial"/>
+                  <a:cs typeface="Arial"/>
+                </a:rPr>
+                <a:t>36.2%</a:t>
+              </a:r>
+            </a:p>
+          </p:txBody>
+        </p:sp>
+        <p:sp>
+          <p:nvSpPr>
+            <p:cNvPr id="64" name="tx64"/>
+            <p:cNvSpPr/>
+            <p:nvPr/>
+          </p:nvSpPr>
+          <p:spPr>
+            <a:xfrm>
+              <a:off x="4467895" y="2830314"/>
+              <a:ext cx="329449" cy="109040"/>
+            </a:xfrm>
+            <a:prstGeom prst="rect">
+              <a:avLst/>
+            </a:prstGeom>
+            <a:noFill/>
+          </p:spPr>
+          <p:txBody>
+            <a:bodyPr lIns="0" rIns="0" tIns="0" bIns="0" anchorCtr="1" anchor="ctr" wrap="none"/>
+            <a:lstStyle/>
+            <a:p>
+              <a:pPr algn="l" marL="0" marR="0" indent="0">
+                <a:lnSpc>
+                  <a:spcPts val="1138"/>
+                </a:lnSpc>
+                <a:spcBef>
+                  <a:spcPts val="0"/>
+                </a:spcBef>
+                <a:spcAft>
+                  <a:spcPts val="0"/>
+                </a:spcAft>
+              </a:pPr>
+              <a:r>
+                <a:rPr sz="1138">
+                  <a:solidFill>
+                    <a:srgbClr val="FFFFFF">
+                      <a:alpha val="100000"/>
+                    </a:srgbClr>
+                  </a:solidFill>
+                  <a:latin typeface="Arial"/>
+                  <a:cs typeface="Arial"/>
+                </a:rPr>
+                <a:t>0.1%</a:t>
+              </a:r>
+            </a:p>
+          </p:txBody>
+        </p:sp>
+        <p:sp>
+          <p:nvSpPr>
+            <p:cNvPr id="65" name="tx65"/>
+            <p:cNvSpPr/>
+            <p:nvPr/>
+          </p:nvSpPr>
+          <p:spPr>
+            <a:xfrm>
+              <a:off x="4761425" y="2895844"/>
+              <a:ext cx="409835" cy="109040"/>
+            </a:xfrm>
+            <a:prstGeom prst="rect">
+              <a:avLst/>
+            </a:prstGeom>
+            <a:noFill/>
+          </p:spPr>
+          <p:txBody>
+            <a:bodyPr lIns="0" rIns="0" tIns="0" bIns="0" anchorCtr="1" anchor="ctr" wrap="none"/>
+            <a:lstStyle/>
+            <a:p>
+              <a:pPr algn="l" marL="0" marR="0" indent="0">
+                <a:lnSpc>
+                  <a:spcPts val="1138"/>
+                </a:lnSpc>
+                <a:spcBef>
+                  <a:spcPts val="0"/>
+                </a:spcBef>
+                <a:spcAft>
+                  <a:spcPts val="0"/>
+                </a:spcAft>
+              </a:pPr>
+              <a:r>
+                <a:rPr sz="1138">
+                  <a:solidFill>
+                    <a:srgbClr val="FFFFFF">
+                      <a:alpha val="100000"/>
+                    </a:srgbClr>
+                  </a:solidFill>
+                  <a:latin typeface="Arial"/>
+                  <a:cs typeface="Arial"/>
+                </a:rPr>
+                <a:t>11.9%</a:t>
+              </a:r>
+            </a:p>
+          </p:txBody>
+        </p:sp>
+        <p:sp>
+          <p:nvSpPr>
+            <p:cNvPr id="66" name="tx66"/>
+            <p:cNvSpPr/>
+            <p:nvPr/>
+          </p:nvSpPr>
+          <p:spPr>
+            <a:xfrm>
+              <a:off x="5314519" y="3581116"/>
+              <a:ext cx="409835" cy="109040"/>
+            </a:xfrm>
+            <a:prstGeom prst="rect">
+              <a:avLst/>
+            </a:prstGeom>
+            <a:noFill/>
+          </p:spPr>
+          <p:txBody>
+            <a:bodyPr lIns="0" rIns="0" tIns="0" bIns="0" anchorCtr="1" anchor="ctr" wrap="none"/>
+            <a:lstStyle/>
+            <a:p>
+              <a:pPr algn="l" marL="0" marR="0" indent="0">
+                <a:lnSpc>
+                  <a:spcPts val="1138"/>
+                </a:lnSpc>
+                <a:spcBef>
+                  <a:spcPts val="0"/>
+                </a:spcBef>
+                <a:spcAft>
+                  <a:spcPts val="0"/>
+                </a:spcAft>
+              </a:pPr>
+              <a:r>
+                <a:rPr sz="1138">
+                  <a:solidFill>
+                    <a:srgbClr val="FFFFFF">
+                      <a:alpha val="100000"/>
+                    </a:srgbClr>
+                  </a:solidFill>
+                  <a:latin typeface="Arial"/>
+                  <a:cs typeface="Arial"/>
+                </a:rPr>
+                <a:t>20.5%</a:t>
+              </a:r>
+            </a:p>
+          </p:txBody>
+        </p:sp>
+        <p:sp>
+          <p:nvSpPr>
+            <p:cNvPr id="67" name="tx67"/>
+            <p:cNvSpPr/>
+            <p:nvPr/>
+          </p:nvSpPr>
+          <p:spPr>
+            <a:xfrm>
+              <a:off x="4526142" y="4632772"/>
+              <a:ext cx="409835" cy="109040"/>
+            </a:xfrm>
+            <a:prstGeom prst="rect">
+              <a:avLst/>
+            </a:prstGeom>
+            <a:noFill/>
+          </p:spPr>
+          <p:txBody>
+            <a:bodyPr lIns="0" rIns="0" tIns="0" bIns="0" anchorCtr="1" anchor="ctr" wrap="none"/>
+            <a:lstStyle/>
+            <a:p>
+              <a:pPr algn="l" marL="0" marR="0" indent="0">
+                <a:lnSpc>
+                  <a:spcPts val="1138"/>
+                </a:lnSpc>
+                <a:spcBef>
+                  <a:spcPts val="0"/>
+                </a:spcBef>
+                <a:spcAft>
+                  <a:spcPts val="0"/>
+                </a:spcAft>
+              </a:pPr>
+              <a:r>
+                <a:rPr sz="1138">
+                  <a:solidFill>
+                    <a:srgbClr val="FFFFFF">
+                      <a:alpha val="100000"/>
+                    </a:srgbClr>
+                  </a:solidFill>
+                  <a:latin typeface="Arial"/>
+                  <a:cs typeface="Arial"/>
+                </a:rPr>
+                <a:t>31.3%</a:t>
+              </a:r>
+            </a:p>
+          </p:txBody>
+        </p:sp>
+        <p:sp>
+          <p:nvSpPr>
+            <p:cNvPr id="68" name="tx68"/>
+            <p:cNvSpPr/>
+            <p:nvPr/>
+          </p:nvSpPr>
+          <p:spPr>
+            <a:xfrm>
+              <a:off x="3603509" y="3353431"/>
+              <a:ext cx="409835" cy="109040"/>
+            </a:xfrm>
+            <a:prstGeom prst="rect">
+              <a:avLst/>
+            </a:prstGeom>
+            <a:noFill/>
+          </p:spPr>
+          <p:txBody>
+            <a:bodyPr lIns="0" rIns="0" tIns="0" bIns="0" anchorCtr="1" anchor="ctr" wrap="none"/>
+            <a:lstStyle/>
+            <a:p>
+              <a:pPr algn="l" marL="0" marR="0" indent="0">
+                <a:lnSpc>
+                  <a:spcPts val="1138"/>
+                </a:lnSpc>
+                <a:spcBef>
+                  <a:spcPts val="0"/>
+                </a:spcBef>
+                <a:spcAft>
+                  <a:spcPts val="0"/>
+                </a:spcAft>
+              </a:pPr>
+              <a:r>
+                <a:rPr sz="1138">
+                  <a:solidFill>
+                    <a:srgbClr val="FFFFFF">
+                      <a:alpha val="100000"/>
+                    </a:srgbClr>
+                  </a:solidFill>
+                  <a:latin typeface="Arial"/>
+                  <a:cs typeface="Arial"/>
+                </a:rPr>
+                <a:t>36.2%</a:t>
+              </a:r>
+            </a:p>
+          </p:txBody>
+        </p:sp>
+        <p:sp>
+          <p:nvSpPr>
+            <p:cNvPr id="69" name="tx69"/>
+            <p:cNvSpPr/>
+            <p:nvPr/>
+          </p:nvSpPr>
+          <p:spPr>
+            <a:xfrm>
+              <a:off x="4471855" y="2829527"/>
+              <a:ext cx="329449" cy="109040"/>
+            </a:xfrm>
+            <a:prstGeom prst="rect">
+              <a:avLst/>
+            </a:prstGeom>
+            <a:noFill/>
+          </p:spPr>
+          <p:txBody>
+            <a:bodyPr lIns="0" rIns="0" tIns="0" bIns="0" anchorCtr="1" anchor="ctr" wrap="none"/>
+            <a:lstStyle/>
+            <a:p>
+              <a:pPr algn="l" marL="0" marR="0" indent="0">
+                <a:lnSpc>
+                  <a:spcPts val="1138"/>
+                </a:lnSpc>
+                <a:spcBef>
+                  <a:spcPts val="0"/>
+                </a:spcBef>
+                <a:spcAft>
+                  <a:spcPts val="0"/>
+                </a:spcAft>
+              </a:pPr>
+              <a:r>
+                <a:rPr sz="1138">
+                  <a:solidFill>
+                    <a:srgbClr val="FFFFFF">
+                      <a:alpha val="100000"/>
+                    </a:srgbClr>
+                  </a:solidFill>
+                  <a:latin typeface="Arial"/>
+                  <a:cs typeface="Arial"/>
+                </a:rPr>
+                <a:t>0.1%</a:t>
+              </a:r>
+            </a:p>
+          </p:txBody>
+        </p:sp>
+        <p:sp>
+          <p:nvSpPr>
+            <p:cNvPr id="70" name="tx70"/>
+            <p:cNvSpPr/>
+            <p:nvPr/>
+          </p:nvSpPr>
+          <p:spPr>
+            <a:xfrm>
+              <a:off x="4765384" y="2895056"/>
+              <a:ext cx="409835" cy="109040"/>
+            </a:xfrm>
+            <a:prstGeom prst="rect">
+              <a:avLst/>
+            </a:prstGeom>
+            <a:noFill/>
+          </p:spPr>
+          <p:txBody>
+            <a:bodyPr lIns="0" rIns="0" tIns="0" bIns="0" anchorCtr="1" anchor="ctr" wrap="none"/>
+            <a:lstStyle/>
+            <a:p>
+              <a:pPr algn="l" marL="0" marR="0" indent="0">
+                <a:lnSpc>
+                  <a:spcPts val="1138"/>
+                </a:lnSpc>
+                <a:spcBef>
+                  <a:spcPts val="0"/>
+                </a:spcBef>
+                <a:spcAft>
+                  <a:spcPts val="0"/>
+                </a:spcAft>
+              </a:pPr>
+              <a:r>
+                <a:rPr sz="1138">
+                  <a:solidFill>
+                    <a:srgbClr val="FFFFFF">
+                      <a:alpha val="100000"/>
+                    </a:srgbClr>
+                  </a:solidFill>
+                  <a:latin typeface="Arial"/>
+                  <a:cs typeface="Arial"/>
+                </a:rPr>
+                <a:t>11.9%</a:t>
+              </a:r>
+            </a:p>
+          </p:txBody>
+        </p:sp>
+        <p:sp>
+          <p:nvSpPr>
+            <p:cNvPr id="71" name="tx71"/>
+            <p:cNvSpPr/>
+            <p:nvPr/>
+          </p:nvSpPr>
+          <p:spPr>
+            <a:xfrm>
+              <a:off x="5318478" y="3580328"/>
+              <a:ext cx="409835" cy="109040"/>
+            </a:xfrm>
+            <a:prstGeom prst="rect">
+              <a:avLst/>
+            </a:prstGeom>
+            <a:noFill/>
+          </p:spPr>
+          <p:txBody>
+            <a:bodyPr lIns="0" rIns="0" tIns="0" bIns="0" anchorCtr="1" anchor="ctr" wrap="none"/>
+            <a:lstStyle/>
+            <a:p>
+              <a:pPr algn="l" marL="0" marR="0" indent="0">
+                <a:lnSpc>
+                  <a:spcPts val="1138"/>
+                </a:lnSpc>
+                <a:spcBef>
+                  <a:spcPts val="0"/>
+                </a:spcBef>
+                <a:spcAft>
+                  <a:spcPts val="0"/>
+                </a:spcAft>
+              </a:pPr>
+              <a:r>
+                <a:rPr sz="1138">
+                  <a:solidFill>
+                    <a:srgbClr val="FFFFFF">
+                      <a:alpha val="100000"/>
+                    </a:srgbClr>
+                  </a:solidFill>
+                  <a:latin typeface="Arial"/>
+                  <a:cs typeface="Arial"/>
+                </a:rPr>
+                <a:t>20.5%</a:t>
+              </a:r>
+            </a:p>
+          </p:txBody>
+        </p:sp>
+        <p:sp>
+          <p:nvSpPr>
+            <p:cNvPr id="72" name="tx72"/>
+            <p:cNvSpPr/>
+            <p:nvPr/>
+          </p:nvSpPr>
+          <p:spPr>
+            <a:xfrm>
+              <a:off x="4530101" y="4631985"/>
+              <a:ext cx="409835" cy="109040"/>
+            </a:xfrm>
+            <a:prstGeom prst="rect">
+              <a:avLst/>
+            </a:prstGeom>
+            <a:noFill/>
+          </p:spPr>
+          <p:txBody>
+            <a:bodyPr lIns="0" rIns="0" tIns="0" bIns="0" anchorCtr="1" anchor="ctr" wrap="none"/>
+            <a:lstStyle/>
+            <a:p>
+              <a:pPr algn="l" marL="0" marR="0" indent="0">
+                <a:lnSpc>
+                  <a:spcPts val="1138"/>
+                </a:lnSpc>
+                <a:spcBef>
+                  <a:spcPts val="0"/>
+                </a:spcBef>
+                <a:spcAft>
+                  <a:spcPts val="0"/>
+                </a:spcAft>
+              </a:pPr>
+              <a:r>
+                <a:rPr sz="1138">
+                  <a:solidFill>
+                    <a:srgbClr val="FFFFFF">
+                      <a:alpha val="100000"/>
+                    </a:srgbClr>
+                  </a:solidFill>
+                  <a:latin typeface="Arial"/>
+                  <a:cs typeface="Arial"/>
+                </a:rPr>
+                <a:t>31.3%</a:t>
+              </a:r>
+            </a:p>
+          </p:txBody>
+        </p:sp>
+        <p:sp>
+          <p:nvSpPr>
+            <p:cNvPr id="73" name="tx73"/>
+            <p:cNvSpPr/>
+            <p:nvPr/>
+          </p:nvSpPr>
+          <p:spPr>
+            <a:xfrm>
+              <a:off x="3607468" y="3352644"/>
+              <a:ext cx="409835" cy="109040"/>
+            </a:xfrm>
+            <a:prstGeom prst="rect">
+              <a:avLst/>
+            </a:prstGeom>
+            <a:noFill/>
+          </p:spPr>
+          <p:txBody>
+            <a:bodyPr lIns="0" rIns="0" tIns="0" bIns="0" anchorCtr="1" anchor="ctr" wrap="none"/>
+            <a:lstStyle/>
+            <a:p>
+              <a:pPr algn="l" marL="0" marR="0" indent="0">
+                <a:lnSpc>
+                  <a:spcPts val="1138"/>
+                </a:lnSpc>
+                <a:spcBef>
+                  <a:spcPts val="0"/>
+                </a:spcBef>
+                <a:spcAft>
+                  <a:spcPts val="0"/>
+                </a:spcAft>
+              </a:pPr>
+              <a:r>
+                <a:rPr sz="1138">
+                  <a:solidFill>
+                    <a:srgbClr val="FFFFFF">
+                      <a:alpha val="100000"/>
+                    </a:srgbClr>
+                  </a:solidFill>
+                  <a:latin typeface="Arial"/>
+                  <a:cs typeface="Arial"/>
+                </a:rPr>
+                <a:t>36.2%</a:t>
+              </a:r>
+            </a:p>
+          </p:txBody>
+        </p:sp>
+        <p:sp>
+          <p:nvSpPr>
+            <p:cNvPr id="74" name="tx74"/>
+            <p:cNvSpPr/>
+            <p:nvPr/>
+          </p:nvSpPr>
+          <p:spPr>
+            <a:xfrm>
+              <a:off x="4475211" y="2827284"/>
+              <a:ext cx="329449" cy="109040"/>
+            </a:xfrm>
+            <a:prstGeom prst="rect">
+              <a:avLst/>
+            </a:prstGeom>
+            <a:noFill/>
+          </p:spPr>
+          <p:txBody>
+            <a:bodyPr lIns="0" rIns="0" tIns="0" bIns="0" anchorCtr="1" anchor="ctr" wrap="none"/>
+            <a:lstStyle/>
+            <a:p>
+              <a:pPr algn="l" marL="0" marR="0" indent="0">
+                <a:lnSpc>
+                  <a:spcPts val="1138"/>
+                </a:lnSpc>
+                <a:spcBef>
+                  <a:spcPts val="0"/>
+                </a:spcBef>
+                <a:spcAft>
+                  <a:spcPts val="0"/>
+                </a:spcAft>
+              </a:pPr>
+              <a:r>
+                <a:rPr sz="1138">
+                  <a:solidFill>
+                    <a:srgbClr val="FFFFFF">
+                      <a:alpha val="100000"/>
+                    </a:srgbClr>
+                  </a:solidFill>
+                  <a:latin typeface="Arial"/>
+                  <a:cs typeface="Arial"/>
+                </a:rPr>
+                <a:t>0.1%</a:t>
+              </a:r>
+            </a:p>
+          </p:txBody>
+        </p:sp>
+        <p:sp>
+          <p:nvSpPr>
+            <p:cNvPr id="75" name="tx75"/>
+            <p:cNvSpPr/>
+            <p:nvPr/>
+          </p:nvSpPr>
+          <p:spPr>
+            <a:xfrm>
+              <a:off x="4768741" y="2892814"/>
+              <a:ext cx="409835" cy="109040"/>
+            </a:xfrm>
+            <a:prstGeom prst="rect">
+              <a:avLst/>
+            </a:prstGeom>
+            <a:noFill/>
+          </p:spPr>
+          <p:txBody>
+            <a:bodyPr lIns="0" rIns="0" tIns="0" bIns="0" anchorCtr="1" anchor="ctr" wrap="none"/>
+            <a:lstStyle/>
+            <a:p>
+              <a:pPr algn="l" marL="0" marR="0" indent="0">
+                <a:lnSpc>
+                  <a:spcPts val="1138"/>
+                </a:lnSpc>
+                <a:spcBef>
+                  <a:spcPts val="0"/>
+                </a:spcBef>
+                <a:spcAft>
+                  <a:spcPts val="0"/>
+                </a:spcAft>
+              </a:pPr>
+              <a:r>
+                <a:rPr sz="1138">
+                  <a:solidFill>
+                    <a:srgbClr val="FFFFFF">
+                      <a:alpha val="100000"/>
+                    </a:srgbClr>
+                  </a:solidFill>
+                  <a:latin typeface="Arial"/>
+                  <a:cs typeface="Arial"/>
+                </a:rPr>
+                <a:t>11.9%</a:t>
+              </a:r>
+            </a:p>
+          </p:txBody>
+        </p:sp>
+        <p:sp>
+          <p:nvSpPr>
+            <p:cNvPr id="76" name="tx76"/>
+            <p:cNvSpPr/>
+            <p:nvPr/>
+          </p:nvSpPr>
+          <p:spPr>
+            <a:xfrm>
+              <a:off x="5321835" y="3578085"/>
+              <a:ext cx="409835" cy="109040"/>
+            </a:xfrm>
+            <a:prstGeom prst="rect">
+              <a:avLst/>
+            </a:prstGeom>
+            <a:noFill/>
+          </p:spPr>
+          <p:txBody>
+            <a:bodyPr lIns="0" rIns="0" tIns="0" bIns="0" anchorCtr="1" anchor="ctr" wrap="none"/>
+            <a:lstStyle/>
+            <a:p>
+              <a:pPr algn="l" marL="0" marR="0" indent="0">
+                <a:lnSpc>
+                  <a:spcPts val="1138"/>
+                </a:lnSpc>
+                <a:spcBef>
+                  <a:spcPts val="0"/>
+                </a:spcBef>
+                <a:spcAft>
+                  <a:spcPts val="0"/>
+                </a:spcAft>
+              </a:pPr>
+              <a:r>
+                <a:rPr sz="1138">
+                  <a:solidFill>
+                    <a:srgbClr val="FFFFFF">
+                      <a:alpha val="100000"/>
+                    </a:srgbClr>
+                  </a:solidFill>
+                  <a:latin typeface="Arial"/>
+                  <a:cs typeface="Arial"/>
+                </a:rPr>
+                <a:t>20.5%</a:t>
+              </a:r>
+            </a:p>
+          </p:txBody>
+        </p:sp>
+        <p:sp>
+          <p:nvSpPr>
+            <p:cNvPr id="77" name="tx77"/>
+            <p:cNvSpPr/>
+            <p:nvPr/>
+          </p:nvSpPr>
+          <p:spPr>
+            <a:xfrm>
+              <a:off x="4533458" y="4629742"/>
+              <a:ext cx="409835" cy="109040"/>
+            </a:xfrm>
+            <a:prstGeom prst="rect">
+              <a:avLst/>
+            </a:prstGeom>
+            <a:noFill/>
+          </p:spPr>
+          <p:txBody>
+            <a:bodyPr lIns="0" rIns="0" tIns="0" bIns="0" anchorCtr="1" anchor="ctr" wrap="none"/>
+            <a:lstStyle/>
+            <a:p>
+              <a:pPr algn="l" marL="0" marR="0" indent="0">
+                <a:lnSpc>
+                  <a:spcPts val="1138"/>
+                </a:lnSpc>
+                <a:spcBef>
+                  <a:spcPts val="0"/>
+                </a:spcBef>
+                <a:spcAft>
+                  <a:spcPts val="0"/>
+                </a:spcAft>
+              </a:pPr>
+              <a:r>
+                <a:rPr sz="1138">
+                  <a:solidFill>
+                    <a:srgbClr val="FFFFFF">
+                      <a:alpha val="100000"/>
+                    </a:srgbClr>
+                  </a:solidFill>
+                  <a:latin typeface="Arial"/>
+                  <a:cs typeface="Arial"/>
+                </a:rPr>
+                <a:t>31.3%</a:t>
+              </a:r>
+            </a:p>
+          </p:txBody>
+        </p:sp>
+        <p:sp>
+          <p:nvSpPr>
+            <p:cNvPr id="78" name="tx78"/>
+            <p:cNvSpPr/>
+            <p:nvPr/>
+          </p:nvSpPr>
+          <p:spPr>
+            <a:xfrm>
+              <a:off x="3610825" y="3350401"/>
+              <a:ext cx="409835" cy="109040"/>
+            </a:xfrm>
+            <a:prstGeom prst="rect">
+              <a:avLst/>
+            </a:prstGeom>
+            <a:noFill/>
+          </p:spPr>
+          <p:txBody>
+            <a:bodyPr lIns="0" rIns="0" tIns="0" bIns="0" anchorCtr="1" anchor="ctr" wrap="none"/>
+            <a:lstStyle/>
+            <a:p>
+              <a:pPr algn="l" marL="0" marR="0" indent="0">
+                <a:lnSpc>
+                  <a:spcPts val="1138"/>
+                </a:lnSpc>
+                <a:spcBef>
+                  <a:spcPts val="0"/>
+                </a:spcBef>
+                <a:spcAft>
+                  <a:spcPts val="0"/>
+                </a:spcAft>
+              </a:pPr>
+              <a:r>
+                <a:rPr sz="1138">
+                  <a:solidFill>
+                    <a:srgbClr val="FFFFFF">
+                      <a:alpha val="100000"/>
+                    </a:srgbClr>
+                  </a:solidFill>
+                  <a:latin typeface="Arial"/>
+                  <a:cs typeface="Arial"/>
+                </a:rPr>
+                <a:t>36.2%</a:t>
+              </a:r>
+            </a:p>
+          </p:txBody>
+        </p:sp>
+        <p:sp>
+          <p:nvSpPr>
+            <p:cNvPr id="79" name="tx79"/>
+            <p:cNvSpPr/>
+            <p:nvPr/>
+          </p:nvSpPr>
+          <p:spPr>
+            <a:xfrm>
+              <a:off x="4477454" y="2823927"/>
+              <a:ext cx="329449" cy="109040"/>
+            </a:xfrm>
+            <a:prstGeom prst="rect">
+              <a:avLst/>
+            </a:prstGeom>
+            <a:noFill/>
+          </p:spPr>
+          <p:txBody>
+            <a:bodyPr lIns="0" rIns="0" tIns="0" bIns="0" anchorCtr="1" anchor="ctr" wrap="none"/>
+            <a:lstStyle/>
+            <a:p>
+              <a:pPr algn="l" marL="0" marR="0" indent="0">
+                <a:lnSpc>
+                  <a:spcPts val="1138"/>
+                </a:lnSpc>
+                <a:spcBef>
+                  <a:spcPts val="0"/>
+                </a:spcBef>
+                <a:spcAft>
+                  <a:spcPts val="0"/>
+                </a:spcAft>
+              </a:pPr>
+              <a:r>
+                <a:rPr sz="1138">
+                  <a:solidFill>
+                    <a:srgbClr val="FFFFFF">
+                      <a:alpha val="100000"/>
+                    </a:srgbClr>
+                  </a:solidFill>
+                  <a:latin typeface="Arial"/>
+                  <a:cs typeface="Arial"/>
+                </a:rPr>
+                <a:t>0.1%</a:t>
+              </a:r>
+            </a:p>
+          </p:txBody>
+        </p:sp>
+        <p:sp>
+          <p:nvSpPr>
+            <p:cNvPr id="80" name="tx80"/>
+            <p:cNvSpPr/>
+            <p:nvPr/>
+          </p:nvSpPr>
+          <p:spPr>
+            <a:xfrm>
+              <a:off x="4770984" y="2889457"/>
+              <a:ext cx="409835" cy="109040"/>
+            </a:xfrm>
+            <a:prstGeom prst="rect">
+              <a:avLst/>
+            </a:prstGeom>
+            <a:noFill/>
+          </p:spPr>
+          <p:txBody>
+            <a:bodyPr lIns="0" rIns="0" tIns="0" bIns="0" anchorCtr="1" anchor="ctr" wrap="none"/>
+            <a:lstStyle/>
+            <a:p>
+              <a:pPr algn="l" marL="0" marR="0" indent="0">
+                <a:lnSpc>
+                  <a:spcPts val="1138"/>
+                </a:lnSpc>
+                <a:spcBef>
+                  <a:spcPts val="0"/>
+                </a:spcBef>
+                <a:spcAft>
+                  <a:spcPts val="0"/>
+                </a:spcAft>
+              </a:pPr>
+              <a:r>
+                <a:rPr sz="1138">
+                  <a:solidFill>
+                    <a:srgbClr val="FFFFFF">
+                      <a:alpha val="100000"/>
+                    </a:srgbClr>
+                  </a:solidFill>
+                  <a:latin typeface="Arial"/>
+                  <a:cs typeface="Arial"/>
+                </a:rPr>
+                <a:t>11.9%</a:t>
+              </a:r>
+            </a:p>
+          </p:txBody>
+        </p:sp>
+        <p:sp>
+          <p:nvSpPr>
+            <p:cNvPr id="81" name="tx81"/>
+            <p:cNvSpPr/>
+            <p:nvPr/>
+          </p:nvSpPr>
+          <p:spPr>
+            <a:xfrm>
+              <a:off x="5324077" y="3574729"/>
+              <a:ext cx="409835" cy="109040"/>
+            </a:xfrm>
+            <a:prstGeom prst="rect">
+              <a:avLst/>
+            </a:prstGeom>
+            <a:noFill/>
+          </p:spPr>
+          <p:txBody>
+            <a:bodyPr lIns="0" rIns="0" tIns="0" bIns="0" anchorCtr="1" anchor="ctr" wrap="none"/>
+            <a:lstStyle/>
+            <a:p>
+              <a:pPr algn="l" marL="0" marR="0" indent="0">
+                <a:lnSpc>
+                  <a:spcPts val="1138"/>
+                </a:lnSpc>
+                <a:spcBef>
+                  <a:spcPts val="0"/>
+                </a:spcBef>
+                <a:spcAft>
+                  <a:spcPts val="0"/>
+                </a:spcAft>
+              </a:pPr>
+              <a:r>
+                <a:rPr sz="1138">
+                  <a:solidFill>
+                    <a:srgbClr val="FFFFFF">
+                      <a:alpha val="100000"/>
+                    </a:srgbClr>
+                  </a:solidFill>
+                  <a:latin typeface="Arial"/>
+                  <a:cs typeface="Arial"/>
+                </a:rPr>
+                <a:t>20.5%</a:t>
+              </a:r>
+            </a:p>
+          </p:txBody>
+        </p:sp>
+        <p:sp>
+          <p:nvSpPr>
+            <p:cNvPr id="82" name="tx82"/>
+            <p:cNvSpPr/>
+            <p:nvPr/>
+          </p:nvSpPr>
+          <p:spPr>
+            <a:xfrm>
+              <a:off x="4535701" y="4626385"/>
+              <a:ext cx="409835" cy="109040"/>
+            </a:xfrm>
+            <a:prstGeom prst="rect">
+              <a:avLst/>
+            </a:prstGeom>
+            <a:noFill/>
+          </p:spPr>
+          <p:txBody>
+            <a:bodyPr lIns="0" rIns="0" tIns="0" bIns="0" anchorCtr="1" anchor="ctr" wrap="none"/>
+            <a:lstStyle/>
+            <a:p>
+              <a:pPr algn="l" marL="0" marR="0" indent="0">
+                <a:lnSpc>
+                  <a:spcPts val="1138"/>
+                </a:lnSpc>
+                <a:spcBef>
+                  <a:spcPts val="0"/>
+                </a:spcBef>
+                <a:spcAft>
+                  <a:spcPts val="0"/>
+                </a:spcAft>
+              </a:pPr>
+              <a:r>
+                <a:rPr sz="1138">
+                  <a:solidFill>
+                    <a:srgbClr val="FFFFFF">
+                      <a:alpha val="100000"/>
+                    </a:srgbClr>
+                  </a:solidFill>
+                  <a:latin typeface="Arial"/>
+                  <a:cs typeface="Arial"/>
+                </a:rPr>
+                <a:t>31.3%</a:t>
+              </a:r>
+            </a:p>
+          </p:txBody>
+        </p:sp>
+        <p:sp>
+          <p:nvSpPr>
+            <p:cNvPr id="83" name="tx83"/>
+            <p:cNvSpPr/>
+            <p:nvPr/>
+          </p:nvSpPr>
+          <p:spPr>
+            <a:xfrm>
+              <a:off x="3613068" y="3347044"/>
+              <a:ext cx="409835" cy="109040"/>
+            </a:xfrm>
+            <a:prstGeom prst="rect">
+              <a:avLst/>
+            </a:prstGeom>
+            <a:noFill/>
+          </p:spPr>
+          <p:txBody>
+            <a:bodyPr lIns="0" rIns="0" tIns="0" bIns="0" anchorCtr="1" anchor="ctr" wrap="none"/>
+            <a:lstStyle/>
+            <a:p>
+              <a:pPr algn="l" marL="0" marR="0" indent="0">
+                <a:lnSpc>
+                  <a:spcPts val="1138"/>
+                </a:lnSpc>
+                <a:spcBef>
+                  <a:spcPts val="0"/>
+                </a:spcBef>
+                <a:spcAft>
+                  <a:spcPts val="0"/>
+                </a:spcAft>
+              </a:pPr>
+              <a:r>
+                <a:rPr sz="1138">
+                  <a:solidFill>
+                    <a:srgbClr val="FFFFFF">
+                      <a:alpha val="100000"/>
+                    </a:srgbClr>
+                  </a:solidFill>
+                  <a:latin typeface="Arial"/>
+                  <a:cs typeface="Arial"/>
+                </a:rPr>
+                <a:t>36.2%</a:t>
+              </a:r>
+            </a:p>
+          </p:txBody>
+        </p:sp>
+        <p:sp>
+          <p:nvSpPr>
+            <p:cNvPr id="84" name="tx84"/>
+            <p:cNvSpPr/>
+            <p:nvPr/>
+          </p:nvSpPr>
+          <p:spPr>
+            <a:xfrm>
+              <a:off x="4478242" y="2819968"/>
+              <a:ext cx="329449" cy="109040"/>
+            </a:xfrm>
+            <a:prstGeom prst="rect">
+              <a:avLst/>
+            </a:prstGeom>
+            <a:noFill/>
+          </p:spPr>
+          <p:txBody>
+            <a:bodyPr lIns="0" rIns="0" tIns="0" bIns="0" anchorCtr="1" anchor="ctr" wrap="none"/>
+            <a:lstStyle/>
+            <a:p>
+              <a:pPr algn="l" marL="0" marR="0" indent="0">
+                <a:lnSpc>
+                  <a:spcPts val="1138"/>
+                </a:lnSpc>
+                <a:spcBef>
+                  <a:spcPts val="0"/>
+                </a:spcBef>
+                <a:spcAft>
+                  <a:spcPts val="0"/>
+                </a:spcAft>
+              </a:pPr>
+              <a:r>
+                <a:rPr sz="1138">
+                  <a:solidFill>
+                    <a:srgbClr val="FFFFFF">
+                      <a:alpha val="100000"/>
+                    </a:srgbClr>
+                  </a:solidFill>
+                  <a:latin typeface="Arial"/>
+                  <a:cs typeface="Arial"/>
+                </a:rPr>
+                <a:t>0.1%</a:t>
+              </a:r>
+            </a:p>
+          </p:txBody>
+        </p:sp>
+        <p:sp>
+          <p:nvSpPr>
+            <p:cNvPr id="85" name="tx85"/>
+            <p:cNvSpPr/>
+            <p:nvPr/>
+          </p:nvSpPr>
+          <p:spPr>
+            <a:xfrm>
+              <a:off x="4771771" y="2885498"/>
+              <a:ext cx="409835" cy="109040"/>
+            </a:xfrm>
+            <a:prstGeom prst="rect">
+              <a:avLst/>
+            </a:prstGeom>
+            <a:noFill/>
+          </p:spPr>
+          <p:txBody>
+            <a:bodyPr lIns="0" rIns="0" tIns="0" bIns="0" anchorCtr="1" anchor="ctr" wrap="none"/>
+            <a:lstStyle/>
+            <a:p>
+              <a:pPr algn="l" marL="0" marR="0" indent="0">
+                <a:lnSpc>
+                  <a:spcPts val="1138"/>
+                </a:lnSpc>
+                <a:spcBef>
+                  <a:spcPts val="0"/>
+                </a:spcBef>
+                <a:spcAft>
+                  <a:spcPts val="0"/>
+                </a:spcAft>
+              </a:pPr>
+              <a:r>
+                <a:rPr sz="1138">
+                  <a:solidFill>
+                    <a:srgbClr val="FFFFFF">
+                      <a:alpha val="100000"/>
+                    </a:srgbClr>
+                  </a:solidFill>
+                  <a:latin typeface="Arial"/>
+                  <a:cs typeface="Arial"/>
+                </a:rPr>
+                <a:t>11.9%</a:t>
+              </a:r>
+            </a:p>
+          </p:txBody>
+        </p:sp>
+        <p:sp>
+          <p:nvSpPr>
+            <p:cNvPr id="86" name="tx86"/>
+            <p:cNvSpPr/>
+            <p:nvPr/>
+          </p:nvSpPr>
+          <p:spPr>
+            <a:xfrm>
+              <a:off x="5324865" y="3570769"/>
+              <a:ext cx="409835" cy="109040"/>
+            </a:xfrm>
+            <a:prstGeom prst="rect">
+              <a:avLst/>
+            </a:prstGeom>
+            <a:noFill/>
+          </p:spPr>
+          <p:txBody>
+            <a:bodyPr lIns="0" rIns="0" tIns="0" bIns="0" anchorCtr="1" anchor="ctr" wrap="none"/>
+            <a:lstStyle/>
+            <a:p>
+              <a:pPr algn="l" marL="0" marR="0" indent="0">
+                <a:lnSpc>
+                  <a:spcPts val="1138"/>
+                </a:lnSpc>
+                <a:spcBef>
+                  <a:spcPts val="0"/>
+                </a:spcBef>
+                <a:spcAft>
+                  <a:spcPts val="0"/>
+                </a:spcAft>
+              </a:pPr>
+              <a:r>
+                <a:rPr sz="1138">
+                  <a:solidFill>
+                    <a:srgbClr val="FFFFFF">
+                      <a:alpha val="100000"/>
+                    </a:srgbClr>
+                  </a:solidFill>
+                  <a:latin typeface="Arial"/>
+                  <a:cs typeface="Arial"/>
+                </a:rPr>
+                <a:t>20.5%</a:t>
+              </a:r>
+            </a:p>
+          </p:txBody>
+        </p:sp>
+        <p:sp>
+          <p:nvSpPr>
+            <p:cNvPr id="87" name="tx87"/>
+            <p:cNvSpPr/>
+            <p:nvPr/>
+          </p:nvSpPr>
+          <p:spPr>
+            <a:xfrm>
+              <a:off x="4536488" y="4622426"/>
+              <a:ext cx="409835" cy="109040"/>
+            </a:xfrm>
+            <a:prstGeom prst="rect">
+              <a:avLst/>
+            </a:prstGeom>
+            <a:noFill/>
+          </p:spPr>
+          <p:txBody>
+            <a:bodyPr lIns="0" rIns="0" tIns="0" bIns="0" anchorCtr="1" anchor="ctr" wrap="none"/>
+            <a:lstStyle/>
+            <a:p>
+              <a:pPr algn="l" marL="0" marR="0" indent="0">
+                <a:lnSpc>
+                  <a:spcPts val="1138"/>
+                </a:lnSpc>
+                <a:spcBef>
+                  <a:spcPts val="0"/>
+                </a:spcBef>
+                <a:spcAft>
+                  <a:spcPts val="0"/>
+                </a:spcAft>
+              </a:pPr>
+              <a:r>
+                <a:rPr sz="1138">
+                  <a:solidFill>
+                    <a:srgbClr val="FFFFFF">
+                      <a:alpha val="100000"/>
+                    </a:srgbClr>
+                  </a:solidFill>
+                  <a:latin typeface="Arial"/>
+                  <a:cs typeface="Arial"/>
+                </a:rPr>
+                <a:t>31.3%</a:t>
+              </a:r>
+            </a:p>
+          </p:txBody>
+        </p:sp>
+        <p:sp>
+          <p:nvSpPr>
+            <p:cNvPr id="88" name="tx88"/>
+            <p:cNvSpPr/>
+            <p:nvPr/>
+          </p:nvSpPr>
+          <p:spPr>
+            <a:xfrm>
+              <a:off x="3613855" y="3343085"/>
+              <a:ext cx="409835" cy="109040"/>
+            </a:xfrm>
+            <a:prstGeom prst="rect">
+              <a:avLst/>
+            </a:prstGeom>
+            <a:noFill/>
+          </p:spPr>
+          <p:txBody>
+            <a:bodyPr lIns="0" rIns="0" tIns="0" bIns="0" anchorCtr="1" anchor="ctr" wrap="none"/>
+            <a:lstStyle/>
+            <a:p>
+              <a:pPr algn="l" marL="0" marR="0" indent="0">
+                <a:lnSpc>
+                  <a:spcPts val="1138"/>
+                </a:lnSpc>
+                <a:spcBef>
+                  <a:spcPts val="0"/>
+                </a:spcBef>
+                <a:spcAft>
+                  <a:spcPts val="0"/>
+                </a:spcAft>
+              </a:pPr>
+              <a:r>
+                <a:rPr sz="1138">
+                  <a:solidFill>
+                    <a:srgbClr val="FFFFFF">
+                      <a:alpha val="100000"/>
+                    </a:srgbClr>
+                  </a:solidFill>
+                  <a:latin typeface="Arial"/>
+                  <a:cs typeface="Arial"/>
+                </a:rPr>
+                <a:t>36.2%</a:t>
+              </a:r>
+            </a:p>
+          </p:txBody>
+        </p:sp>
+        <p:sp>
+          <p:nvSpPr>
+            <p:cNvPr id="89" name="tx89"/>
+            <p:cNvSpPr/>
+            <p:nvPr/>
+          </p:nvSpPr>
+          <p:spPr>
+            <a:xfrm>
+              <a:off x="4467895" y="2819968"/>
+              <a:ext cx="329449" cy="109040"/>
+            </a:xfrm>
+            <a:prstGeom prst="rect">
+              <a:avLst/>
+            </a:prstGeom>
+            <a:noFill/>
+          </p:spPr>
+          <p:txBody>
+            <a:bodyPr lIns="0" rIns="0" tIns="0" bIns="0" anchorCtr="1" anchor="ctr" wrap="none"/>
+            <a:lstStyle/>
+            <a:p>
+              <a:pPr algn="l" marL="0" marR="0" indent="0">
+                <a:lnSpc>
+                  <a:spcPts val="1138"/>
+                </a:lnSpc>
+                <a:spcBef>
+                  <a:spcPts val="0"/>
+                </a:spcBef>
+                <a:spcAft>
+                  <a:spcPts val="0"/>
+                </a:spcAft>
+              </a:pPr>
+              <a:r>
+                <a:rPr sz="1138">
+                  <a:solidFill>
+                    <a:srgbClr val="E76BF3">
+                      <a:alpha val="100000"/>
+                    </a:srgbClr>
+                  </a:solidFill>
+                  <a:latin typeface="Arial"/>
+                  <a:cs typeface="Arial"/>
+                </a:rPr>
+                <a:t>0.1%</a:t>
+              </a:r>
+            </a:p>
+          </p:txBody>
+        </p:sp>
+        <p:sp>
+          <p:nvSpPr>
+            <p:cNvPr id="90" name="tx90"/>
+            <p:cNvSpPr/>
+            <p:nvPr/>
+          </p:nvSpPr>
+          <p:spPr>
+            <a:xfrm>
+              <a:off x="4761425" y="2885498"/>
+              <a:ext cx="409835" cy="109040"/>
+            </a:xfrm>
+            <a:prstGeom prst="rect">
+              <a:avLst/>
+            </a:prstGeom>
+            <a:noFill/>
+          </p:spPr>
+          <p:txBody>
+            <a:bodyPr lIns="0" rIns="0" tIns="0" bIns="0" anchorCtr="1" anchor="ctr" wrap="none"/>
+            <a:lstStyle/>
+            <a:p>
+              <a:pPr algn="l" marL="0" marR="0" indent="0">
+                <a:lnSpc>
+                  <a:spcPts val="1138"/>
+                </a:lnSpc>
+                <a:spcBef>
+                  <a:spcPts val="0"/>
+                </a:spcBef>
+                <a:spcAft>
+                  <a:spcPts val="0"/>
+                </a:spcAft>
+              </a:pPr>
+              <a:r>
+                <a:rPr sz="1138">
+                  <a:solidFill>
+                    <a:srgbClr val="00B0F6">
+                      <a:alpha val="100000"/>
+                    </a:srgbClr>
+                  </a:solidFill>
+                  <a:latin typeface="Arial"/>
+                  <a:cs typeface="Arial"/>
+                </a:rPr>
+                <a:t>11.9%</a:t>
+              </a:r>
+            </a:p>
+          </p:txBody>
+        </p:sp>
+        <p:sp>
+          <p:nvSpPr>
+            <p:cNvPr id="91" name="tx91"/>
+            <p:cNvSpPr/>
+            <p:nvPr/>
+          </p:nvSpPr>
+          <p:spPr>
+            <a:xfrm>
+              <a:off x="5314519" y="3570769"/>
+              <a:ext cx="409835" cy="109040"/>
+            </a:xfrm>
+            <a:prstGeom prst="rect">
+              <a:avLst/>
+            </a:prstGeom>
+            <a:noFill/>
+          </p:spPr>
+          <p:txBody>
+            <a:bodyPr lIns="0" rIns="0" tIns="0" bIns="0" anchorCtr="1" anchor="ctr" wrap="none"/>
+            <a:lstStyle/>
+            <a:p>
+              <a:pPr algn="l" marL="0" marR="0" indent="0">
+                <a:lnSpc>
+                  <a:spcPts val="1138"/>
+                </a:lnSpc>
+                <a:spcBef>
+                  <a:spcPts val="0"/>
+                </a:spcBef>
+                <a:spcAft>
+                  <a:spcPts val="0"/>
+                </a:spcAft>
+              </a:pPr>
+              <a:r>
+                <a:rPr sz="1138">
+                  <a:solidFill>
+                    <a:srgbClr val="00BF7D">
+                      <a:alpha val="100000"/>
+                    </a:srgbClr>
+                  </a:solidFill>
+                  <a:latin typeface="Arial"/>
+                  <a:cs typeface="Arial"/>
+                </a:rPr>
+                <a:t>20.5%</a:t>
+              </a:r>
+            </a:p>
+          </p:txBody>
+        </p:sp>
+        <p:sp>
+          <p:nvSpPr>
+            <p:cNvPr id="92" name="tx92"/>
+            <p:cNvSpPr/>
+            <p:nvPr/>
+          </p:nvSpPr>
+          <p:spPr>
+            <a:xfrm>
+              <a:off x="4526142" y="4622426"/>
+              <a:ext cx="409835" cy="109040"/>
+            </a:xfrm>
+            <a:prstGeom prst="rect">
+              <a:avLst/>
+            </a:prstGeom>
+            <a:noFill/>
+          </p:spPr>
+          <p:txBody>
+            <a:bodyPr lIns="0" rIns="0" tIns="0" bIns="0" anchorCtr="1" anchor="ctr" wrap="none"/>
+            <a:lstStyle/>
+            <a:p>
+              <a:pPr algn="l" marL="0" marR="0" indent="0">
+                <a:lnSpc>
+                  <a:spcPts val="1138"/>
+                </a:lnSpc>
+                <a:spcBef>
+                  <a:spcPts val="0"/>
+                </a:spcBef>
+                <a:spcAft>
+                  <a:spcPts val="0"/>
+                </a:spcAft>
+              </a:pPr>
+              <a:r>
+                <a:rPr sz="1138">
+                  <a:solidFill>
+                    <a:srgbClr val="A3A500">
+                      <a:alpha val="100000"/>
+                    </a:srgbClr>
+                  </a:solidFill>
+                  <a:latin typeface="Arial"/>
+                  <a:cs typeface="Arial"/>
+                </a:rPr>
+                <a:t>31.3%</a:t>
+              </a:r>
+            </a:p>
+          </p:txBody>
+        </p:sp>
+        <p:sp>
+          <p:nvSpPr>
+            <p:cNvPr id="93" name="tx93"/>
+            <p:cNvSpPr/>
+            <p:nvPr/>
+          </p:nvSpPr>
+          <p:spPr>
+            <a:xfrm>
+              <a:off x="3603509" y="3343085"/>
+              <a:ext cx="409835" cy="109040"/>
+            </a:xfrm>
+            <a:prstGeom prst="rect">
+              <a:avLst/>
+            </a:prstGeom>
+            <a:noFill/>
+          </p:spPr>
+          <p:txBody>
+            <a:bodyPr lIns="0" rIns="0" tIns="0" bIns="0" anchorCtr="1" anchor="ctr" wrap="none"/>
+            <a:lstStyle/>
+            <a:p>
+              <a:pPr algn="l" marL="0" marR="0" indent="0">
+                <a:lnSpc>
+                  <a:spcPts val="1138"/>
+                </a:lnSpc>
+                <a:spcBef>
+                  <a:spcPts val="0"/>
+                </a:spcBef>
+                <a:spcAft>
+                  <a:spcPts val="0"/>
+                </a:spcAft>
+              </a:pPr>
+              <a:r>
+                <a:rPr sz="1138">
+                  <a:solidFill>
+                    <a:srgbClr val="F8766D">
+                      <a:alpha val="100000"/>
+                    </a:srgbClr>
+                  </a:solidFill>
+                  <a:latin typeface="Arial"/>
+                  <a:cs typeface="Arial"/>
+                </a:rPr>
+                <a:t>36.2%</a:t>
+              </a:r>
+            </a:p>
+          </p:txBody>
+        </p:sp>
+        <p:sp>
+          <p:nvSpPr>
+            <p:cNvPr id="94" name="rc94"/>
+            <p:cNvSpPr/>
+            <p:nvPr/>
+          </p:nvSpPr>
+          <p:spPr>
+            <a:xfrm>
+              <a:off x="6969773" y="3342098"/>
+              <a:ext cx="201456" cy="201455"/>
+            </a:xfrm>
+            <a:prstGeom prst="rect">
+              <a:avLst/>
+            </a:prstGeom>
+            <a:solidFill>
+              <a:srgbClr val="E76BF3">
+                <a:alpha val="100000"/>
+              </a:srgbClr>
+            </a:solidFill>
+            <a:ln w="13550" cap="sq">
+              <a:solidFill>
+                <a:srgbClr val="FFFFFF">
+                  <a:alpha val="100000"/>
+                </a:srgbClr>
+              </a:solidFill>
+              <a:prstDash val="solid"/>
+              <a:miter/>
+            </a:ln>
+          </p:spPr>
+          <p:txBody>
+            <a:bodyPr/>
+            <a:lstStyle/>
+            <a:p/>
+          </p:txBody>
+        </p:sp>
+        <p:sp>
+          <p:nvSpPr>
+            <p:cNvPr id="95" name="rc95"/>
+            <p:cNvSpPr/>
+            <p:nvPr/>
+          </p:nvSpPr>
+          <p:spPr>
+            <a:xfrm>
+              <a:off x="6969773" y="3561554"/>
+              <a:ext cx="201456" cy="201456"/>
+            </a:xfrm>
+            <a:prstGeom prst="rect">
+              <a:avLst/>
+            </a:prstGeom>
+            <a:solidFill>
+              <a:srgbClr val="00B0F6">
+                <a:alpha val="100000"/>
+              </a:srgbClr>
+            </a:solidFill>
+            <a:ln w="13550" cap="sq">
+              <a:solidFill>
+                <a:srgbClr val="FFFFFF">
+                  <a:alpha val="100000"/>
+                </a:srgbClr>
+              </a:solidFill>
+              <a:prstDash val="solid"/>
+              <a:miter/>
+            </a:ln>
+          </p:spPr>
+          <p:txBody>
+            <a:bodyPr/>
+            <a:lstStyle/>
+            <a:p/>
+          </p:txBody>
+        </p:sp>
+        <p:sp>
+          <p:nvSpPr>
+            <p:cNvPr id="96" name="rc96"/>
+            <p:cNvSpPr/>
+            <p:nvPr/>
+          </p:nvSpPr>
+          <p:spPr>
+            <a:xfrm>
+              <a:off x="6969773" y="3781010"/>
+              <a:ext cx="201456" cy="201456"/>
+            </a:xfrm>
+            <a:prstGeom prst="rect">
+              <a:avLst/>
+            </a:prstGeom>
+            <a:solidFill>
+              <a:srgbClr val="00BF7D">
+                <a:alpha val="100000"/>
+              </a:srgbClr>
+            </a:solidFill>
+            <a:ln w="13550" cap="sq">
+              <a:solidFill>
+                <a:srgbClr val="FFFFFF">
+                  <a:alpha val="100000"/>
+                </a:srgbClr>
+              </a:solidFill>
+              <a:prstDash val="solid"/>
+              <a:miter/>
+            </a:ln>
+          </p:spPr>
+          <p:txBody>
+            <a:bodyPr/>
+            <a:lstStyle/>
+            <a:p/>
+          </p:txBody>
+        </p:sp>
+        <p:sp>
+          <p:nvSpPr>
+            <p:cNvPr id="97" name="rc97"/>
+            <p:cNvSpPr/>
+            <p:nvPr/>
+          </p:nvSpPr>
+          <p:spPr>
+            <a:xfrm>
+              <a:off x="6969773" y="4000466"/>
+              <a:ext cx="201456" cy="201456"/>
+            </a:xfrm>
+            <a:prstGeom prst="rect">
+              <a:avLst/>
+            </a:prstGeom>
+            <a:solidFill>
+              <a:srgbClr val="A3A500">
+                <a:alpha val="100000"/>
+              </a:srgbClr>
+            </a:solidFill>
+            <a:ln w="13550" cap="sq">
+              <a:solidFill>
+                <a:srgbClr val="FFFFFF">
+                  <a:alpha val="100000"/>
+                </a:srgbClr>
+              </a:solidFill>
+              <a:prstDash val="solid"/>
+              <a:miter/>
+            </a:ln>
+          </p:spPr>
+          <p:txBody>
+            <a:bodyPr/>
+            <a:lstStyle/>
+            <a:p/>
+          </p:txBody>
+        </p:sp>
+        <p:sp>
+          <p:nvSpPr>
+            <p:cNvPr id="98" name="rc98"/>
+            <p:cNvSpPr/>
+            <p:nvPr/>
+          </p:nvSpPr>
+          <p:spPr>
+            <a:xfrm>
+              <a:off x="6969773" y="4219922"/>
+              <a:ext cx="201456" cy="201455"/>
+            </a:xfrm>
+            <a:prstGeom prst="rect">
+              <a:avLst/>
+            </a:prstGeom>
+            <a:solidFill>
+              <a:srgbClr val="F8766D">
+                <a:alpha val="100000"/>
+              </a:srgbClr>
+            </a:solidFill>
+            <a:ln w="13550" cap="sq">
+              <a:solidFill>
+                <a:srgbClr val="FFFFFF">
+                  <a:alpha val="100000"/>
+                </a:srgbClr>
+              </a:solidFill>
+              <a:prstDash val="solid"/>
+              <a:miter/>
+            </a:ln>
+          </p:spPr>
+          <p:txBody>
+            <a:bodyPr/>
+            <a:lstStyle/>
+            <a:p/>
+          </p:txBody>
+        </p:sp>
+        <p:sp>
+          <p:nvSpPr>
+            <p:cNvPr id="99" name="tx99"/>
+            <p:cNvSpPr/>
+            <p:nvPr/>
+          </p:nvSpPr>
+          <p:spPr>
+            <a:xfrm>
+              <a:off x="7249819" y="3412976"/>
+              <a:ext cx="167640" cy="69850"/>
+            </a:xfrm>
+            <a:prstGeom prst="rect">
+              <a:avLst/>
+            </a:prstGeom>
+            <a:noFill/>
+          </p:spPr>
+          <p:txBody>
+            <a:bodyPr lIns="0" rIns="0" tIns="0" bIns="0" anchorCtr="1" anchor="ctr" wrap="none"/>
+            <a:lstStyle/>
+            <a:p>
+              <a:pPr algn="l" marL="0" marR="0" indent="0">
+                <a:lnSpc>
+                  <a:spcPts val="880"/>
+                </a:lnSpc>
+                <a:spcBef>
+                  <a:spcPts val="0"/>
+                </a:spcBef>
+                <a:spcAft>
+                  <a:spcPts val="0"/>
+                </a:spcAft>
+              </a:pPr>
+              <a:r>
+                <a:rPr sz="880">
                   <a:solidFill>
                     <a:srgbClr val="000000">
                       <a:alpha val="100000"/>
@@ -4081,51 +8903,21 @@
                   <a:latin typeface="Arial"/>
                   <a:cs typeface="Arial"/>
                 </a:rPr>
-                <a:t>看过商品介绍后直接下单</a:t>
+                <a:t>不会</a:t>
               </a:r>
             </a:p>
           </p:txBody>
         </p:sp>
         <p:sp>
           <p:nvSpPr>
-            <p:cNvPr id="28" name="rc28"/>
-            <p:cNvSpPr/>
-            <p:nvPr/>
-          </p:nvSpPr>
-          <p:spPr>
-            <a:xfrm>
-              <a:off x="2023549" y="1590617"/>
-              <a:ext cx="6913543" cy="4048310"/>
-            </a:xfrm>
-            <a:prstGeom prst="rect">
-              <a:avLst/>
-            </a:prstGeom>
-            <a:ln w="13550" cap="rnd">
-              <a:solidFill>
-                <a:srgbClr val="B3B3B3">
-                  <a:alpha val="100000"/>
-                </a:srgbClr>
-              </a:solidFill>
-              <a:prstDash val="solid"/>
-              <a:round/>
-            </a:ln>
-          </p:spPr>
-          <p:txBody>
-            <a:bodyPr/>
-            <a:lstStyle/>
-            <a:p/>
-          </p:txBody>
-        </p:sp>
-        <p:sp>
-          <p:nvSpPr>
-            <p:cNvPr id="29" name="tx29"/>
-            <p:cNvSpPr/>
-            <p:nvPr/>
-          </p:nvSpPr>
-          <p:spPr>
-            <a:xfrm>
-              <a:off x="1926599" y="5131542"/>
-              <a:ext cx="62155" cy="80272"/>
+            <p:cNvPr id="100" name="tx100"/>
+            <p:cNvSpPr/>
+            <p:nvPr/>
+          </p:nvSpPr>
+          <p:spPr>
+            <a:xfrm>
+              <a:off x="7249819" y="3632432"/>
+              <a:ext cx="670560" cy="69850"/>
             </a:xfrm>
             <a:prstGeom prst="rect">
               <a:avLst/>
@@ -4148,30 +8940,30 @@
                 </a:spcAft>
               </a:pPr>
               <a:r>
-                <a:rPr sz="880" b="1">
+                <a:rPr sz="880">
                   <a:solidFill>
-                    <a:srgbClr val="4D4D4D">
+                    <a:srgbClr val="000000">
                       <a:alpha val="100000"/>
                     </a:srgbClr>
                   </a:solidFill>
                   <a:latin typeface="Arial"/>
                   <a:cs typeface="Arial"/>
                 </a:rPr>
-                <a:t>5</a:t>
+                <a:t>根据使用效果而定</a:t>
               </a:r>
             </a:p>
           </p:txBody>
         </p:sp>
         <p:sp>
           <p:nvSpPr>
-            <p:cNvPr id="30" name="tx30"/>
-            <p:cNvSpPr/>
-            <p:nvPr/>
-          </p:nvSpPr>
-          <p:spPr>
-            <a:xfrm>
-              <a:off x="1926599" y="4352966"/>
-              <a:ext cx="62155" cy="80327"/>
+            <p:cNvPr id="101" name="tx101"/>
+            <p:cNvSpPr/>
+            <p:nvPr/>
+          </p:nvSpPr>
+          <p:spPr>
+            <a:xfrm>
+              <a:off x="7249819" y="3851888"/>
+              <a:ext cx="1005839" cy="69850"/>
             </a:xfrm>
             <a:prstGeom prst="rect">
               <a:avLst/>
@@ -4194,30 +8986,30 @@
                 </a:spcAft>
               </a:pPr>
               <a:r>
-                <a:rPr sz="880" b="1">
+                <a:rPr sz="880">
                   <a:solidFill>
-                    <a:srgbClr val="4D4D4D">
+                    <a:srgbClr val="000000">
                       <a:alpha val="100000"/>
                     </a:srgbClr>
                   </a:solidFill>
                   <a:latin typeface="Arial"/>
                   <a:cs typeface="Arial"/>
                 </a:rPr>
-                <a:t>4</a:t>
+                <a:t>会，不同类型的产品换着买</a:t>
               </a:r>
             </a:p>
           </p:txBody>
         </p:sp>
         <p:sp>
           <p:nvSpPr>
-            <p:cNvPr id="31" name="tx31"/>
-            <p:cNvSpPr/>
-            <p:nvPr/>
-          </p:nvSpPr>
-          <p:spPr>
-            <a:xfrm>
-              <a:off x="1926599" y="3573080"/>
-              <a:ext cx="62155" cy="81691"/>
+            <p:cNvPr id="102" name="tx102"/>
+            <p:cNvSpPr/>
+            <p:nvPr/>
+          </p:nvSpPr>
+          <p:spPr>
+            <a:xfrm>
+              <a:off x="7249819" y="4071344"/>
+              <a:ext cx="838200" cy="69850"/>
             </a:xfrm>
             <a:prstGeom prst="rect">
               <a:avLst/>
@@ -4240,30 +9032,30 @@
                 </a:spcAft>
               </a:pPr>
               <a:r>
-                <a:rPr sz="880" b="1">
+                <a:rPr sz="880">
                   <a:solidFill>
-                    <a:srgbClr val="4D4D4D">
+                    <a:srgbClr val="000000">
                       <a:alpha val="100000"/>
                     </a:srgbClr>
                   </a:solidFill>
                   <a:latin typeface="Arial"/>
                   <a:cs typeface="Arial"/>
                 </a:rPr>
-                <a:t>3</a:t>
+                <a:t>会，且忠诚于特定品牌</a:t>
               </a:r>
             </a:p>
           </p:txBody>
         </p:sp>
         <p:sp>
           <p:nvSpPr>
-            <p:cNvPr id="32" name="tx32"/>
-            <p:cNvSpPr/>
-            <p:nvPr/>
-          </p:nvSpPr>
-          <p:spPr>
-            <a:xfrm>
-              <a:off x="1926599" y="2795923"/>
-              <a:ext cx="62155" cy="80327"/>
+            <p:cNvPr id="103" name="tx103"/>
+            <p:cNvSpPr/>
+            <p:nvPr/>
+          </p:nvSpPr>
+          <p:spPr>
+            <a:xfrm>
+              <a:off x="7249819" y="4290800"/>
+              <a:ext cx="754380" cy="69850"/>
             </a:xfrm>
             <a:prstGeom prst="rect">
               <a:avLst/>
@@ -4286,606 +9078,16 @@
                 </a:spcAft>
               </a:pPr>
               <a:r>
-                <a:rPr sz="880" b="1">
+                <a:rPr sz="880">
                   <a:solidFill>
-                    <a:srgbClr val="4D4D4D">
+                    <a:srgbClr val="000000">
                       <a:alpha val="100000"/>
                     </a:srgbClr>
                   </a:solidFill>
                   <a:latin typeface="Arial"/>
                   <a:cs typeface="Arial"/>
                 </a:rPr>
-                <a:t>2</a:t>
-              </a:r>
-            </a:p>
-          </p:txBody>
-        </p:sp>
-        <p:sp>
-          <p:nvSpPr>
-            <p:cNvPr id="33" name="tx33"/>
-            <p:cNvSpPr/>
-            <p:nvPr/>
-          </p:nvSpPr>
-          <p:spPr>
-            <a:xfrm>
-              <a:off x="1926599" y="2017402"/>
-              <a:ext cx="62155" cy="80327"/>
-            </a:xfrm>
-            <a:prstGeom prst="rect">
-              <a:avLst/>
-            </a:prstGeom>
-            <a:noFill/>
-          </p:spPr>
-          <p:txBody>
-            <a:bodyPr lIns="0" rIns="0" tIns="0" bIns="0" anchorCtr="1" anchor="ctr" wrap="none"/>
-            <a:lstStyle/>
-            <a:p>
-              <a:pPr algn="l" marL="0" marR="0" indent="0">
-                <a:lnSpc>
-                  <a:spcPts val="880"/>
-                </a:lnSpc>
-                <a:spcBef>
-                  <a:spcPts val="0"/>
-                </a:spcBef>
-                <a:spcAft>
-                  <a:spcPts val="0"/>
-                </a:spcAft>
-              </a:pPr>
-              <a:r>
-                <a:rPr sz="880" b="1">
-                  <a:solidFill>
-                    <a:srgbClr val="4D4D4D">
-                      <a:alpha val="100000"/>
-                    </a:srgbClr>
-                  </a:solidFill>
-                  <a:latin typeface="Arial"/>
-                  <a:cs typeface="Arial"/>
-                </a:rPr>
-                <a:t>1</a:t>
-              </a:r>
-            </a:p>
-          </p:txBody>
-        </p:sp>
-        <p:sp>
-          <p:nvSpPr>
-            <p:cNvPr id="34" name="pl34"/>
-            <p:cNvSpPr/>
-            <p:nvPr/>
-          </p:nvSpPr>
-          <p:spPr>
-            <a:xfrm>
-              <a:off x="1988754" y="5171815"/>
-              <a:ext cx="34794" cy="0"/>
-            </a:xfrm>
-            <a:custGeom>
-              <a:avLst/>
-              <a:pathLst>
-                <a:path w="34794" h="0">
-                  <a:moveTo>
-                    <a:pt x="0" y="0"/>
-                  </a:moveTo>
-                  <a:lnTo>
-                    <a:pt x="34794" y="0"/>
-                  </a:lnTo>
-                </a:path>
-              </a:pathLst>
-            </a:custGeom>
-            <a:ln w="6775" cap="flat">
-              <a:solidFill>
-                <a:srgbClr val="B3B3B3">
-                  <a:alpha val="100000"/>
-                </a:srgbClr>
-              </a:solidFill>
-              <a:prstDash val="solid"/>
-              <a:round/>
-            </a:ln>
-          </p:spPr>
-          <p:txBody>
-            <a:bodyPr/>
-            <a:lstStyle/>
-            <a:p/>
-          </p:txBody>
-        </p:sp>
-        <p:sp>
-          <p:nvSpPr>
-            <p:cNvPr id="35" name="pl35"/>
-            <p:cNvSpPr/>
-            <p:nvPr/>
-          </p:nvSpPr>
-          <p:spPr>
-            <a:xfrm>
-              <a:off x="1988754" y="4393293"/>
-              <a:ext cx="34794" cy="0"/>
-            </a:xfrm>
-            <a:custGeom>
-              <a:avLst/>
-              <a:pathLst>
-                <a:path w="34794" h="0">
-                  <a:moveTo>
-                    <a:pt x="0" y="0"/>
-                  </a:moveTo>
-                  <a:lnTo>
-                    <a:pt x="34794" y="0"/>
-                  </a:lnTo>
-                </a:path>
-              </a:pathLst>
-            </a:custGeom>
-            <a:ln w="6775" cap="flat">
-              <a:solidFill>
-                <a:srgbClr val="B3B3B3">
-                  <a:alpha val="100000"/>
-                </a:srgbClr>
-              </a:solidFill>
-              <a:prstDash val="solid"/>
-              <a:round/>
-            </a:ln>
-          </p:spPr>
-          <p:txBody>
-            <a:bodyPr/>
-            <a:lstStyle/>
-            <a:p/>
-          </p:txBody>
-        </p:sp>
-        <p:sp>
-          <p:nvSpPr>
-            <p:cNvPr id="36" name="pl36"/>
-            <p:cNvSpPr/>
-            <p:nvPr/>
-          </p:nvSpPr>
-          <p:spPr>
-            <a:xfrm>
-              <a:off x="1988754" y="3614772"/>
-              <a:ext cx="34794" cy="0"/>
-            </a:xfrm>
-            <a:custGeom>
-              <a:avLst/>
-              <a:pathLst>
-                <a:path w="34794" h="0">
-                  <a:moveTo>
-                    <a:pt x="0" y="0"/>
-                  </a:moveTo>
-                  <a:lnTo>
-                    <a:pt x="34794" y="0"/>
-                  </a:lnTo>
-                </a:path>
-              </a:pathLst>
-            </a:custGeom>
-            <a:ln w="6775" cap="flat">
-              <a:solidFill>
-                <a:srgbClr val="B3B3B3">
-                  <a:alpha val="100000"/>
-                </a:srgbClr>
-              </a:solidFill>
-              <a:prstDash val="solid"/>
-              <a:round/>
-            </a:ln>
-          </p:spPr>
-          <p:txBody>
-            <a:bodyPr/>
-            <a:lstStyle/>
-            <a:p/>
-          </p:txBody>
-        </p:sp>
-        <p:sp>
-          <p:nvSpPr>
-            <p:cNvPr id="37" name="pl37"/>
-            <p:cNvSpPr/>
-            <p:nvPr/>
-          </p:nvSpPr>
-          <p:spPr>
-            <a:xfrm>
-              <a:off x="1988754" y="2836251"/>
-              <a:ext cx="34794" cy="0"/>
-            </a:xfrm>
-            <a:custGeom>
-              <a:avLst/>
-              <a:pathLst>
-                <a:path w="34794" h="0">
-                  <a:moveTo>
-                    <a:pt x="0" y="0"/>
-                  </a:moveTo>
-                  <a:lnTo>
-                    <a:pt x="34794" y="0"/>
-                  </a:lnTo>
-                </a:path>
-              </a:pathLst>
-            </a:custGeom>
-            <a:ln w="6775" cap="flat">
-              <a:solidFill>
-                <a:srgbClr val="B3B3B3">
-                  <a:alpha val="100000"/>
-                </a:srgbClr>
-              </a:solidFill>
-              <a:prstDash val="solid"/>
-              <a:round/>
-            </a:ln>
-          </p:spPr>
-          <p:txBody>
-            <a:bodyPr/>
-            <a:lstStyle/>
-            <a:p/>
-          </p:txBody>
-        </p:sp>
-        <p:sp>
-          <p:nvSpPr>
-            <p:cNvPr id="38" name="pl38"/>
-            <p:cNvSpPr/>
-            <p:nvPr/>
-          </p:nvSpPr>
-          <p:spPr>
-            <a:xfrm>
-              <a:off x="1988754" y="2057730"/>
-              <a:ext cx="34794" cy="0"/>
-            </a:xfrm>
-            <a:custGeom>
-              <a:avLst/>
-              <a:pathLst>
-                <a:path w="34794" h="0">
-                  <a:moveTo>
-                    <a:pt x="0" y="0"/>
-                  </a:moveTo>
-                  <a:lnTo>
-                    <a:pt x="34794" y="0"/>
-                  </a:lnTo>
-                </a:path>
-              </a:pathLst>
-            </a:custGeom>
-            <a:ln w="6775" cap="flat">
-              <a:solidFill>
-                <a:srgbClr val="B3B3B3">
-                  <a:alpha val="100000"/>
-                </a:srgbClr>
-              </a:solidFill>
-              <a:prstDash val="solid"/>
-              <a:round/>
-            </a:ln>
-          </p:spPr>
-          <p:txBody>
-            <a:bodyPr/>
-            <a:lstStyle/>
-            <a:p/>
-          </p:txBody>
-        </p:sp>
-        <p:sp>
-          <p:nvSpPr>
-            <p:cNvPr id="39" name="pl39"/>
-            <p:cNvSpPr/>
-            <p:nvPr/>
-          </p:nvSpPr>
-          <p:spPr>
-            <a:xfrm>
-              <a:off x="2023549" y="5638927"/>
-              <a:ext cx="0" cy="34794"/>
-            </a:xfrm>
-            <a:custGeom>
-              <a:avLst/>
-              <a:pathLst>
-                <a:path w="0" h="34794">
-                  <a:moveTo>
-                    <a:pt x="0" y="34794"/>
-                  </a:moveTo>
-                  <a:lnTo>
-                    <a:pt x="0" y="0"/>
-                  </a:lnTo>
-                </a:path>
-              </a:pathLst>
-            </a:custGeom>
-            <a:ln w="6775" cap="flat">
-              <a:solidFill>
-                <a:srgbClr val="B3B3B3">
-                  <a:alpha val="100000"/>
-                </a:srgbClr>
-              </a:solidFill>
-              <a:prstDash val="solid"/>
-              <a:round/>
-            </a:ln>
-          </p:spPr>
-          <p:txBody>
-            <a:bodyPr/>
-            <a:lstStyle/>
-            <a:p/>
-          </p:txBody>
-        </p:sp>
-        <p:sp>
-          <p:nvSpPr>
-            <p:cNvPr id="40" name="pl40"/>
-            <p:cNvSpPr/>
-            <p:nvPr/>
-          </p:nvSpPr>
-          <p:spPr>
-            <a:xfrm>
-              <a:off x="4261985" y="5638927"/>
-              <a:ext cx="0" cy="34794"/>
-            </a:xfrm>
-            <a:custGeom>
-              <a:avLst/>
-              <a:pathLst>
-                <a:path w="0" h="34794">
-                  <a:moveTo>
-                    <a:pt x="0" y="34794"/>
-                  </a:moveTo>
-                  <a:lnTo>
-                    <a:pt x="0" y="0"/>
-                  </a:lnTo>
-                </a:path>
-              </a:pathLst>
-            </a:custGeom>
-            <a:ln w="6775" cap="flat">
-              <a:solidFill>
-                <a:srgbClr val="B3B3B3">
-                  <a:alpha val="100000"/>
-                </a:srgbClr>
-              </a:solidFill>
-              <a:prstDash val="solid"/>
-              <a:round/>
-            </a:ln>
-          </p:spPr>
-          <p:txBody>
-            <a:bodyPr/>
-            <a:lstStyle/>
-            <a:p/>
-          </p:txBody>
-        </p:sp>
-        <p:sp>
-          <p:nvSpPr>
-            <p:cNvPr id="41" name="pl41"/>
-            <p:cNvSpPr/>
-            <p:nvPr/>
-          </p:nvSpPr>
-          <p:spPr>
-            <a:xfrm>
-              <a:off x="6500420" y="5638927"/>
-              <a:ext cx="0" cy="34794"/>
-            </a:xfrm>
-            <a:custGeom>
-              <a:avLst/>
-              <a:pathLst>
-                <a:path w="0" h="34794">
-                  <a:moveTo>
-                    <a:pt x="0" y="34794"/>
-                  </a:moveTo>
-                  <a:lnTo>
-                    <a:pt x="0" y="0"/>
-                  </a:lnTo>
-                </a:path>
-              </a:pathLst>
-            </a:custGeom>
-            <a:ln w="6775" cap="flat">
-              <a:solidFill>
-                <a:srgbClr val="B3B3B3">
-                  <a:alpha val="100000"/>
-                </a:srgbClr>
-              </a:solidFill>
-              <a:prstDash val="solid"/>
-              <a:round/>
-            </a:ln>
-          </p:spPr>
-          <p:txBody>
-            <a:bodyPr/>
-            <a:lstStyle/>
-            <a:p/>
-          </p:txBody>
-        </p:sp>
-        <p:sp>
-          <p:nvSpPr>
-            <p:cNvPr id="42" name="pl42"/>
-            <p:cNvSpPr/>
-            <p:nvPr/>
-          </p:nvSpPr>
-          <p:spPr>
-            <a:xfrm>
-              <a:off x="8738856" y="5638927"/>
-              <a:ext cx="0" cy="34794"/>
-            </a:xfrm>
-            <a:custGeom>
-              <a:avLst/>
-              <a:pathLst>
-                <a:path w="0" h="34794">
-                  <a:moveTo>
-                    <a:pt x="0" y="34794"/>
-                  </a:moveTo>
-                  <a:lnTo>
-                    <a:pt x="0" y="0"/>
-                  </a:lnTo>
-                </a:path>
-              </a:pathLst>
-            </a:custGeom>
-            <a:ln w="6775" cap="flat">
-              <a:solidFill>
-                <a:srgbClr val="B3B3B3">
-                  <a:alpha val="100000"/>
-                </a:srgbClr>
-              </a:solidFill>
-              <a:prstDash val="solid"/>
-              <a:round/>
-            </a:ln>
-          </p:spPr>
-          <p:txBody>
-            <a:bodyPr/>
-            <a:lstStyle/>
-            <a:p/>
-          </p:txBody>
-        </p:sp>
-        <p:sp>
-          <p:nvSpPr>
-            <p:cNvPr id="43" name="tx43"/>
-            <p:cNvSpPr/>
-            <p:nvPr/>
-          </p:nvSpPr>
-          <p:spPr>
-            <a:xfrm>
-              <a:off x="1992471" y="5699866"/>
-              <a:ext cx="62155" cy="81691"/>
-            </a:xfrm>
-            <a:prstGeom prst="rect">
-              <a:avLst/>
-            </a:prstGeom>
-            <a:noFill/>
-          </p:spPr>
-          <p:txBody>
-            <a:bodyPr lIns="0" rIns="0" tIns="0" bIns="0" anchorCtr="1" anchor="ctr" wrap="none"/>
-            <a:lstStyle/>
-            <a:p>
-              <a:pPr algn="l" marL="0" marR="0" indent="0">
-                <a:lnSpc>
-                  <a:spcPts val="880"/>
-                </a:lnSpc>
-                <a:spcBef>
-                  <a:spcPts val="0"/>
-                </a:spcBef>
-                <a:spcAft>
-                  <a:spcPts val="0"/>
-                </a:spcAft>
-              </a:pPr>
-              <a:r>
-                <a:rPr sz="880">
-                  <a:solidFill>
-                    <a:srgbClr val="4D4D4D">
-                      <a:alpha val="100000"/>
-                    </a:srgbClr>
-                  </a:solidFill>
-                  <a:latin typeface="Arial"/>
-                  <a:cs typeface="Arial"/>
-                </a:rPr>
-                <a:t>0</a:t>
-              </a:r>
-            </a:p>
-          </p:txBody>
-        </p:sp>
-        <p:sp>
-          <p:nvSpPr>
-            <p:cNvPr id="44" name="tx44"/>
-            <p:cNvSpPr/>
-            <p:nvPr/>
-          </p:nvSpPr>
-          <p:spPr>
-            <a:xfrm>
-              <a:off x="4137673" y="5699866"/>
-              <a:ext cx="248622" cy="81691"/>
-            </a:xfrm>
-            <a:prstGeom prst="rect">
-              <a:avLst/>
-            </a:prstGeom>
-            <a:noFill/>
-          </p:spPr>
-          <p:txBody>
-            <a:bodyPr lIns="0" rIns="0" tIns="0" bIns="0" anchorCtr="1" anchor="ctr" wrap="none"/>
-            <a:lstStyle/>
-            <a:p>
-              <a:pPr algn="l" marL="0" marR="0" indent="0">
-                <a:lnSpc>
-                  <a:spcPts val="880"/>
-                </a:lnSpc>
-                <a:spcBef>
-                  <a:spcPts val="0"/>
-                </a:spcBef>
-                <a:spcAft>
-                  <a:spcPts val="0"/>
-                </a:spcAft>
-              </a:pPr>
-              <a:r>
-                <a:rPr sz="880">
-                  <a:solidFill>
-                    <a:srgbClr val="4D4D4D">
-                      <a:alpha val="100000"/>
-                    </a:srgbClr>
-                  </a:solidFill>
-                  <a:latin typeface="Arial"/>
-                  <a:cs typeface="Arial"/>
-                </a:rPr>
-                <a:t>1000</a:t>
-              </a:r>
-            </a:p>
-          </p:txBody>
-        </p:sp>
-        <p:sp>
-          <p:nvSpPr>
-            <p:cNvPr id="45" name="tx45"/>
-            <p:cNvSpPr/>
-            <p:nvPr/>
-          </p:nvSpPr>
-          <p:spPr>
-            <a:xfrm>
-              <a:off x="6376109" y="5699866"/>
-              <a:ext cx="248622" cy="81691"/>
-            </a:xfrm>
-            <a:prstGeom prst="rect">
-              <a:avLst/>
-            </a:prstGeom>
-            <a:noFill/>
-          </p:spPr>
-          <p:txBody>
-            <a:bodyPr lIns="0" rIns="0" tIns="0" bIns="0" anchorCtr="1" anchor="ctr" wrap="none"/>
-            <a:lstStyle/>
-            <a:p>
-              <a:pPr algn="l" marL="0" marR="0" indent="0">
-                <a:lnSpc>
-                  <a:spcPts val="880"/>
-                </a:lnSpc>
-                <a:spcBef>
-                  <a:spcPts val="0"/>
-                </a:spcBef>
-                <a:spcAft>
-                  <a:spcPts val="0"/>
-                </a:spcAft>
-              </a:pPr>
-              <a:r>
-                <a:rPr sz="880">
-                  <a:solidFill>
-                    <a:srgbClr val="4D4D4D">
-                      <a:alpha val="100000"/>
-                    </a:srgbClr>
-                  </a:solidFill>
-                  <a:latin typeface="Arial"/>
-                  <a:cs typeface="Arial"/>
-                </a:rPr>
-                <a:t>2000</a:t>
-              </a:r>
-            </a:p>
-          </p:txBody>
-        </p:sp>
-        <p:sp>
-          <p:nvSpPr>
-            <p:cNvPr id="46" name="tx46"/>
-            <p:cNvSpPr/>
-            <p:nvPr/>
-          </p:nvSpPr>
-          <p:spPr>
-            <a:xfrm>
-              <a:off x="8614545" y="5699811"/>
-              <a:ext cx="248622" cy="81746"/>
-            </a:xfrm>
-            <a:prstGeom prst="rect">
-              <a:avLst/>
-            </a:prstGeom>
-            <a:noFill/>
-          </p:spPr>
-          <p:txBody>
-            <a:bodyPr lIns="0" rIns="0" tIns="0" bIns="0" anchorCtr="1" anchor="ctr" wrap="none"/>
-            <a:lstStyle/>
-            <a:p>
-              <a:pPr algn="l" marL="0" marR="0" indent="0">
-                <a:lnSpc>
-                  <a:spcPts val="880"/>
-                </a:lnSpc>
-                <a:spcBef>
-                  <a:spcPts val="0"/>
-                </a:spcBef>
-                <a:spcAft>
-                  <a:spcPts val="0"/>
-                </a:spcAft>
-              </a:pPr>
-              <a:r>
-                <a:rPr sz="880">
-                  <a:solidFill>
-                    <a:srgbClr val="4D4D4D">
-                      <a:alpha val="100000"/>
-                    </a:srgbClr>
-                  </a:solidFill>
-                  <a:latin typeface="Arial"/>
-                  <a:cs typeface="Arial"/>
-                </a:rPr>
-                <a:t>3000</a:t>
+                <a:t>会，不同品牌换着买</a:t>
               </a:r>
             </a:p>
           </p:txBody>

--- a/_book/plot/unnamed-chunk-70-1.pptx
+++ b/_book/plot/unnamed-chunk-70-1.pptx
@@ -3192,8 +3192,8 @@
           </p:nvSpPr>
           <p:spPr>
             <a:xfrm>
-              <a:off x="2019661" y="1590617"/>
-              <a:ext cx="6917431" cy="4055309"/>
+              <a:off x="2017917" y="1590617"/>
+              <a:ext cx="6919174" cy="4059006"/>
             </a:xfrm>
             <a:prstGeom prst="rect">
               <a:avLst/>
@@ -3218,15 +3218,15 @@
           </p:nvSpPr>
           <p:spPr>
             <a:xfrm>
-              <a:off x="3245582" y="1590617"/>
-              <a:ext cx="0" cy="4055309"/>
+              <a:off x="3244147" y="1590617"/>
+              <a:ext cx="0" cy="4059006"/>
             </a:xfrm>
             <a:custGeom>
               <a:avLst/>
               <a:pathLst>
-                <a:path w="0" h="4055309">
+                <a:path w="0" h="4059006">
                   <a:moveTo>
-                    <a:pt x="0" y="4055309"/>
+                    <a:pt x="0" y="4059006"/>
                   </a:moveTo>
                   <a:lnTo>
                     <a:pt x="0" y="0"/>
@@ -3261,15 +3261,15 @@
           </p:nvSpPr>
           <p:spPr>
             <a:xfrm>
-              <a:off x="5697424" y="1590617"/>
-              <a:ext cx="0" cy="4055309"/>
+              <a:off x="5696607" y="1590617"/>
+              <a:ext cx="0" cy="4059006"/>
             </a:xfrm>
             <a:custGeom>
               <a:avLst/>
               <a:pathLst>
-                <a:path w="0" h="4055309">
+                <a:path w="0" h="4059006">
                   <a:moveTo>
-                    <a:pt x="0" y="4055309"/>
+                    <a:pt x="0" y="4059006"/>
                   </a:moveTo>
                   <a:lnTo>
                     <a:pt x="0" y="0"/>
@@ -3304,15 +3304,15 @@
           </p:nvSpPr>
           <p:spPr>
             <a:xfrm>
-              <a:off x="8149266" y="1590617"/>
-              <a:ext cx="0" cy="4055309"/>
+              <a:off x="8149067" y="1590617"/>
+              <a:ext cx="0" cy="4059006"/>
             </a:xfrm>
             <a:custGeom>
               <a:avLst/>
               <a:pathLst>
-                <a:path w="0" h="4055309">
+                <a:path w="0" h="4059006">
                   <a:moveTo>
-                    <a:pt x="0" y="4055309"/>
+                    <a:pt x="0" y="4059006"/>
                   </a:moveTo>
                   <a:lnTo>
                     <a:pt x="0" y="0"/>
@@ -3347,21 +3347,21 @@
           </p:nvSpPr>
           <p:spPr>
             <a:xfrm>
-              <a:off x="2019661" y="5349196"/>
-              <a:ext cx="6917431" cy="0"/>
+              <a:off x="2017917" y="5352623"/>
+              <a:ext cx="6919174" cy="0"/>
             </a:xfrm>
             <a:custGeom>
               <a:avLst/>
               <a:pathLst>
-                <a:path w="6917431" h="0">
+                <a:path w="6919174" h="0">
                   <a:moveTo>
                     <a:pt x="0" y="0"/>
                   </a:moveTo>
                   <a:lnTo>
-                    <a:pt x="6917431" y="0"/>
-                  </a:lnTo>
-                  <a:lnTo>
-                    <a:pt x="6917431" y="0"/>
+                    <a:pt x="6919174" y="0"/>
+                  </a:lnTo>
+                  <a:lnTo>
+                    <a:pt x="6919174" y="0"/>
                   </a:lnTo>
                 </a:path>
               </a:pathLst>
@@ -3390,21 +3390,21 @@
           </p:nvSpPr>
           <p:spPr>
             <a:xfrm>
-              <a:off x="2019661" y="4854646"/>
-              <a:ext cx="6917431" cy="0"/>
+              <a:off x="2017917" y="4857622"/>
+              <a:ext cx="6919174" cy="0"/>
             </a:xfrm>
             <a:custGeom>
               <a:avLst/>
               <a:pathLst>
-                <a:path w="6917431" h="0">
+                <a:path w="6919174" h="0">
                   <a:moveTo>
                     <a:pt x="0" y="0"/>
                   </a:moveTo>
                   <a:lnTo>
-                    <a:pt x="6917431" y="0"/>
-                  </a:lnTo>
-                  <a:lnTo>
-                    <a:pt x="6917431" y="0"/>
+                    <a:pt x="6919174" y="0"/>
+                  </a:lnTo>
+                  <a:lnTo>
+                    <a:pt x="6919174" y="0"/>
                   </a:lnTo>
                 </a:path>
               </a:pathLst>
@@ -3433,21 +3433,21 @@
           </p:nvSpPr>
           <p:spPr>
             <a:xfrm>
-              <a:off x="2019661" y="4360096"/>
-              <a:ext cx="6917431" cy="0"/>
+              <a:off x="2017917" y="4362621"/>
+              <a:ext cx="6919174" cy="0"/>
             </a:xfrm>
             <a:custGeom>
               <a:avLst/>
               <a:pathLst>
-                <a:path w="6917431" h="0">
+                <a:path w="6919174" h="0">
                   <a:moveTo>
                     <a:pt x="0" y="0"/>
                   </a:moveTo>
                   <a:lnTo>
-                    <a:pt x="6917431" y="0"/>
-                  </a:lnTo>
-                  <a:lnTo>
-                    <a:pt x="6917431" y="0"/>
+                    <a:pt x="6919174" y="0"/>
+                  </a:lnTo>
+                  <a:lnTo>
+                    <a:pt x="6919174" y="0"/>
                   </a:lnTo>
                 </a:path>
               </a:pathLst>
@@ -3476,21 +3476,21 @@
           </p:nvSpPr>
           <p:spPr>
             <a:xfrm>
-              <a:off x="2019661" y="3865546"/>
-              <a:ext cx="6917431" cy="0"/>
+              <a:off x="2017917" y="3867620"/>
+              <a:ext cx="6919174" cy="0"/>
             </a:xfrm>
             <a:custGeom>
               <a:avLst/>
               <a:pathLst>
-                <a:path w="6917431" h="0">
+                <a:path w="6919174" h="0">
                   <a:moveTo>
                     <a:pt x="0" y="0"/>
                   </a:moveTo>
                   <a:lnTo>
-                    <a:pt x="6917431" y="0"/>
-                  </a:lnTo>
-                  <a:lnTo>
-                    <a:pt x="6917431" y="0"/>
+                    <a:pt x="6919174" y="0"/>
+                  </a:lnTo>
+                  <a:lnTo>
+                    <a:pt x="6919174" y="0"/>
                   </a:lnTo>
                 </a:path>
               </a:pathLst>
@@ -3519,21 +3519,21 @@
           </p:nvSpPr>
           <p:spPr>
             <a:xfrm>
-              <a:off x="2019661" y="3370996"/>
-              <a:ext cx="6917431" cy="0"/>
+              <a:off x="2017917" y="3372620"/>
+              <a:ext cx="6919174" cy="0"/>
             </a:xfrm>
             <a:custGeom>
               <a:avLst/>
               <a:pathLst>
-                <a:path w="6917431" h="0">
+                <a:path w="6919174" h="0">
                   <a:moveTo>
                     <a:pt x="0" y="0"/>
                   </a:moveTo>
                   <a:lnTo>
-                    <a:pt x="6917431" y="0"/>
-                  </a:lnTo>
-                  <a:lnTo>
-                    <a:pt x="6917431" y="0"/>
+                    <a:pt x="6919174" y="0"/>
+                  </a:lnTo>
+                  <a:lnTo>
+                    <a:pt x="6919174" y="0"/>
                   </a:lnTo>
                 </a:path>
               </a:pathLst>
@@ -3562,21 +3562,21 @@
           </p:nvSpPr>
           <p:spPr>
             <a:xfrm>
-              <a:off x="2019661" y="2876447"/>
-              <a:ext cx="6917431" cy="0"/>
+              <a:off x="2017917" y="2877619"/>
+              <a:ext cx="6919174" cy="0"/>
             </a:xfrm>
             <a:custGeom>
               <a:avLst/>
               <a:pathLst>
-                <a:path w="6917431" h="0">
+                <a:path w="6919174" h="0">
                   <a:moveTo>
                     <a:pt x="0" y="0"/>
                   </a:moveTo>
                   <a:lnTo>
-                    <a:pt x="6917431" y="0"/>
-                  </a:lnTo>
-                  <a:lnTo>
-                    <a:pt x="6917431" y="0"/>
+                    <a:pt x="6919174" y="0"/>
+                  </a:lnTo>
+                  <a:lnTo>
+                    <a:pt x="6919174" y="0"/>
                   </a:lnTo>
                 </a:path>
               </a:pathLst>
@@ -3605,21 +3605,21 @@
           </p:nvSpPr>
           <p:spPr>
             <a:xfrm>
-              <a:off x="2019661" y="2381897"/>
-              <a:ext cx="6917431" cy="0"/>
+              <a:off x="2017917" y="2382618"/>
+              <a:ext cx="6919174" cy="0"/>
             </a:xfrm>
             <a:custGeom>
               <a:avLst/>
               <a:pathLst>
-                <a:path w="6917431" h="0">
+                <a:path w="6919174" h="0">
                   <a:moveTo>
                     <a:pt x="0" y="0"/>
                   </a:moveTo>
                   <a:lnTo>
-                    <a:pt x="6917431" y="0"/>
-                  </a:lnTo>
-                  <a:lnTo>
-                    <a:pt x="6917431" y="0"/>
+                    <a:pt x="6919174" y="0"/>
+                  </a:lnTo>
+                  <a:lnTo>
+                    <a:pt x="6919174" y="0"/>
                   </a:lnTo>
                 </a:path>
               </a:pathLst>
@@ -3648,21 +3648,21 @@
           </p:nvSpPr>
           <p:spPr>
             <a:xfrm>
-              <a:off x="2019661" y="1887347"/>
-              <a:ext cx="6917431" cy="0"/>
+              <a:off x="2017917" y="1887617"/>
+              <a:ext cx="6919174" cy="0"/>
             </a:xfrm>
             <a:custGeom>
               <a:avLst/>
               <a:pathLst>
-                <a:path w="6917431" h="0">
+                <a:path w="6919174" h="0">
                   <a:moveTo>
                     <a:pt x="0" y="0"/>
                   </a:moveTo>
                   <a:lnTo>
-                    <a:pt x="6917431" y="0"/>
-                  </a:lnTo>
-                  <a:lnTo>
-                    <a:pt x="6917431" y="0"/>
+                    <a:pt x="6919174" y="0"/>
+                  </a:lnTo>
+                  <a:lnTo>
+                    <a:pt x="6919174" y="0"/>
                   </a:lnTo>
                 </a:path>
               </a:pathLst>
@@ -3691,15 +3691,15 @@
           </p:nvSpPr>
           <p:spPr>
             <a:xfrm>
-              <a:off x="2019661" y="1590617"/>
-              <a:ext cx="0" cy="4055309"/>
+              <a:off x="2017917" y="1590617"/>
+              <a:ext cx="0" cy="4059006"/>
             </a:xfrm>
             <a:custGeom>
               <a:avLst/>
               <a:pathLst>
-                <a:path w="0" h="4055309">
+                <a:path w="0" h="4059006">
                   <a:moveTo>
-                    <a:pt x="0" y="4055309"/>
+                    <a:pt x="0" y="4059006"/>
                   </a:moveTo>
                   <a:lnTo>
                     <a:pt x="0" y="0"/>
@@ -3734,15 +3734,15 @@
           </p:nvSpPr>
           <p:spPr>
             <a:xfrm>
-              <a:off x="4471503" y="1590617"/>
-              <a:ext cx="0" cy="4055309"/>
+              <a:off x="4470377" y="1590617"/>
+              <a:ext cx="0" cy="4059006"/>
             </a:xfrm>
             <a:custGeom>
               <a:avLst/>
               <a:pathLst>
-                <a:path w="0" h="4055309">
+                <a:path w="0" h="4059006">
                   <a:moveTo>
-                    <a:pt x="0" y="4055309"/>
+                    <a:pt x="0" y="4059006"/>
                   </a:moveTo>
                   <a:lnTo>
                     <a:pt x="0" y="0"/>
@@ -3777,15 +3777,15 @@
           </p:nvSpPr>
           <p:spPr>
             <a:xfrm>
-              <a:off x="6923345" y="1590617"/>
-              <a:ext cx="0" cy="4055309"/>
+              <a:off x="6922837" y="1590617"/>
+              <a:ext cx="0" cy="4059006"/>
             </a:xfrm>
             <a:custGeom>
               <a:avLst/>
               <a:pathLst>
-                <a:path w="0" h="4055309">
+                <a:path w="0" h="4059006">
                   <a:moveTo>
-                    <a:pt x="0" y="4055309"/>
+                    <a:pt x="0" y="4059006"/>
                   </a:moveTo>
                   <a:lnTo>
                     <a:pt x="0" y="0"/>
@@ -3820,8 +3820,8 @@
           </p:nvSpPr>
           <p:spPr>
             <a:xfrm>
-              <a:off x="2019661" y="1664799"/>
-              <a:ext cx="6781795" cy="445094"/>
+              <a:off x="2017917" y="1664867"/>
+              <a:ext cx="6783504" cy="445500"/>
             </a:xfrm>
             <a:prstGeom prst="rect">
               <a:avLst/>
@@ -3846,8 +3846,8 @@
           </p:nvSpPr>
           <p:spPr>
             <a:xfrm>
-              <a:off x="2019661" y="2159349"/>
-              <a:ext cx="5168483" cy="445094"/>
+              <a:off x="2017917" y="2159868"/>
+              <a:ext cx="5169785" cy="445500"/>
             </a:xfrm>
             <a:prstGeom prst="rect">
               <a:avLst/>
@@ -3872,8 +3872,8 @@
           </p:nvSpPr>
           <p:spPr>
             <a:xfrm>
-              <a:off x="2019661" y="2653899"/>
-              <a:ext cx="3834681" cy="445094"/>
+              <a:off x="2017917" y="2654868"/>
+              <a:ext cx="3835647" cy="445500"/>
             </a:xfrm>
             <a:prstGeom prst="rect">
               <a:avLst/>
@@ -3898,8 +3898,8 @@
           </p:nvSpPr>
           <p:spPr>
             <a:xfrm>
-              <a:off x="2019661" y="3148449"/>
-              <a:ext cx="2819618" cy="445094"/>
+              <a:off x="2017917" y="3149869"/>
+              <a:ext cx="2820329" cy="445500"/>
             </a:xfrm>
             <a:prstGeom prst="rect">
               <a:avLst/>
@@ -3924,8 +3924,8 @@
           </p:nvSpPr>
           <p:spPr>
             <a:xfrm>
-              <a:off x="2019661" y="3642999"/>
-              <a:ext cx="2285116" cy="445094"/>
+              <a:off x="2017917" y="3644870"/>
+              <a:ext cx="2285692" cy="445500"/>
             </a:xfrm>
             <a:prstGeom prst="rect">
               <a:avLst/>
@@ -3950,8 +3950,8 @@
           </p:nvSpPr>
           <p:spPr>
             <a:xfrm>
-              <a:off x="2019661" y="4137549"/>
-              <a:ext cx="1932051" cy="445094"/>
+              <a:off x="2017917" y="4139871"/>
+              <a:ext cx="1932538" cy="445500"/>
             </a:xfrm>
             <a:prstGeom prst="rect">
               <a:avLst/>
@@ -3976,8 +3976,8 @@
           </p:nvSpPr>
           <p:spPr>
             <a:xfrm>
-              <a:off x="2019661" y="4632099"/>
-              <a:ext cx="1780037" cy="445094"/>
+              <a:off x="2017917" y="4634872"/>
+              <a:ext cx="1780486" cy="445500"/>
             </a:xfrm>
             <a:prstGeom prst="rect">
               <a:avLst/>
@@ -4002,8 +4002,8 @@
           </p:nvSpPr>
           <p:spPr>
             <a:xfrm>
-              <a:off x="2019661" y="5126649"/>
-              <a:ext cx="1073906" cy="445094"/>
+              <a:off x="2017917" y="5129872"/>
+              <a:ext cx="1074177" cy="445500"/>
             </a:xfrm>
             <a:prstGeom prst="rect">
               <a:avLst/>
@@ -4028,7 +4028,7 @@
           </p:nvSpPr>
           <p:spPr>
             <a:xfrm>
-              <a:off x="8123086" y="1822065"/>
+              <a:off x="8123016" y="1822336"/>
               <a:ext cx="95701" cy="22019"/>
             </a:xfrm>
             <a:custGeom>
@@ -4119,7 +4119,7 @@
           </p:nvSpPr>
           <p:spPr>
             <a:xfrm>
-              <a:off x="8126050" y="1845356"/>
+              <a:off x="8125980" y="1845626"/>
               <a:ext cx="90196" cy="18632"/>
             </a:xfrm>
             <a:custGeom>
@@ -4174,7 +4174,7 @@
           </p:nvSpPr>
           <p:spPr>
             <a:xfrm>
-              <a:off x="8140447" y="1859753"/>
+              <a:off x="8140377" y="1860024"/>
               <a:ext cx="61401" cy="23713"/>
             </a:xfrm>
             <a:custGeom>
@@ -4217,7 +4217,7 @@
           </p:nvSpPr>
           <p:spPr>
             <a:xfrm>
-              <a:off x="8148493" y="1866952"/>
+              <a:off x="8148423" y="1867222"/>
               <a:ext cx="45309" cy="9316"/>
             </a:xfrm>
             <a:custGeom>
@@ -4260,7 +4260,7 @@
           </p:nvSpPr>
           <p:spPr>
             <a:xfrm>
-              <a:off x="8132402" y="1889819"/>
+              <a:off x="8132332" y="1890089"/>
               <a:ext cx="77492" cy="30065"/>
             </a:xfrm>
             <a:custGeom>
@@ -4315,7 +4315,7 @@
           </p:nvSpPr>
           <p:spPr>
             <a:xfrm>
-              <a:off x="8140447" y="1897017"/>
+              <a:off x="8140377" y="1897288"/>
               <a:ext cx="61401" cy="10162"/>
             </a:xfrm>
             <a:custGeom>
@@ -4358,7 +4358,7 @@
           </p:nvSpPr>
           <p:spPr>
             <a:xfrm>
-              <a:off x="8230644" y="1821219"/>
+              <a:off x="8230574" y="1821489"/>
               <a:ext cx="96971" cy="70717"/>
             </a:xfrm>
             <a:custGeom>
@@ -4794,7 +4794,7 @@
           </p:nvSpPr>
           <p:spPr>
             <a:xfrm>
-              <a:off x="8245888" y="1883890"/>
+              <a:off x="8245818" y="1884161"/>
               <a:ext cx="22019" cy="35570"/>
             </a:xfrm>
             <a:custGeom>
@@ -4951,7 +4951,7 @@
           </p:nvSpPr>
           <p:spPr>
             <a:xfrm>
-              <a:off x="8292469" y="1883890"/>
+              <a:off x="8292398" y="1884161"/>
               <a:ext cx="8469" cy="35146"/>
             </a:xfrm>
             <a:custGeom>
@@ -4994,7 +4994,7 @@
           </p:nvSpPr>
           <p:spPr>
             <a:xfrm>
-              <a:off x="8408496" y="1822065"/>
+              <a:off x="8408426" y="1822336"/>
               <a:ext cx="15244" cy="13974"/>
             </a:xfrm>
             <a:custGeom>
@@ -5091,7 +5091,7 @@
           </p:nvSpPr>
           <p:spPr>
             <a:xfrm>
-              <a:off x="8337778" y="1822065"/>
+              <a:off x="8337708" y="1822336"/>
               <a:ext cx="98665" cy="97395"/>
             </a:xfrm>
             <a:custGeom>
@@ -5803,7 +5803,7 @@
           </p:nvSpPr>
           <p:spPr>
             <a:xfrm>
-              <a:off x="8505467" y="1822489"/>
+              <a:off x="8505397" y="1822759"/>
               <a:ext cx="39804" cy="46580"/>
             </a:xfrm>
             <a:custGeom>
@@ -5900,7 +5900,7 @@
           </p:nvSpPr>
           <p:spPr>
             <a:xfrm>
-              <a:off x="8447877" y="1822912"/>
+              <a:off x="8447807" y="1823183"/>
               <a:ext cx="39381" cy="47003"/>
             </a:xfrm>
             <a:custGeom>
@@ -5997,7 +5997,7 @@
           </p:nvSpPr>
           <p:spPr>
             <a:xfrm>
-              <a:off x="8450418" y="1863988"/>
+              <a:off x="8450348" y="1864258"/>
               <a:ext cx="77069" cy="55472"/>
             </a:xfrm>
             <a:custGeom>
@@ -6346,7 +6346,7 @@
           </p:nvSpPr>
           <p:spPr>
             <a:xfrm>
-              <a:off x="8554588" y="1822065"/>
+              <a:off x="8554518" y="1822336"/>
               <a:ext cx="100359" cy="96548"/>
             </a:xfrm>
             <a:custGeom>
@@ -6776,7 +6776,7 @@
           </p:nvSpPr>
           <p:spPr>
             <a:xfrm>
-              <a:off x="5857226" y="2316615"/>
+              <a:off x="5856749" y="2317337"/>
               <a:ext cx="30912" cy="97395"/>
             </a:xfrm>
             <a:custGeom>
@@ -6912,7 +6912,7 @@
           </p:nvSpPr>
           <p:spPr>
             <a:xfrm>
-              <a:off x="5883904" y="2320003"/>
+              <a:off x="5883427" y="2320724"/>
               <a:ext cx="73258" cy="94007"/>
             </a:xfrm>
             <a:custGeom>
@@ -7117,7 +7117,7 @@
           </p:nvSpPr>
           <p:spPr>
             <a:xfrm>
-              <a:off x="5902960" y="2327625"/>
+              <a:off x="5902483" y="2328347"/>
               <a:ext cx="34723" cy="17785"/>
             </a:xfrm>
             <a:custGeom>
@@ -7160,7 +7160,7 @@
           </p:nvSpPr>
           <p:spPr>
             <a:xfrm>
-              <a:off x="6013482" y="2316615"/>
+              <a:off x="6013005" y="2317337"/>
               <a:ext cx="50814" cy="84267"/>
             </a:xfrm>
             <a:custGeom>
@@ -7311,7 +7311,7 @@
           </p:nvSpPr>
           <p:spPr>
             <a:xfrm>
-              <a:off x="6039313" y="2331436"/>
+              <a:off x="6038836" y="2332158"/>
               <a:ext cx="10162" cy="7622"/>
             </a:xfrm>
             <a:custGeom>
@@ -7354,7 +7354,7 @@
           </p:nvSpPr>
           <p:spPr>
             <a:xfrm>
-              <a:off x="6039313" y="2346681"/>
+              <a:off x="6038836" y="2347402"/>
               <a:ext cx="10162" cy="7198"/>
             </a:xfrm>
             <a:custGeom>
@@ -7397,7 +7397,7 @@
           </p:nvSpPr>
           <p:spPr>
             <a:xfrm>
-              <a:off x="5985534" y="2320850"/>
+              <a:off x="5985057" y="2321571"/>
               <a:ext cx="78763" cy="93160"/>
             </a:xfrm>
             <a:custGeom>
@@ -7737,7 +7737,7 @@
           </p:nvSpPr>
           <p:spPr>
             <a:xfrm>
-              <a:off x="5965631" y="2316615"/>
+              <a:off x="5965154" y="2317337"/>
               <a:ext cx="24560" cy="97395"/>
             </a:xfrm>
             <a:custGeom>
@@ -7846,7 +7846,7 @@
           </p:nvSpPr>
           <p:spPr>
             <a:xfrm>
-              <a:off x="6075307" y="2315345"/>
+              <a:off x="6074830" y="2316066"/>
               <a:ext cx="98242" cy="34723"/>
             </a:xfrm>
             <a:custGeom>
@@ -8009,7 +8009,7 @@
           </p:nvSpPr>
           <p:spPr>
             <a:xfrm>
-              <a:off x="6090975" y="2335671"/>
+              <a:off x="6090498" y="2336392"/>
               <a:ext cx="66482" cy="79186"/>
             </a:xfrm>
             <a:custGeom>
@@ -8160,7 +8160,7 @@
           </p:nvSpPr>
           <p:spPr>
             <a:xfrm>
-              <a:off x="6099444" y="2353880"/>
+              <a:off x="6098967" y="2354601"/>
               <a:ext cx="49544" cy="7622"/>
             </a:xfrm>
             <a:custGeom>
@@ -8203,7 +8203,7 @@
           </p:nvSpPr>
           <p:spPr>
             <a:xfrm>
-              <a:off x="6099444" y="2369124"/>
+              <a:off x="6098967" y="2369845"/>
               <a:ext cx="49544" cy="7622"/>
             </a:xfrm>
             <a:custGeom>
@@ -8246,7 +8246,7 @@
           </p:nvSpPr>
           <p:spPr>
             <a:xfrm>
-              <a:off x="6112147" y="2384369"/>
+              <a:off x="6111671" y="2385090"/>
               <a:ext cx="59707" cy="30488"/>
             </a:xfrm>
             <a:custGeom>
@@ -8436,7 +8436,7 @@
           </p:nvSpPr>
           <p:spPr>
             <a:xfrm>
-              <a:off x="6196415" y="2320850"/>
+              <a:off x="6195939" y="2321571"/>
               <a:ext cx="71987" cy="36840"/>
             </a:xfrm>
             <a:custGeom>
@@ -8479,7 +8479,7 @@
           </p:nvSpPr>
           <p:spPr>
             <a:xfrm>
-              <a:off x="6204884" y="2328896"/>
+              <a:off x="6204408" y="2329617"/>
               <a:ext cx="55472" cy="20749"/>
             </a:xfrm>
             <a:custGeom>
@@ -8522,7 +8522,7 @@
           </p:nvSpPr>
           <p:spPr>
             <a:xfrm>
-              <a:off x="6187523" y="2366160"/>
+              <a:off x="6187046" y="2366881"/>
               <a:ext cx="40228" cy="47850"/>
             </a:xfrm>
             <a:custGeom>
@@ -8577,7 +8577,7 @@
           </p:nvSpPr>
           <p:spPr>
             <a:xfrm>
-              <a:off x="6195568" y="2373782"/>
+              <a:off x="6195092" y="2374504"/>
               <a:ext cx="24137" cy="26254"/>
             </a:xfrm>
             <a:custGeom>
@@ -8620,7 +8620,7 @@
           </p:nvSpPr>
           <p:spPr>
             <a:xfrm>
-              <a:off x="6237067" y="2366160"/>
+              <a:off x="6236590" y="2366881"/>
               <a:ext cx="39804" cy="47850"/>
             </a:xfrm>
             <a:custGeom>
@@ -8675,7 +8675,7 @@
           </p:nvSpPr>
           <p:spPr>
             <a:xfrm>
-              <a:off x="6245113" y="2373782"/>
+              <a:off x="6244636" y="2374504"/>
               <a:ext cx="23713" cy="26254"/>
             </a:xfrm>
             <a:custGeom>
@@ -8718,7 +8718,7 @@
           </p:nvSpPr>
           <p:spPr>
             <a:xfrm>
-              <a:off x="6290423" y="2316615"/>
+              <a:off x="6289946" y="2317337"/>
               <a:ext cx="38958" cy="97395"/>
             </a:xfrm>
             <a:custGeom>
@@ -8914,7 +8914,7 @@
           </p:nvSpPr>
           <p:spPr>
             <a:xfrm>
-              <a:off x="6334886" y="2322120"/>
+              <a:off x="6334409" y="2322842"/>
               <a:ext cx="45733" cy="8045"/>
             </a:xfrm>
             <a:custGeom>
@@ -8957,7 +8957,7 @@
           </p:nvSpPr>
           <p:spPr>
             <a:xfrm>
-              <a:off x="6328534" y="2346257"/>
+              <a:off x="6328057" y="2346979"/>
               <a:ext cx="59283" cy="68176"/>
             </a:xfrm>
             <a:custGeom>
@@ -9192,7 +9192,7 @@
           </p:nvSpPr>
           <p:spPr>
             <a:xfrm>
-              <a:off x="6367915" y="2364890"/>
+              <a:off x="6367439" y="2365611"/>
               <a:ext cx="22019" cy="38111"/>
             </a:xfrm>
             <a:custGeom>
@@ -9289,7 +9289,7 @@
           </p:nvSpPr>
           <p:spPr>
             <a:xfrm>
-              <a:off x="6322606" y="2365313"/>
+              <a:off x="6322129" y="2366034"/>
               <a:ext cx="22443" cy="38111"/>
             </a:xfrm>
             <a:custGeom>
@@ -9386,7 +9386,7 @@
           </p:nvSpPr>
           <p:spPr>
             <a:xfrm>
-              <a:off x="6401792" y="2316615"/>
+              <a:off x="6401315" y="2317337"/>
               <a:ext cx="94430" cy="47850"/>
             </a:xfrm>
             <a:custGeom>
@@ -9465,7 +9465,7 @@
           </p:nvSpPr>
           <p:spPr>
             <a:xfrm>
-              <a:off x="6442444" y="2367430"/>
+              <a:off x="6441967" y="2368152"/>
               <a:ext cx="19055" cy="23290"/>
             </a:xfrm>
             <a:custGeom>
@@ -9562,7 +9562,7 @@
           </p:nvSpPr>
           <p:spPr>
             <a:xfrm>
-              <a:off x="6474203" y="2371665"/>
+              <a:off x="6473726" y="2372386"/>
               <a:ext cx="23290" cy="29641"/>
             </a:xfrm>
             <a:custGeom>
@@ -9659,7 +9659,7 @@
           </p:nvSpPr>
           <p:spPr>
             <a:xfrm>
-              <a:off x="6400522" y="2374206"/>
+              <a:off x="6400045" y="2374927"/>
               <a:ext cx="19902" cy="31759"/>
             </a:xfrm>
             <a:custGeom>
@@ -9756,7 +9756,7 @@
           </p:nvSpPr>
           <p:spPr>
             <a:xfrm>
-              <a:off x="6427623" y="2376323"/>
+              <a:off x="6427146" y="2377044"/>
               <a:ext cx="50391" cy="35146"/>
             </a:xfrm>
             <a:custGeom>
@@ -10039,7 +10039,7 @@
           </p:nvSpPr>
           <p:spPr>
             <a:xfrm>
-              <a:off x="6544920" y="2326778"/>
+              <a:off x="6544444" y="2327500"/>
               <a:ext cx="38111" cy="94430"/>
             </a:xfrm>
             <a:custGeom>
@@ -10256,7 +10256,7 @@
           </p:nvSpPr>
           <p:spPr>
             <a:xfrm>
-              <a:off x="6618602" y="2316615"/>
+              <a:off x="6618125" y="2317337"/>
               <a:ext cx="95277" cy="24560"/>
             </a:xfrm>
             <a:custGeom>
@@ -10347,7 +10347,7 @@
           </p:nvSpPr>
           <p:spPr>
             <a:xfrm>
-              <a:off x="6617332" y="2380134"/>
+              <a:off x="6616855" y="2380855"/>
               <a:ext cx="97395" cy="31759"/>
             </a:xfrm>
             <a:custGeom>
@@ -10402,7 +10402,7 @@
           </p:nvSpPr>
           <p:spPr>
             <a:xfrm>
-              <a:off x="6635964" y="2387756"/>
+              <a:off x="6635487" y="2388478"/>
               <a:ext cx="14820" cy="16091"/>
             </a:xfrm>
             <a:custGeom>
@@ -10445,7 +10445,7 @@
           </p:nvSpPr>
           <p:spPr>
             <a:xfrm>
-              <a:off x="6658830" y="2387756"/>
+              <a:off x="6658354" y="2388478"/>
               <a:ext cx="14397" cy="16091"/>
             </a:xfrm>
             <a:custGeom>
@@ -10488,7 +10488,7 @@
           </p:nvSpPr>
           <p:spPr>
             <a:xfrm>
-              <a:off x="6681274" y="2387756"/>
+              <a:off x="6680797" y="2388478"/>
               <a:ext cx="14820" cy="16091"/>
             </a:xfrm>
             <a:custGeom>
@@ -10531,7 +10531,7 @@
           </p:nvSpPr>
           <p:spPr>
             <a:xfrm>
-              <a:off x="6662642" y="2341176"/>
+              <a:off x="6662165" y="2341897"/>
               <a:ext cx="47003" cy="32606"/>
             </a:xfrm>
             <a:custGeom>
@@ -10643,7 +10643,7 @@
           </p:nvSpPr>
           <p:spPr>
             <a:xfrm>
-              <a:off x="6648244" y="2344140"/>
+              <a:off x="6647767" y="2344862"/>
               <a:ext cx="8469" cy="32182"/>
             </a:xfrm>
             <a:custGeom>
@@ -10686,7 +10686,7 @@
           </p:nvSpPr>
           <p:spPr>
             <a:xfrm>
-              <a:off x="6629188" y="2346681"/>
+              <a:off x="6628712" y="2347402"/>
               <a:ext cx="7622" cy="27948"/>
             </a:xfrm>
             <a:custGeom>
@@ -10729,7 +10729,7 @@
           </p:nvSpPr>
           <p:spPr>
             <a:xfrm>
-              <a:off x="6681274" y="2361925"/>
+              <a:off x="6680797" y="2362647"/>
               <a:ext cx="15244" cy="14820"/>
             </a:xfrm>
             <a:custGeom>
@@ -10826,7 +10826,7 @@
           </p:nvSpPr>
           <p:spPr>
             <a:xfrm>
-              <a:off x="6727007" y="2316615"/>
+              <a:off x="6726530" y="2317337"/>
               <a:ext cx="34723" cy="97395"/>
             </a:xfrm>
             <a:custGeom>
@@ -11055,7 +11055,7 @@
           </p:nvSpPr>
           <p:spPr>
             <a:xfrm>
-              <a:off x="6766389" y="2318733"/>
+              <a:off x="6765912" y="2319454"/>
               <a:ext cx="53779" cy="35993"/>
             </a:xfrm>
             <a:custGeom>
@@ -11110,7 +11110,7 @@
           </p:nvSpPr>
           <p:spPr>
             <a:xfrm>
-              <a:off x="6779092" y="2333554"/>
+              <a:off x="6778615" y="2334275"/>
               <a:ext cx="28371" cy="6775"/>
             </a:xfrm>
             <a:custGeom>
@@ -11153,7 +11153,7 @@
           </p:nvSpPr>
           <p:spPr>
             <a:xfrm>
-              <a:off x="6779092" y="2346681"/>
+              <a:off x="6778615" y="2347402"/>
               <a:ext cx="28795" cy="6775"/>
             </a:xfrm>
             <a:custGeom>
@@ -11196,7 +11196,7 @@
           </p:nvSpPr>
           <p:spPr>
             <a:xfrm>
-              <a:off x="6768082" y="2359808"/>
+              <a:off x="6767606" y="2360529"/>
               <a:ext cx="49544" cy="54202"/>
             </a:xfrm>
             <a:custGeom>
@@ -11251,7 +11251,7 @@
           </p:nvSpPr>
           <p:spPr>
             <a:xfrm>
-              <a:off x="6776128" y="2367430"/>
+              <a:off x="6775651" y="2368152"/>
               <a:ext cx="33876" cy="6775"/>
             </a:xfrm>
             <a:custGeom>
@@ -11294,7 +11294,7 @@
           </p:nvSpPr>
           <p:spPr>
             <a:xfrm>
-              <a:off x="6776128" y="2381404"/>
+              <a:off x="6775651" y="2382126"/>
               <a:ext cx="33876" cy="6775"/>
             </a:xfrm>
             <a:custGeom>
@@ -11337,7 +11337,7 @@
           </p:nvSpPr>
           <p:spPr>
             <a:xfrm>
-              <a:off x="6776128" y="2395378"/>
+              <a:off x="6775651" y="2396100"/>
               <a:ext cx="33876" cy="7198"/>
             </a:xfrm>
             <a:custGeom>
@@ -11380,7 +11380,7 @@
           </p:nvSpPr>
           <p:spPr>
             <a:xfrm>
-              <a:off x="6834989" y="2320427"/>
+              <a:off x="6834512" y="2321148"/>
               <a:ext cx="95701" cy="93584"/>
             </a:xfrm>
             <a:custGeom>
@@ -11666,7 +11666,7 @@
           </p:nvSpPr>
           <p:spPr>
             <a:xfrm>
-              <a:off x="6965837" y="2326778"/>
+              <a:off x="6965360" y="2327500"/>
               <a:ext cx="38111" cy="94430"/>
             </a:xfrm>
             <a:custGeom>
@@ -11883,7 +11883,7 @@
           </p:nvSpPr>
           <p:spPr>
             <a:xfrm>
-              <a:off x="5284376" y="2811165"/>
+              <a:off x="5283563" y="2812338"/>
               <a:ext cx="95701" cy="22019"/>
             </a:xfrm>
             <a:custGeom>
@@ -11974,7 +11974,7 @@
           </p:nvSpPr>
           <p:spPr>
             <a:xfrm>
-              <a:off x="5290728" y="2836149"/>
+              <a:off x="5289915" y="2837322"/>
               <a:ext cx="82997" cy="72411"/>
             </a:xfrm>
             <a:custGeom>
@@ -12029,7 +12029,7 @@
           </p:nvSpPr>
           <p:spPr>
             <a:xfrm>
-              <a:off x="5299197" y="2843772"/>
+              <a:off x="5298384" y="2844944"/>
               <a:ext cx="66059" cy="52932"/>
             </a:xfrm>
             <a:custGeom>
@@ -12072,7 +12072,7 @@
           </p:nvSpPr>
           <p:spPr>
             <a:xfrm>
-              <a:off x="5303432" y="2847159"/>
+              <a:off x="5302619" y="2848331"/>
               <a:ext cx="57166" cy="47003"/>
             </a:xfrm>
             <a:custGeom>
@@ -12241,7 +12241,7 @@
           </p:nvSpPr>
           <p:spPr>
             <a:xfrm>
-              <a:off x="5340696" y="2874260"/>
+              <a:off x="5339883" y="2875433"/>
               <a:ext cx="17785" cy="17361"/>
             </a:xfrm>
             <a:custGeom>
@@ -12338,7 +12338,7 @@
           </p:nvSpPr>
           <p:spPr>
             <a:xfrm>
-              <a:off x="5390664" y="2811165"/>
+              <a:off x="5389851" y="2812338"/>
               <a:ext cx="34723" cy="97395"/>
             </a:xfrm>
             <a:custGeom>
@@ -12534,7 +12534,7 @@
           </p:nvSpPr>
           <p:spPr>
             <a:xfrm>
-              <a:off x="5419883" y="2811165"/>
+              <a:off x="5419070" y="2812338"/>
               <a:ext cx="70717" cy="97395"/>
             </a:xfrm>
             <a:custGeom>
@@ -12844,7 +12844,7 @@
           </p:nvSpPr>
           <p:spPr>
             <a:xfrm>
-              <a:off x="5499069" y="2811165"/>
+              <a:off x="5498256" y="2812338"/>
               <a:ext cx="30912" cy="97395"/>
             </a:xfrm>
             <a:custGeom>
@@ -12980,7 +12980,7 @@
           </p:nvSpPr>
           <p:spPr>
             <a:xfrm>
-              <a:off x="5530405" y="2811165"/>
+              <a:off x="5529592" y="2812338"/>
               <a:ext cx="67329" cy="20325"/>
             </a:xfrm>
             <a:custGeom>
@@ -13089,7 +13089,7 @@
           </p:nvSpPr>
           <p:spPr>
             <a:xfrm>
-              <a:off x="5535910" y="2839960"/>
+              <a:off x="5535097" y="2841133"/>
               <a:ext cx="55896" cy="7622"/>
             </a:xfrm>
             <a:custGeom>
@@ -13132,7 +13132,7 @@
           </p:nvSpPr>
           <p:spPr>
             <a:xfrm>
-              <a:off x="5535910" y="2856052"/>
+              <a:off x="5535097" y="2857224"/>
               <a:ext cx="55896" cy="7622"/>
             </a:xfrm>
             <a:custGeom>
@@ -13175,7 +13175,7 @@
           </p:nvSpPr>
           <p:spPr>
             <a:xfrm>
-              <a:off x="5536757" y="2872143"/>
+              <a:off x="5535944" y="2873315"/>
               <a:ext cx="54202" cy="35993"/>
             </a:xfrm>
             <a:custGeom>
@@ -13230,7 +13230,7 @@
           </p:nvSpPr>
           <p:spPr>
             <a:xfrm>
-              <a:off x="5545226" y="2879765"/>
+              <a:off x="5544413" y="2880938"/>
               <a:ext cx="37264" cy="15244"/>
             </a:xfrm>
             <a:custGeom>
@@ -13273,7 +13273,7 @@
           </p:nvSpPr>
           <p:spPr>
             <a:xfrm>
-              <a:off x="5621025" y="2809895"/>
+              <a:off x="5620212" y="2811067"/>
               <a:ext cx="73258" cy="59707"/>
             </a:xfrm>
             <a:custGeom>
@@ -13328,7 +13328,7 @@
           </p:nvSpPr>
           <p:spPr>
             <a:xfrm>
-              <a:off x="5629494" y="2826833"/>
+              <a:off x="5628681" y="2828006"/>
               <a:ext cx="56319" cy="7198"/>
             </a:xfrm>
             <a:custGeom>
@@ -13371,7 +13371,7 @@
           </p:nvSpPr>
           <p:spPr>
             <a:xfrm>
-              <a:off x="5629494" y="2840807"/>
+              <a:off x="5628681" y="2841980"/>
               <a:ext cx="56319" cy="7198"/>
             </a:xfrm>
             <a:custGeom>
@@ -13414,7 +13414,7 @@
           </p:nvSpPr>
           <p:spPr>
             <a:xfrm>
-              <a:off x="5629494" y="2854358"/>
+              <a:off x="5628681" y="2855530"/>
               <a:ext cx="56319" cy="7198"/>
             </a:xfrm>
             <a:custGeom>
@@ -13457,7 +13457,7 @@
           </p:nvSpPr>
           <p:spPr>
             <a:xfrm>
-              <a:off x="5648973" y="2873414"/>
+              <a:off x="5648160" y="2874586"/>
               <a:ext cx="22443" cy="19479"/>
             </a:xfrm>
             <a:custGeom>
@@ -13554,7 +13554,7 @@
           </p:nvSpPr>
           <p:spPr>
             <a:xfrm>
-              <a:off x="5607474" y="2876378"/>
+              <a:off x="5606661" y="2877550"/>
               <a:ext cx="20325" cy="27948"/>
             </a:xfrm>
             <a:custGeom>
@@ -13651,7 +13651,7 @@
           </p:nvSpPr>
           <p:spPr>
             <a:xfrm>
-              <a:off x="5633728" y="2876801"/>
+              <a:off x="5632915" y="2877973"/>
               <a:ext cx="52932" cy="29641"/>
             </a:xfrm>
             <a:custGeom>
@@ -13967,7 +13967,7 @@
           </p:nvSpPr>
           <p:spPr>
             <a:xfrm>
-              <a:off x="5684543" y="2876801"/>
+              <a:off x="5683730" y="2877973"/>
               <a:ext cx="22443" cy="26677"/>
             </a:xfrm>
             <a:custGeom>
@@ -14064,7 +14064,7 @@
           </p:nvSpPr>
           <p:spPr>
             <a:xfrm>
-              <a:off x="5018394" y="3320632"/>
+              <a:off x="5017397" y="3322255"/>
               <a:ext cx="63942" cy="97395"/>
             </a:xfrm>
             <a:custGeom>
@@ -14365,7 +14365,7 @@
           </p:nvSpPr>
           <p:spPr>
             <a:xfrm>
-              <a:off x="4987481" y="3329948"/>
+              <a:off x="4986484" y="3331571"/>
               <a:ext cx="43616" cy="74951"/>
             </a:xfrm>
             <a:custGeom>
@@ -14513,7 +14513,7 @@
           </p:nvSpPr>
           <p:spPr>
             <a:xfrm>
-              <a:off x="5097580" y="3320208"/>
+              <a:off x="5096583" y="3321831"/>
               <a:ext cx="51238" cy="33029"/>
             </a:xfrm>
             <a:custGeom>
@@ -14766,7 +14766,7 @@
           </p:nvSpPr>
           <p:spPr>
             <a:xfrm>
-              <a:off x="5103085" y="3356625"/>
+              <a:off x="5102088" y="3358249"/>
               <a:ext cx="38958" cy="61401"/>
             </a:xfrm>
             <a:custGeom>
@@ -14971,7 +14971,7 @@
           </p:nvSpPr>
           <p:spPr>
             <a:xfrm>
-              <a:off x="5111554" y="3364248"/>
+              <a:off x="5110557" y="3365871"/>
               <a:ext cx="22019" cy="9316"/>
             </a:xfrm>
             <a:custGeom>
@@ -15014,7 +15014,7 @@
           </p:nvSpPr>
           <p:spPr>
             <a:xfrm>
-              <a:off x="5111554" y="3380339"/>
+              <a:off x="5110557" y="3381962"/>
               <a:ext cx="22019" cy="9316"/>
             </a:xfrm>
             <a:custGeom>
@@ -15057,7 +15057,7 @@
           </p:nvSpPr>
           <p:spPr>
             <a:xfrm>
-              <a:off x="5151359" y="3323172"/>
+              <a:off x="5150362" y="3324795"/>
               <a:ext cx="41075" cy="44039"/>
             </a:xfrm>
             <a:custGeom>
@@ -15406,7 +15406,7 @@
           </p:nvSpPr>
           <p:spPr>
             <a:xfrm>
-              <a:off x="5151359" y="3371446"/>
+              <a:off x="5150362" y="3373070"/>
               <a:ext cx="42769" cy="45733"/>
             </a:xfrm>
             <a:custGeom>
@@ -15755,7 +15755,7 @@
           </p:nvSpPr>
           <p:spPr>
             <a:xfrm>
-              <a:off x="5206832" y="3319785"/>
+              <a:off x="5205835" y="3321408"/>
               <a:ext cx="92313" cy="29641"/>
             </a:xfrm>
             <a:custGeom>
@@ -15876,7 +15876,7 @@
           </p:nvSpPr>
           <p:spPr>
             <a:xfrm>
-              <a:off x="5218265" y="3344345"/>
+              <a:off x="5217268" y="3345968"/>
               <a:ext cx="68600" cy="7198"/>
             </a:xfrm>
             <a:custGeom>
@@ -15919,7 +15919,7 @@
           </p:nvSpPr>
           <p:spPr>
             <a:xfrm>
-              <a:off x="5219112" y="3358743"/>
+              <a:off x="5218115" y="3360366"/>
               <a:ext cx="67329" cy="41075"/>
             </a:xfrm>
             <a:custGeom>
@@ -15962,7 +15962,7 @@
           </p:nvSpPr>
           <p:spPr>
             <a:xfrm>
-              <a:off x="5227581" y="3365941"/>
+              <a:off x="5226585" y="3367565"/>
               <a:ext cx="50391" cy="9739"/>
             </a:xfrm>
             <a:custGeom>
@@ -16005,7 +16005,7 @@
           </p:nvSpPr>
           <p:spPr>
             <a:xfrm>
-              <a:off x="5227581" y="3382880"/>
+              <a:off x="5226585" y="3384503"/>
               <a:ext cx="50391" cy="9739"/>
             </a:xfrm>
             <a:custGeom>
@@ -16048,7 +16048,7 @@
           </p:nvSpPr>
           <p:spPr>
             <a:xfrm>
-              <a:off x="5206409" y="3407017"/>
+              <a:off x="5205412" y="3408640"/>
               <a:ext cx="93160" cy="7198"/>
             </a:xfrm>
             <a:custGeom>
@@ -16091,7 +16091,7 @@
           </p:nvSpPr>
           <p:spPr>
             <a:xfrm>
-              <a:off x="5351654" y="3320632"/>
+              <a:off x="5350657" y="3322255"/>
               <a:ext cx="56319" cy="44886"/>
             </a:xfrm>
             <a:custGeom>
@@ -16323,7 +16323,7 @@
           </p:nvSpPr>
           <p:spPr>
             <a:xfrm>
-              <a:off x="5363088" y="3352391"/>
+              <a:off x="5362091" y="3354014"/>
               <a:ext cx="22866" cy="66059"/>
             </a:xfrm>
             <a:custGeom>
@@ -16516,7 +16516,7 @@
           </p:nvSpPr>
           <p:spPr>
             <a:xfrm>
-              <a:off x="5392306" y="3366365"/>
+              <a:off x="5391309" y="3367988"/>
               <a:ext cx="14820" cy="37687"/>
             </a:xfrm>
             <a:custGeom>
@@ -16613,7 +16613,7 @@
           </p:nvSpPr>
           <p:spPr>
             <a:xfrm>
-              <a:off x="5352078" y="3366365"/>
+              <a:off x="5351081" y="3367988"/>
               <a:ext cx="17785" cy="36417"/>
             </a:xfrm>
             <a:custGeom>
@@ -16710,7 +16710,7 @@
           </p:nvSpPr>
           <p:spPr>
             <a:xfrm>
-              <a:off x="5310156" y="3320208"/>
+              <a:off x="5309159" y="3321831"/>
               <a:ext cx="42345" cy="97818"/>
             </a:xfrm>
             <a:custGeom>
@@ -16972,7 +16972,7 @@
           </p:nvSpPr>
           <p:spPr>
             <a:xfrm>
-              <a:off x="4452980" y="3814758"/>
+              <a:off x="4451848" y="3816832"/>
               <a:ext cx="35146" cy="97818"/>
             </a:xfrm>
             <a:custGeom>
@@ -17231,7 +17231,7 @@
           </p:nvSpPr>
           <p:spPr>
             <a:xfrm>
-              <a:off x="4530472" y="3813911"/>
+              <a:off x="4529341" y="3815985"/>
               <a:ext cx="14820" cy="13550"/>
             </a:xfrm>
             <a:custGeom>
@@ -17328,7 +17328,7 @@
           </p:nvSpPr>
           <p:spPr>
             <a:xfrm>
-              <a:off x="4491514" y="3815181"/>
+              <a:off x="4490383" y="3817255"/>
               <a:ext cx="58860" cy="96971"/>
             </a:xfrm>
             <a:custGeom>
@@ -17581,7 +17581,7 @@
           </p:nvSpPr>
           <p:spPr>
             <a:xfrm>
-              <a:off x="4502524" y="3852446"/>
+              <a:off x="4501393" y="3854520"/>
               <a:ext cx="14397" cy="11433"/>
             </a:xfrm>
             <a:custGeom>
@@ -17624,7 +17624,7 @@
           </p:nvSpPr>
           <p:spPr>
             <a:xfrm>
-              <a:off x="4524544" y="3852446"/>
+              <a:off x="4523412" y="3854520"/>
               <a:ext cx="14820" cy="11433"/>
             </a:xfrm>
             <a:custGeom>
@@ -17667,7 +17667,7 @@
           </p:nvSpPr>
           <p:spPr>
             <a:xfrm>
-              <a:off x="4502524" y="3871078"/>
+              <a:off x="4501393" y="3873152"/>
               <a:ext cx="14397" cy="11433"/>
             </a:xfrm>
             <a:custGeom>
@@ -17710,7 +17710,7 @@
           </p:nvSpPr>
           <p:spPr>
             <a:xfrm>
-              <a:off x="4524544" y="3871078"/>
+              <a:off x="4523412" y="3873152"/>
               <a:ext cx="14820" cy="11433"/>
             </a:xfrm>
             <a:custGeom>
@@ -17753,7 +17753,7 @@
           </p:nvSpPr>
           <p:spPr>
             <a:xfrm>
-              <a:off x="4613470" y="3815181"/>
+              <a:off x="4612338" y="3817255"/>
               <a:ext cx="47427" cy="97395"/>
             </a:xfrm>
             <a:custGeom>
@@ -17820,7 +17820,7 @@
           </p:nvSpPr>
           <p:spPr>
             <a:xfrm>
-              <a:off x="4616434" y="3823227"/>
+              <a:off x="4615302" y="3825301"/>
               <a:ext cx="21172" cy="21172"/>
             </a:xfrm>
             <a:custGeom>
@@ -17917,7 +17917,7 @@
           </p:nvSpPr>
           <p:spPr>
             <a:xfrm>
-              <a:off x="4611353" y="3848211"/>
+              <a:off x="4610221" y="3850285"/>
               <a:ext cx="22443" cy="21596"/>
             </a:xfrm>
             <a:custGeom>
@@ -18014,7 +18014,7 @@
           </p:nvSpPr>
           <p:spPr>
             <a:xfrm>
-              <a:off x="4560538" y="3815181"/>
+              <a:off x="4559406" y="3817255"/>
               <a:ext cx="45733" cy="97818"/>
             </a:xfrm>
             <a:custGeom>
@@ -18210,7 +18210,7 @@
           </p:nvSpPr>
           <p:spPr>
             <a:xfrm>
-              <a:off x="4563925" y="3822380"/>
+              <a:off x="4562794" y="3824454"/>
               <a:ext cx="13127" cy="23290"/>
             </a:xfrm>
             <a:custGeom>
@@ -18307,7 +18307,7 @@
           </p:nvSpPr>
           <p:spPr>
             <a:xfrm>
-              <a:off x="4592721" y="3822380"/>
+              <a:off x="4591589" y="3824454"/>
               <a:ext cx="14397" cy="23713"/>
             </a:xfrm>
             <a:custGeom>
@@ -18404,7 +18404,7 @@
           </p:nvSpPr>
           <p:spPr>
             <a:xfrm>
-              <a:off x="4665343" y="3825450"/>
+              <a:off x="4664212" y="3827524"/>
               <a:ext cx="38269" cy="77386"/>
             </a:xfrm>
             <a:custGeom>
@@ -18447,7 +18447,7 @@
           </p:nvSpPr>
           <p:spPr>
             <a:xfrm>
-              <a:off x="4730132" y="3818146"/>
+              <a:off x="4729001" y="3820220"/>
               <a:ext cx="78339" cy="54202"/>
             </a:xfrm>
             <a:custGeom>
@@ -18733,7 +18733,7 @@
           </p:nvSpPr>
           <p:spPr>
             <a:xfrm>
-              <a:off x="4747918" y="3857951"/>
+              <a:off x="4746786" y="3860025"/>
               <a:ext cx="22443" cy="54625"/>
             </a:xfrm>
             <a:custGeom>
@@ -18926,7 +18926,7 @@
           </p:nvSpPr>
           <p:spPr>
             <a:xfrm>
-              <a:off x="4786876" y="3868537"/>
+              <a:off x="4785744" y="3870611"/>
               <a:ext cx="21172" cy="35570"/>
             </a:xfrm>
             <a:custGeom>
@@ -19023,7 +19023,7 @@
           </p:nvSpPr>
           <p:spPr>
             <a:xfrm>
-              <a:off x="4772901" y="3870654"/>
+              <a:off x="4771770" y="3872728"/>
               <a:ext cx="16938" cy="33876"/>
             </a:xfrm>
             <a:custGeom>
@@ -19120,7 +19120,7 @@
           </p:nvSpPr>
           <p:spPr>
             <a:xfrm>
-              <a:off x="4733943" y="3871078"/>
+              <a:off x="4732812" y="3873152"/>
               <a:ext cx="22866" cy="31759"/>
             </a:xfrm>
             <a:custGeom>
@@ -19217,7 +19217,7 @@
           </p:nvSpPr>
           <p:spPr>
             <a:xfrm>
-              <a:off x="4711924" y="3816875"/>
+              <a:off x="4710792" y="3818949"/>
               <a:ext cx="19902" cy="18632"/>
             </a:xfrm>
             <a:custGeom>
@@ -19314,7 +19314,7 @@
           </p:nvSpPr>
           <p:spPr>
             <a:xfrm>
-              <a:off x="4709383" y="3842283"/>
+              <a:off x="4708251" y="3844357"/>
               <a:ext cx="20325" cy="18632"/>
             </a:xfrm>
             <a:custGeom>
@@ -19411,7 +19411,7 @@
           </p:nvSpPr>
           <p:spPr>
             <a:xfrm>
-              <a:off x="4709383" y="3870654"/>
+              <a:off x="4708251" y="3872728"/>
               <a:ext cx="20749" cy="42345"/>
             </a:xfrm>
             <a:custGeom>
@@ -19508,7 +19508,7 @@
           </p:nvSpPr>
           <p:spPr>
             <a:xfrm>
-              <a:off x="4816941" y="3815181"/>
+              <a:off x="4815809" y="3817255"/>
               <a:ext cx="48697" cy="98665"/>
             </a:xfrm>
             <a:custGeom>
@@ -19839,7 +19839,7 @@
           </p:nvSpPr>
           <p:spPr>
             <a:xfrm>
-              <a:off x="4873684" y="3824074"/>
+              <a:off x="4872553" y="3826148"/>
               <a:ext cx="38534" cy="82997"/>
             </a:xfrm>
             <a:custGeom>
@@ -19894,7 +19894,7 @@
           </p:nvSpPr>
           <p:spPr>
             <a:xfrm>
-              <a:off x="4881730" y="3831696"/>
+              <a:off x="4880598" y="3833770"/>
               <a:ext cx="22443" cy="60130"/>
             </a:xfrm>
             <a:custGeom>
@@ -19937,7 +19937,7 @@
           </p:nvSpPr>
           <p:spPr>
             <a:xfrm>
-              <a:off x="4927040" y="3814758"/>
+              <a:off x="4925908" y="3816832"/>
               <a:ext cx="62248" cy="54625"/>
             </a:xfrm>
             <a:custGeom>
@@ -20298,7 +20298,7 @@
           </p:nvSpPr>
           <p:spPr>
             <a:xfrm>
-              <a:off x="4969386" y="3867690"/>
+              <a:off x="4968254" y="3869764"/>
               <a:ext cx="8469" cy="45309"/>
             </a:xfrm>
             <a:custGeom>
@@ -20341,7 +20341,7 @@
           </p:nvSpPr>
           <p:spPr>
             <a:xfrm>
-              <a:off x="4930004" y="3868537"/>
+              <a:off x="4928872" y="3870611"/>
               <a:ext cx="22866" cy="44462"/>
             </a:xfrm>
             <a:custGeom>
@@ -20498,7 +20498,7 @@
           </p:nvSpPr>
           <p:spPr>
             <a:xfrm>
-              <a:off x="4994793" y="3815605"/>
+              <a:off x="4993661" y="3817679"/>
               <a:ext cx="26254" cy="96971"/>
             </a:xfrm>
             <a:custGeom>
@@ -20691,7 +20691,7 @@
           </p:nvSpPr>
           <p:spPr>
             <a:xfrm>
-              <a:off x="4993946" y="3826615"/>
+              <a:off x="4992814" y="3828689"/>
               <a:ext cx="8469" cy="61401"/>
             </a:xfrm>
             <a:custGeom>
@@ -20734,7 +20734,7 @@
           </p:nvSpPr>
           <p:spPr>
             <a:xfrm>
-              <a:off x="4098644" y="4309731"/>
+              <a:off x="4097423" y="4312256"/>
               <a:ext cx="29641" cy="97395"/>
             </a:xfrm>
             <a:custGeom>
@@ -20870,7 +20870,7 @@
           </p:nvSpPr>
           <p:spPr>
             <a:xfrm>
-              <a:off x="4123205" y="4309308"/>
+              <a:off x="4121984" y="4311833"/>
               <a:ext cx="74104" cy="97395"/>
             </a:xfrm>
             <a:custGeom>
@@ -21201,7 +21201,7 @@
           </p:nvSpPr>
           <p:spPr>
             <a:xfrm>
-              <a:off x="4139719" y="4344878"/>
+              <a:off x="4138499" y="4347403"/>
               <a:ext cx="18632" cy="15244"/>
             </a:xfrm>
             <a:custGeom>
@@ -21274,7 +21274,7 @@
           </p:nvSpPr>
           <p:spPr>
             <a:xfrm>
-              <a:off x="4166821" y="4344878"/>
+              <a:off x="4165600" y="4347403"/>
               <a:ext cx="18208" cy="15244"/>
             </a:xfrm>
             <a:custGeom>
@@ -21320,7 +21320,7 @@
           </p:nvSpPr>
           <p:spPr>
             <a:xfrm>
-              <a:off x="4207472" y="4314813"/>
+              <a:off x="4206252" y="4317338"/>
               <a:ext cx="91466" cy="92313"/>
             </a:xfrm>
             <a:custGeom>
@@ -21624,7 +21624,7 @@
           </p:nvSpPr>
           <p:spPr>
             <a:xfrm>
-              <a:off x="4227375" y="4322859"/>
+              <a:off x="4226154" y="4325383"/>
               <a:ext cx="27101" cy="17361"/>
             </a:xfrm>
             <a:custGeom>
@@ -21667,7 +21667,7 @@
           </p:nvSpPr>
           <p:spPr>
             <a:xfrm>
-              <a:off x="4262945" y="4322859"/>
+              <a:off x="4261725" y="4325383"/>
               <a:ext cx="27524" cy="17361"/>
             </a:xfrm>
             <a:custGeom>
@@ -21710,7 +21710,7 @@
           </p:nvSpPr>
           <p:spPr>
             <a:xfrm>
-              <a:off x="4226952" y="4348266"/>
+              <a:off x="4225731" y="4350791"/>
               <a:ext cx="27524" cy="17361"/>
             </a:xfrm>
             <a:custGeom>
@@ -21783,7 +21783,7 @@
           </p:nvSpPr>
           <p:spPr>
             <a:xfrm>
-              <a:off x="4262945" y="4348266"/>
+              <a:off x="4261725" y="4350791"/>
               <a:ext cx="27524" cy="17361"/>
             </a:xfrm>
             <a:custGeom>
@@ -21826,7 +21826,7 @@
           </p:nvSpPr>
           <p:spPr>
             <a:xfrm>
-              <a:off x="4327734" y="4358852"/>
+              <a:off x="4326514" y="4361377"/>
               <a:ext cx="74528" cy="7198"/>
             </a:xfrm>
             <a:custGeom>
@@ -21869,7 +21869,7 @@
           </p:nvSpPr>
           <p:spPr>
             <a:xfrm>
-              <a:off x="4318842" y="4372403"/>
+              <a:off x="4317621" y="4374928"/>
               <a:ext cx="93160" cy="33876"/>
             </a:xfrm>
             <a:custGeom>
@@ -22074,7 +22074,7 @@
           </p:nvSpPr>
           <p:spPr>
             <a:xfrm>
-              <a:off x="4380243" y="4382143"/>
+              <a:off x="4379022" y="4384667"/>
               <a:ext cx="30912" cy="21596"/>
             </a:xfrm>
             <a:custGeom>
@@ -22171,7 +22171,7 @@
           </p:nvSpPr>
           <p:spPr>
             <a:xfrm>
-              <a:off x="4317995" y="4382143"/>
+              <a:off x="4316774" y="4384667"/>
               <a:ext cx="33029" cy="21172"/>
             </a:xfrm>
             <a:custGeom>
@@ -22268,7 +22268,7 @@
           </p:nvSpPr>
           <p:spPr>
             <a:xfrm>
-              <a:off x="4315877" y="4309731"/>
+              <a:off x="4314657" y="4312256"/>
               <a:ext cx="47427" cy="47003"/>
             </a:xfrm>
             <a:custGeom>
@@ -22464,7 +22464,7 @@
           </p:nvSpPr>
           <p:spPr>
             <a:xfrm>
-              <a:off x="4361187" y="4309731"/>
+              <a:off x="4359967" y="4312256"/>
               <a:ext cx="53779" cy="47003"/>
             </a:xfrm>
             <a:custGeom>
@@ -22657,7 +22657,7 @@
           </p:nvSpPr>
           <p:spPr>
             <a:xfrm>
-              <a:off x="4434022" y="4313966"/>
+              <a:off x="4432801" y="4316491"/>
               <a:ext cx="84691" cy="52508"/>
             </a:xfrm>
             <a:custGeom>
@@ -22958,7 +22958,7 @@
           </p:nvSpPr>
           <p:spPr>
             <a:xfrm>
-              <a:off x="4467475" y="4368592"/>
+              <a:off x="4466255" y="4371117"/>
               <a:ext cx="18208" cy="20325"/>
             </a:xfrm>
             <a:custGeom>
@@ -23055,7 +23055,7 @@
           </p:nvSpPr>
           <p:spPr>
             <a:xfrm>
-              <a:off x="4502199" y="4371556"/>
+              <a:off x="4500978" y="4374081"/>
               <a:ext cx="21172" cy="28795"/>
             </a:xfrm>
             <a:custGeom>
@@ -23152,7 +23152,7 @@
           </p:nvSpPr>
           <p:spPr>
             <a:xfrm>
-              <a:off x="4450113" y="4371980"/>
+              <a:off x="4448893" y="4374504"/>
               <a:ext cx="52932" cy="33029"/>
             </a:xfrm>
             <a:custGeom>
@@ -23468,7 +23468,7 @@
           </p:nvSpPr>
           <p:spPr>
             <a:xfrm>
-              <a:off x="4423436" y="4373250"/>
+              <a:off x="4422215" y="4375775"/>
               <a:ext cx="20749" cy="30065"/>
             </a:xfrm>
             <a:custGeom>
@@ -23565,7 +23565,7 @@
           </p:nvSpPr>
           <p:spPr>
             <a:xfrm>
-              <a:off x="3946630" y="4804281"/>
+              <a:off x="3945371" y="4807257"/>
               <a:ext cx="30912" cy="97395"/>
             </a:xfrm>
             <a:custGeom>
@@ -23701,7 +23701,7 @@
           </p:nvSpPr>
           <p:spPr>
             <a:xfrm>
-              <a:off x="3973308" y="4807669"/>
+              <a:off x="3972049" y="4810645"/>
               <a:ext cx="73258" cy="94007"/>
             </a:xfrm>
             <a:custGeom>
@@ -23906,7 +23906,7 @@
           </p:nvSpPr>
           <p:spPr>
             <a:xfrm>
-              <a:off x="3992363" y="4815291"/>
+              <a:off x="3991104" y="4818267"/>
               <a:ext cx="34723" cy="17785"/>
             </a:xfrm>
             <a:custGeom>
@@ -23949,7 +23949,7 @@
           </p:nvSpPr>
           <p:spPr>
             <a:xfrm>
-              <a:off x="4056305" y="4805128"/>
+              <a:off x="4055046" y="4808104"/>
               <a:ext cx="94007" cy="96971"/>
             </a:xfrm>
             <a:custGeom>
@@ -24142,7 +24142,7 @@
           </p:nvSpPr>
           <p:spPr>
             <a:xfrm>
-              <a:off x="4073667" y="4818255"/>
+              <a:off x="4072408" y="4821231"/>
               <a:ext cx="79186" cy="63095"/>
             </a:xfrm>
             <a:custGeom>
@@ -24287,7 +24287,7 @@
           </p:nvSpPr>
           <p:spPr>
             <a:xfrm>
-              <a:off x="4075361" y="4859331"/>
+              <a:off x="4074102" y="4862306"/>
               <a:ext cx="43192" cy="43192"/>
             </a:xfrm>
             <a:custGeom>
@@ -24384,7 +24384,7 @@
           </p:nvSpPr>
           <p:spPr>
             <a:xfrm>
-              <a:off x="4117283" y="4879657"/>
+              <a:off x="4116024" y="4882632"/>
               <a:ext cx="33876" cy="22866"/>
             </a:xfrm>
             <a:custGeom>
@@ -24481,7 +24481,7 @@
           </p:nvSpPr>
           <p:spPr>
             <a:xfrm>
-              <a:off x="4212137" y="4807669"/>
+              <a:off x="4210878" y="4810645"/>
               <a:ext cx="46156" cy="94007"/>
             </a:xfrm>
             <a:custGeom>
@@ -24743,7 +24743,7 @@
           </p:nvSpPr>
           <p:spPr>
             <a:xfrm>
-              <a:off x="4231193" y="4815715"/>
+              <a:off x="4229934" y="4818690"/>
               <a:ext cx="18632" cy="17785"/>
             </a:xfrm>
             <a:custGeom>
@@ -24786,7 +24786,7 @@
           </p:nvSpPr>
           <p:spPr>
             <a:xfrm>
-              <a:off x="4231193" y="4841122"/>
+              <a:off x="4229934" y="4844098"/>
               <a:ext cx="18632" cy="17785"/>
             </a:xfrm>
             <a:custGeom>
@@ -24829,7 +24829,7 @@
           </p:nvSpPr>
           <p:spPr>
             <a:xfrm>
-              <a:off x="4164710" y="4804281"/>
+              <a:off x="4163451" y="4807257"/>
               <a:ext cx="52932" cy="74104"/>
             </a:xfrm>
             <a:custGeom>
@@ -24920,7 +24920,7 @@
           </p:nvSpPr>
           <p:spPr>
             <a:xfrm>
-              <a:off x="4182919" y="4824607"/>
+              <a:off x="4181660" y="4827583"/>
               <a:ext cx="17785" cy="10586"/>
             </a:xfrm>
             <a:custGeom>
@@ -24963,7 +24963,7 @@
           </p:nvSpPr>
           <p:spPr>
             <a:xfrm>
-              <a:off x="4182919" y="4842392"/>
+              <a:off x="4181660" y="4845368"/>
               <a:ext cx="17785" cy="10586"/>
             </a:xfrm>
             <a:custGeom>
@@ -25006,7 +25006,7 @@
           </p:nvSpPr>
           <p:spPr>
             <a:xfrm>
-              <a:off x="4182919" y="4860178"/>
+              <a:off x="4181660" y="4863153"/>
               <a:ext cx="17785" cy="10586"/>
             </a:xfrm>
             <a:custGeom>
@@ -25049,7 +25049,7 @@
           </p:nvSpPr>
           <p:spPr>
             <a:xfrm>
-              <a:off x="4165981" y="4880504"/>
+              <a:off x="4164722" y="4883479"/>
               <a:ext cx="22866" cy="21596"/>
             </a:xfrm>
             <a:custGeom>
@@ -25146,7 +25146,7 @@
           </p:nvSpPr>
           <p:spPr>
             <a:xfrm>
-              <a:off x="4195199" y="4880504"/>
+              <a:off x="4193940" y="4883479"/>
               <a:ext cx="15667" cy="17361"/>
             </a:xfrm>
             <a:custGeom>
@@ -25243,7 +25243,7 @@
           </p:nvSpPr>
           <p:spPr>
             <a:xfrm>
-              <a:off x="3242881" y="5307988"/>
+              <a:off x="3241444" y="5311415"/>
               <a:ext cx="55631" cy="79556"/>
             </a:xfrm>
             <a:custGeom>
@@ -26060,7 +26060,7 @@
           </p:nvSpPr>
           <p:spPr>
             <a:xfrm>
-              <a:off x="3312169" y="5309100"/>
+              <a:off x="3310733" y="5312527"/>
               <a:ext cx="40175" cy="77386"/>
             </a:xfrm>
             <a:custGeom>
@@ -26121,7 +26121,7 @@
           </p:nvSpPr>
           <p:spPr>
             <a:xfrm>
-              <a:off x="3364625" y="5308994"/>
+              <a:off x="3363188" y="5312421"/>
               <a:ext cx="56160" cy="78551"/>
             </a:xfrm>
             <a:custGeom>
@@ -26590,7 +26590,7 @@
           </p:nvSpPr>
           <p:spPr>
             <a:xfrm>
-              <a:off x="3434813" y="5298831"/>
+              <a:off x="3433376" y="5302258"/>
               <a:ext cx="30912" cy="97395"/>
             </a:xfrm>
             <a:custGeom>
@@ -26726,7 +26726,7 @@
           </p:nvSpPr>
           <p:spPr>
             <a:xfrm>
-              <a:off x="3466149" y="5298831"/>
+              <a:off x="3464712" y="5302258"/>
               <a:ext cx="67329" cy="20325"/>
             </a:xfrm>
             <a:custGeom>
@@ -26835,7 +26835,7 @@
           </p:nvSpPr>
           <p:spPr>
             <a:xfrm>
-              <a:off x="3471654" y="5327626"/>
+              <a:off x="3470217" y="5331053"/>
               <a:ext cx="55896" cy="7622"/>
             </a:xfrm>
             <a:custGeom>
@@ -26878,7 +26878,7 @@
           </p:nvSpPr>
           <p:spPr>
             <a:xfrm>
-              <a:off x="3471654" y="5343718"/>
+              <a:off x="3470217" y="5347144"/>
               <a:ext cx="55896" cy="7622"/>
             </a:xfrm>
             <a:custGeom>
@@ -26921,7 +26921,7 @@
           </p:nvSpPr>
           <p:spPr>
             <a:xfrm>
-              <a:off x="3472501" y="5359809"/>
+              <a:off x="3471064" y="5363236"/>
               <a:ext cx="54202" cy="35993"/>
             </a:xfrm>
             <a:custGeom>
@@ -26976,7 +26976,7 @@
           </p:nvSpPr>
           <p:spPr>
             <a:xfrm>
-              <a:off x="3480970" y="5367431"/>
+              <a:off x="3479533" y="5370858"/>
               <a:ext cx="37264" cy="15244"/>
             </a:xfrm>
             <a:custGeom>
@@ -27019,7 +27019,7 @@
           </p:nvSpPr>
           <p:spPr>
             <a:xfrm>
-              <a:off x="3556769" y="5297561"/>
+              <a:off x="3555332" y="5300987"/>
               <a:ext cx="73258" cy="59707"/>
             </a:xfrm>
             <a:custGeom>
@@ -27074,7 +27074,7 @@
           </p:nvSpPr>
           <p:spPr>
             <a:xfrm>
-              <a:off x="3565238" y="5314499"/>
+              <a:off x="3563801" y="5317926"/>
               <a:ext cx="56319" cy="7198"/>
             </a:xfrm>
             <a:custGeom>
@@ -27117,7 +27117,7 @@
           </p:nvSpPr>
           <p:spPr>
             <a:xfrm>
-              <a:off x="3565238" y="5328473"/>
+              <a:off x="3563801" y="5331900"/>
               <a:ext cx="56319" cy="7198"/>
             </a:xfrm>
             <a:custGeom>
@@ -27160,7 +27160,7 @@
           </p:nvSpPr>
           <p:spPr>
             <a:xfrm>
-              <a:off x="3565238" y="5342024"/>
+              <a:off x="3563801" y="5345450"/>
               <a:ext cx="56319" cy="7198"/>
             </a:xfrm>
             <a:custGeom>
@@ -27203,7 +27203,7 @@
           </p:nvSpPr>
           <p:spPr>
             <a:xfrm>
-              <a:off x="3584717" y="5361079"/>
+              <a:off x="3583280" y="5364506"/>
               <a:ext cx="22443" cy="19479"/>
             </a:xfrm>
             <a:custGeom>
@@ -27300,7 +27300,7 @@
           </p:nvSpPr>
           <p:spPr>
             <a:xfrm>
-              <a:off x="3543218" y="5364044"/>
+              <a:off x="3541781" y="5367470"/>
               <a:ext cx="20325" cy="27948"/>
             </a:xfrm>
             <a:custGeom>
@@ -27397,7 +27397,7 @@
           </p:nvSpPr>
           <p:spPr>
             <a:xfrm>
-              <a:off x="3569472" y="5364467"/>
+              <a:off x="3568036" y="5367894"/>
               <a:ext cx="52932" cy="29641"/>
             </a:xfrm>
             <a:custGeom>
@@ -27713,7 +27713,7 @@
           </p:nvSpPr>
           <p:spPr>
             <a:xfrm>
-              <a:off x="3620287" y="5364467"/>
+              <a:off x="3618850" y="5367894"/>
               <a:ext cx="22443" cy="26677"/>
             </a:xfrm>
             <a:custGeom>
@@ -27810,8 +27810,8 @@
           </p:nvSpPr>
           <p:spPr>
             <a:xfrm>
-              <a:off x="2019661" y="1590617"/>
-              <a:ext cx="6917431" cy="4055309"/>
+              <a:off x="2017917" y="1590617"/>
+              <a:ext cx="6919174" cy="4059006"/>
             </a:xfrm>
             <a:prstGeom prst="rect">
               <a:avLst/>
@@ -27840,7 +27840,7 @@
           </p:nvSpPr>
           <p:spPr>
             <a:xfrm>
-              <a:off x="1926258" y="5309605"/>
+              <a:off x="1924514" y="5313032"/>
               <a:ext cx="55170" cy="79126"/>
             </a:xfrm>
             <a:custGeom>
@@ -28837,7 +28837,7 @@
           </p:nvSpPr>
           <p:spPr>
             <a:xfrm>
-              <a:off x="1943720" y="5320356"/>
+              <a:off x="1941977" y="5323782"/>
               <a:ext cx="20027" cy="21555"/>
             </a:xfrm>
             <a:custGeom>
@@ -29348,7 +29348,7 @@
           </p:nvSpPr>
           <p:spPr>
             <a:xfrm>
-              <a:off x="1942028" y="5352661"/>
+              <a:off x="1940285" y="5356088"/>
               <a:ext cx="23519" cy="25266"/>
             </a:xfrm>
             <a:custGeom>
@@ -29859,7 +29859,7 @@
           </p:nvSpPr>
           <p:spPr>
             <a:xfrm>
-              <a:off x="1927513" y="4816201"/>
+              <a:off x="1925769" y="4819177"/>
               <a:ext cx="52442" cy="76889"/>
             </a:xfrm>
             <a:custGeom>
@@ -30145,7 +30145,7 @@
           </p:nvSpPr>
           <p:spPr>
             <a:xfrm>
-              <a:off x="1926803" y="4320506"/>
+              <a:off x="1925060" y="4323030"/>
               <a:ext cx="54024" cy="79126"/>
             </a:xfrm>
             <a:custGeom>
@@ -30839,7 +30839,7 @@
           </p:nvSpPr>
           <p:spPr>
             <a:xfrm>
-              <a:off x="1942902" y="4360342"/>
+              <a:off x="1941158" y="4362867"/>
               <a:ext cx="22537" cy="27339"/>
             </a:xfrm>
             <a:custGeom>
@@ -31290,7 +31290,7 @@
           </p:nvSpPr>
           <p:spPr>
             <a:xfrm>
-              <a:off x="1926148" y="3827102"/>
+              <a:off x="1924405" y="3829176"/>
               <a:ext cx="55607" cy="77980"/>
             </a:xfrm>
             <a:custGeom>
@@ -32122,7 +32122,7 @@
           </p:nvSpPr>
           <p:spPr>
             <a:xfrm>
-              <a:off x="1924402" y="3332552"/>
+              <a:off x="1922659" y="3334175"/>
               <a:ext cx="59863" cy="76889"/>
             </a:xfrm>
             <a:custGeom>
@@ -32186,7 +32186,7 @@
           </p:nvSpPr>
           <p:spPr>
             <a:xfrm>
-              <a:off x="1936899" y="3346538"/>
+              <a:off x="1935155" y="3348161"/>
               <a:ext cx="22952" cy="35836"/>
             </a:xfrm>
             <a:custGeom>
@@ -32463,7 +32463,7 @@
           </p:nvSpPr>
           <p:spPr>
             <a:xfrm>
-              <a:off x="1925275" y="2836856"/>
+              <a:off x="1923532" y="2838028"/>
               <a:ext cx="55552" cy="79290"/>
             </a:xfrm>
             <a:custGeom>
@@ -33386,7 +33386,7 @@
                     <a:pt x="26919" y="13"/>
                   </a:lnTo>
                   <a:lnTo>
-                    <a:pt x="27939" y="0"/>
+                    <a:pt x="27940" y="0"/>
                   </a:lnTo>
                   <a:lnTo>
                     <a:pt x="29274" y="16"/>
@@ -33772,7 +33772,7 @@
           </p:nvSpPr>
           <p:spPr>
             <a:xfrm>
-              <a:off x="1926585" y="2342306"/>
+              <a:off x="1924841" y="2343027"/>
               <a:ext cx="53806" cy="78035"/>
             </a:xfrm>
             <a:custGeom>
@@ -34538,7 +34538,7 @@
           </p:nvSpPr>
           <p:spPr>
             <a:xfrm>
-              <a:off x="1929750" y="1848902"/>
+              <a:off x="1928007" y="1849172"/>
               <a:ext cx="52005" cy="76889"/>
             </a:xfrm>
             <a:custGeom>
@@ -34602,7 +34602,7 @@
           </p:nvSpPr>
           <p:spPr>
             <a:xfrm>
-              <a:off x="1984866" y="5349196"/>
+              <a:off x="1983123" y="5352623"/>
               <a:ext cx="34794" cy="0"/>
             </a:xfrm>
             <a:custGeom>
@@ -34642,7 +34642,7 @@
           </p:nvSpPr>
           <p:spPr>
             <a:xfrm>
-              <a:off x="1984866" y="4854646"/>
+              <a:off x="1983123" y="4857622"/>
               <a:ext cx="34794" cy="0"/>
             </a:xfrm>
             <a:custGeom>
@@ -34682,7 +34682,7 @@
           </p:nvSpPr>
           <p:spPr>
             <a:xfrm>
-              <a:off x="1984866" y="4360096"/>
+              <a:off x="1983123" y="4362621"/>
               <a:ext cx="34794" cy="0"/>
             </a:xfrm>
             <a:custGeom>
@@ -34722,7 +34722,7 @@
           </p:nvSpPr>
           <p:spPr>
             <a:xfrm>
-              <a:off x="1984866" y="3865546"/>
+              <a:off x="1983123" y="3867620"/>
               <a:ext cx="34794" cy="0"/>
             </a:xfrm>
             <a:custGeom>
@@ -34762,7 +34762,7 @@
           </p:nvSpPr>
           <p:spPr>
             <a:xfrm>
-              <a:off x="1984866" y="3370996"/>
+              <a:off x="1983123" y="3372620"/>
               <a:ext cx="34794" cy="0"/>
             </a:xfrm>
             <a:custGeom>
@@ -34802,7 +34802,7 @@
           </p:nvSpPr>
           <p:spPr>
             <a:xfrm>
-              <a:off x="1984866" y="2876447"/>
+              <a:off x="1983123" y="2877619"/>
               <a:ext cx="34794" cy="0"/>
             </a:xfrm>
             <a:custGeom>
@@ -34842,7 +34842,7 @@
           </p:nvSpPr>
           <p:spPr>
             <a:xfrm>
-              <a:off x="1984866" y="2381897"/>
+              <a:off x="1983123" y="2382618"/>
               <a:ext cx="34794" cy="0"/>
             </a:xfrm>
             <a:custGeom>
@@ -34882,7 +34882,7 @@
           </p:nvSpPr>
           <p:spPr>
             <a:xfrm>
-              <a:off x="1984866" y="1887347"/>
+              <a:off x="1983123" y="1887617"/>
               <a:ext cx="34794" cy="0"/>
             </a:xfrm>
             <a:custGeom>
@@ -34922,7 +34922,7 @@
           </p:nvSpPr>
           <p:spPr>
             <a:xfrm>
-              <a:off x="2019661" y="5645926"/>
+              <a:off x="2017917" y="5649623"/>
               <a:ext cx="0" cy="34794"/>
             </a:xfrm>
             <a:custGeom>
@@ -34962,7 +34962,7 @@
           </p:nvSpPr>
           <p:spPr>
             <a:xfrm>
-              <a:off x="4471503" y="5645926"/>
+              <a:off x="4470377" y="5649623"/>
               <a:ext cx="0" cy="34794"/>
             </a:xfrm>
             <a:custGeom>
@@ -35002,7 +35002,7 @@
           </p:nvSpPr>
           <p:spPr>
             <a:xfrm>
-              <a:off x="6923345" y="5645926"/>
+              <a:off x="6922837" y="5649623"/>
               <a:ext cx="0" cy="34794"/>
             </a:xfrm>
             <a:custGeom>
@@ -35042,7 +35042,7 @@
           </p:nvSpPr>
           <p:spPr>
             <a:xfrm>
-              <a:off x="1992948" y="5707410"/>
+              <a:off x="1991205" y="5711107"/>
               <a:ext cx="53424" cy="79126"/>
             </a:xfrm>
             <a:custGeom>
@@ -35485,7 +35485,7 @@
                     <a:pt x="48312" y="12306"/>
                   </a:lnTo>
                   <a:lnTo>
-                    <a:pt x="48894" y="13492"/>
+                    <a:pt x="48895" y="13492"/>
                   </a:lnTo>
                   <a:lnTo>
                     <a:pt x="49447" y="14740"/>
@@ -35553,7 +35553,7 @@
           </p:nvSpPr>
           <p:spPr>
             <a:xfrm>
-              <a:off x="2002880" y="5715377"/>
+              <a:off x="2001137" y="5719075"/>
               <a:ext cx="33506" cy="63137"/>
             </a:xfrm>
             <a:custGeom>
@@ -36064,7 +36064,7 @@
           </p:nvSpPr>
           <p:spPr>
             <a:xfrm>
-              <a:off x="4382744" y="5708556"/>
+              <a:off x="4381619" y="5712253"/>
               <a:ext cx="52987" cy="77980"/>
             </a:xfrm>
             <a:custGeom>
@@ -37016,7 +37016,7 @@
           </p:nvSpPr>
           <p:spPr>
             <a:xfrm>
-              <a:off x="4444791" y="5707410"/>
+              <a:off x="4443665" y="5711107"/>
               <a:ext cx="53424" cy="79126"/>
             </a:xfrm>
             <a:custGeom>
@@ -37527,7 +37527,7 @@
           </p:nvSpPr>
           <p:spPr>
             <a:xfrm>
-              <a:off x="4454722" y="5715377"/>
+              <a:off x="4453597" y="5719075"/>
               <a:ext cx="33506" cy="63137"/>
             </a:xfrm>
             <a:custGeom>
@@ -38038,7 +38038,7 @@
           </p:nvSpPr>
           <p:spPr>
             <a:xfrm>
-              <a:off x="4506946" y="5707410"/>
+              <a:off x="4505821" y="5711107"/>
               <a:ext cx="53424" cy="79126"/>
             </a:xfrm>
             <a:custGeom>
@@ -38549,7 +38549,7 @@
           </p:nvSpPr>
           <p:spPr>
             <a:xfrm>
-              <a:off x="4516878" y="5715377"/>
+              <a:off x="4515752" y="5719075"/>
               <a:ext cx="33506" cy="63137"/>
             </a:xfrm>
             <a:custGeom>
@@ -39060,7 +39060,7 @@
           </p:nvSpPr>
           <p:spPr>
             <a:xfrm>
-              <a:off x="6807547" y="5708556"/>
+              <a:off x="6807039" y="5712253"/>
               <a:ext cx="48185" cy="76889"/>
             </a:xfrm>
             <a:custGeom>
@@ -39124,7 +39124,7 @@
           </p:nvSpPr>
           <p:spPr>
             <a:xfrm>
-              <a:off x="6865555" y="5707410"/>
+              <a:off x="6865047" y="5711107"/>
               <a:ext cx="53424" cy="79126"/>
             </a:xfrm>
             <a:custGeom>
@@ -39635,7 +39635,7 @@
           </p:nvSpPr>
           <p:spPr>
             <a:xfrm>
-              <a:off x="6875487" y="5715377"/>
+              <a:off x="6874979" y="5719075"/>
               <a:ext cx="33506" cy="63137"/>
             </a:xfrm>
             <a:custGeom>
@@ -40146,7 +40146,7 @@
           </p:nvSpPr>
           <p:spPr>
             <a:xfrm>
-              <a:off x="6927711" y="5707410"/>
+              <a:off x="6927203" y="5711107"/>
               <a:ext cx="53424" cy="79126"/>
             </a:xfrm>
             <a:custGeom>
@@ -40657,7 +40657,7 @@
           </p:nvSpPr>
           <p:spPr>
             <a:xfrm>
-              <a:off x="6937642" y="5715377"/>
+              <a:off x="6937135" y="5719075"/>
               <a:ext cx="33506" cy="63137"/>
             </a:xfrm>
             <a:custGeom>
@@ -41168,7 +41168,7 @@
           </p:nvSpPr>
           <p:spPr>
             <a:xfrm>
-              <a:off x="6989866" y="5707410"/>
+              <a:off x="6989359" y="5711107"/>
               <a:ext cx="53424" cy="79126"/>
             </a:xfrm>
             <a:custGeom>
@@ -41679,7 +41679,7 @@
           </p:nvSpPr>
           <p:spPr>
             <a:xfrm>
-              <a:off x="6999798" y="5715377"/>
+              <a:off x="6999290" y="5719075"/>
               <a:ext cx="33506" cy="63137"/>
             </a:xfrm>
             <a:custGeom>
